--- a/assets/ppt/conclusion.pptx
+++ b/assets/ppt/conclusion.pptx
@@ -2,7 +2,7 @@
 <file path=ppt/presentation.xml><?xml version="1.0" encoding="utf-8"?>
 <p:presentation xmlns:a="http://schemas.openxmlformats.org/drawingml/2006/main" xmlns:r="http://schemas.openxmlformats.org/officeDocument/2006/relationships" xmlns:p="http://schemas.openxmlformats.org/presentationml/2006/main" strictFirstAndLastChars="0" saveSubsetFonts="1" autoCompressPictures="0">
   <p:sldMasterIdLst>
-    <p:sldMasterId id="2147483648" r:id="rId1"/>
+    <p:sldMasterId id="2147483660" r:id="rId1"/>
   </p:sldMasterIdLst>
   <p:notesMasterIdLst>
     <p:notesMasterId r:id="rId5"/>
@@ -15,7 +15,7 @@
     <p:sldId id="275" r:id="rId3"/>
     <p:sldId id="274" r:id="rId4"/>
   </p:sldIdLst>
-  <p:sldSz cx="9144000" cy="6858000" type="screen4x3"/>
+  <p:sldSz cx="9144000" cy="5143500" type="screen16x9"/>
   <p:notesSz cx="6858000" cy="9144000"/>
   <p:defaultTextStyle>
     <a:defPPr>
@@ -142,6 +142,22 @@
       </a:defRPr>
     </a:lvl9pPr>
   </p:defaultTextStyle>
+  <p:extLst>
+    <p:ext uri="{EFAFB233-063F-42B5-8137-9DF3F51BA10A}">
+      <p15:sldGuideLst xmlns:p15="http://schemas.microsoft.com/office/powerpoint/2012/main">
+        <p15:guide id="1" orient="horz" pos="1620" userDrawn="1">
+          <p15:clr>
+            <a:srgbClr val="A4A3A4"/>
+          </p15:clr>
+        </p15:guide>
+        <p15:guide id="2" pos="2880" userDrawn="1">
+          <p15:clr>
+            <a:srgbClr val="A4A3A4"/>
+          </p15:clr>
+        </p15:guide>
+      </p15:sldGuideLst>
+    </p:ext>
+  </p:extLst>
 </p:presentation>
 </file>
 
@@ -231,7 +247,7 @@
               <a:rPr lang="en-US" smtClean="0">
                 <a:latin typeface="Calibri"/>
               </a:rPr>
-              <a:t>16-07-26</a:t>
+              <a:t>12/7/20</a:t>
             </a:fld>
             <a:endParaRPr lang="en-US" dirty="0">
               <a:latin typeface="Calibri"/>
@@ -410,7 +426,7 @@
             <a:fld id="{DCE3C229-B021-5946-9EDD-56AA8EB3D762}" type="datetimeFigureOut">
               <a:rPr lang="en-US" smtClean="0"/>
               <a:pPr/>
-              <a:t>16-07-26</a:t>
+              <a:t>12/7/20</a:t>
             </a:fld>
             <a:endParaRPr lang="en-US" dirty="0"/>
           </a:p>
@@ -428,8 +444,8 @@
         </p:nvSpPr>
         <p:spPr>
           <a:xfrm>
-            <a:off x="1143000" y="685800"/>
-            <a:ext cx="4572000" cy="3429000"/>
+            <a:off x="381000" y="685800"/>
+            <a:ext cx="6096000" cy="3429000"/>
           </a:xfrm>
           <a:prstGeom prst="rect">
             <a:avLst/>
@@ -474,35 +490,35 @@
           <a:p>
             <a:pPr lvl="0"/>
             <a:r>
-              <a:rPr lang="en-CA" smtClean="0"/>
+              <a:rPr lang="en-CA"/>
               <a:t>Click to edit Master text styles</a:t>
             </a:r>
           </a:p>
           <a:p>
             <a:pPr lvl="1"/>
             <a:r>
-              <a:rPr lang="en-CA" smtClean="0"/>
+              <a:rPr lang="en-CA"/>
               <a:t>Second level</a:t>
             </a:r>
           </a:p>
           <a:p>
             <a:pPr lvl="2"/>
             <a:r>
-              <a:rPr lang="en-CA" smtClean="0"/>
+              <a:rPr lang="en-CA"/>
               <a:t>Third level</a:t>
             </a:r>
           </a:p>
           <a:p>
             <a:pPr lvl="3"/>
             <a:r>
-              <a:rPr lang="en-CA" smtClean="0"/>
+              <a:rPr lang="en-CA"/>
               <a:t>Fourth level</a:t>
             </a:r>
           </a:p>
           <a:p>
             <a:pPr lvl="4"/>
             <a:r>
-              <a:rPr lang="en-CA" smtClean="0"/>
+              <a:rPr lang="en-CA"/>
               <a:t>Fifth level</a:t>
             </a:r>
             <a:endParaRPr lang="en-US"/>
@@ -748,8 +764,8 @@
         </p:nvSpPr>
         <p:spPr>
           <a:xfrm>
-            <a:off x="1143000" y="685800"/>
-            <a:ext cx="4572000" cy="3429000"/>
+            <a:off x="381000" y="685800"/>
+            <a:ext cx="6096000" cy="3429000"/>
           </a:xfrm>
           <a:custGeom>
             <a:avLst/>
@@ -804,7 +820,13 @@
       </p:grpSpPr>
       <p:sp>
         <p:nvSpPr>
-          <p:cNvPr id="2" name="Title 1"/>
+          <p:cNvPr id="2" name="Title 1">
+            <a:extLst>
+              <a:ext uri="{FF2B5EF4-FFF2-40B4-BE49-F238E27FC236}">
+                <a16:creationId xmlns:a16="http://schemas.microsoft.com/office/drawing/2014/main" id="{A54806C3-0D37-1E4B-AB06-F67F2304BA48}"/>
+              </a:ext>
+            </a:extLst>
+          </p:cNvPr>
           <p:cNvSpPr>
             <a:spLocks noGrp="1"/>
           </p:cNvSpPr>
@@ -814,25 +836,34 @@
         </p:nvSpPr>
         <p:spPr>
           <a:xfrm>
-            <a:off x="685800" y="2130425"/>
-            <a:ext cx="7772400" cy="1470025"/>
+            <a:off x="1143000" y="841772"/>
+            <a:ext cx="6858000" cy="1790700"/>
           </a:xfrm>
         </p:spPr>
         <p:txBody>
-          <a:bodyPr/>
-          <a:lstStyle/>
-          <a:p>
-            <a:r>
-              <a:rPr lang="en-CA" smtClean="0"/>
+          <a:bodyPr anchor="b"/>
+          <a:lstStyle>
+            <a:lvl1pPr algn="ctr">
+              <a:defRPr sz="4500"/>
+            </a:lvl1pPr>
+          </a:lstStyle>
+          <a:p>
+            <a:r>
+              <a:rPr lang="en-US"/>
               <a:t>Click to edit Master title style</a:t>
             </a:r>
-            <a:endParaRPr lang="en-US"/>
-          </a:p>
-        </p:txBody>
-      </p:sp>
-      <p:sp>
-        <p:nvSpPr>
-          <p:cNvPr id="3" name="Subtitle 2"/>
+          </a:p>
+        </p:txBody>
+      </p:sp>
+      <p:sp>
+        <p:nvSpPr>
+          <p:cNvPr id="3" name="Subtitle 2">
+            <a:extLst>
+              <a:ext uri="{FF2B5EF4-FFF2-40B4-BE49-F238E27FC236}">
+                <a16:creationId xmlns:a16="http://schemas.microsoft.com/office/drawing/2014/main" id="{74474DE2-44F0-154B-9FE6-BCB6D1E865D0}"/>
+              </a:ext>
+            </a:extLst>
+          </p:cNvPr>
           <p:cNvSpPr>
             <a:spLocks noGrp="1"/>
           </p:cNvSpPr>
@@ -842,8 +873,8 @@
         </p:nvSpPr>
         <p:spPr>
           <a:xfrm>
-            <a:off x="1371600" y="3886200"/>
-            <a:ext cx="6400800" cy="1752600"/>
+            <a:off x="1143000" y="2701528"/>
+            <a:ext cx="6858000" cy="1241822"/>
           </a:xfrm>
         </p:spPr>
         <p:txBody>
@@ -851,68 +882,98 @@
           <a:lstStyle>
             <a:lvl1pPr marL="0" indent="0" algn="ctr">
               <a:buNone/>
-              <a:defRPr/>
+              <a:defRPr sz="1800"/>
             </a:lvl1pPr>
-            <a:lvl2pPr marL="457200" indent="0" algn="ctr">
-              <a:buNone/>
-              <a:defRPr/>
+            <a:lvl2pPr marL="342900" indent="0" algn="ctr">
+              <a:buNone/>
+              <a:defRPr sz="1500"/>
             </a:lvl2pPr>
-            <a:lvl3pPr marL="914400" indent="0" algn="ctr">
-              <a:buNone/>
-              <a:defRPr/>
+            <a:lvl3pPr marL="685800" indent="0" algn="ctr">
+              <a:buNone/>
+              <a:defRPr sz="1350"/>
             </a:lvl3pPr>
-            <a:lvl4pPr marL="1371600" indent="0" algn="ctr">
-              <a:buNone/>
-              <a:defRPr/>
+            <a:lvl4pPr marL="1028700" indent="0" algn="ctr">
+              <a:buNone/>
+              <a:defRPr sz="1200"/>
             </a:lvl4pPr>
-            <a:lvl5pPr marL="1828800" indent="0" algn="ctr">
-              <a:buNone/>
-              <a:defRPr/>
+            <a:lvl5pPr marL="1371600" indent="0" algn="ctr">
+              <a:buNone/>
+              <a:defRPr sz="1200"/>
             </a:lvl5pPr>
-            <a:lvl6pPr marL="2286000" indent="0" algn="ctr">
-              <a:buNone/>
-              <a:defRPr/>
+            <a:lvl6pPr marL="1714500" indent="0" algn="ctr">
+              <a:buNone/>
+              <a:defRPr sz="1200"/>
             </a:lvl6pPr>
-            <a:lvl7pPr marL="2743200" indent="0" algn="ctr">
-              <a:buNone/>
-              <a:defRPr/>
+            <a:lvl7pPr marL="2057400" indent="0" algn="ctr">
+              <a:buNone/>
+              <a:defRPr sz="1200"/>
             </a:lvl7pPr>
-            <a:lvl8pPr marL="3200400" indent="0" algn="ctr">
-              <a:buNone/>
-              <a:defRPr/>
+            <a:lvl8pPr marL="2400300" indent="0" algn="ctr">
+              <a:buNone/>
+              <a:defRPr sz="1200"/>
             </a:lvl8pPr>
-            <a:lvl9pPr marL="3657600" indent="0" algn="ctr">
-              <a:buNone/>
-              <a:defRPr/>
+            <a:lvl9pPr marL="2743200" indent="0" algn="ctr">
+              <a:buNone/>
+              <a:defRPr sz="1200"/>
             </a:lvl9pPr>
           </a:lstStyle>
           <a:p>
             <a:r>
+              <a:rPr lang="en-US"/>
+              <a:t>Click to edit Master subtitle style</a:t>
+            </a:r>
+          </a:p>
+        </p:txBody>
+      </p:sp>
+      <p:sp>
+        <p:nvSpPr>
+          <p:cNvPr id="4" name="Date Placeholder 3">
+            <a:extLst>
+              <a:ext uri="{FF2B5EF4-FFF2-40B4-BE49-F238E27FC236}">
+                <a16:creationId xmlns:a16="http://schemas.microsoft.com/office/drawing/2014/main" id="{844E33B0-B879-9D40-9953-106C0922B8D7}"/>
+              </a:ext>
+            </a:extLst>
+          </p:cNvPr>
+          <p:cNvSpPr>
+            <a:spLocks noGrp="1"/>
+          </p:cNvSpPr>
+          <p:nvPr>
+            <p:ph type="dt" sz="half" idx="10"/>
+          </p:nvPr>
+        </p:nvSpPr>
+        <p:spPr/>
+        <p:txBody>
+          <a:bodyPr/>
+          <a:lstStyle/>
+          <a:p>
+            <a:fld id="{37508BEE-B66E-5E46-B50F-23B30D56323F}" type="datetime1">
               <a:rPr lang="en-CA" smtClean="0"/>
-              <a:t>Click to edit Master subtitle style</a:t>
-            </a:r>
+              <a:t>2020-12-07</a:t>
+            </a:fld>
             <a:endParaRPr lang="en-US"/>
           </a:p>
         </p:txBody>
       </p:sp>
       <p:sp>
         <p:nvSpPr>
-          <p:cNvPr id="4" name="Date Placeholder 3"/>
-          <p:cNvSpPr>
-            <a:spLocks noGrp="1"/>
-          </p:cNvSpPr>
-          <p:nvPr>
-            <p:ph type="dt" sz="half" idx="10"/>
+          <p:cNvPr id="5" name="Footer Placeholder 4">
+            <a:extLst>
+              <a:ext uri="{FF2B5EF4-FFF2-40B4-BE49-F238E27FC236}">
+                <a16:creationId xmlns:a16="http://schemas.microsoft.com/office/drawing/2014/main" id="{8801F4B7-24D8-504D-91CD-3E8202E86F5F}"/>
+              </a:ext>
+            </a:extLst>
+          </p:cNvPr>
+          <p:cNvSpPr>
+            <a:spLocks noGrp="1"/>
+          </p:cNvSpPr>
+          <p:nvPr>
+            <p:ph type="ftr" sz="quarter" idx="11"/>
           </p:nvPr>
         </p:nvSpPr>
         <p:spPr/>
         <p:txBody>
           <a:bodyPr/>
-          <a:lstStyle>
-            <a:lvl1pPr>
-              <a:defRPr/>
-            </a:lvl1pPr>
-          </a:lstStyle>
+          <a:lstStyle/>
           <a:p>
             <a:endParaRPr lang="en-US"/>
           </a:p>
@@ -920,49 +981,27 @@
       </p:sp>
       <p:sp>
         <p:nvSpPr>
-          <p:cNvPr id="5" name="Footer Placeholder 4"/>
-          <p:cNvSpPr>
-            <a:spLocks noGrp="1"/>
-          </p:cNvSpPr>
-          <p:nvPr>
-            <p:ph type="ftr" sz="quarter" idx="11"/>
+          <p:cNvPr id="6" name="Slide Number Placeholder 5">
+            <a:extLst>
+              <a:ext uri="{FF2B5EF4-FFF2-40B4-BE49-F238E27FC236}">
+                <a16:creationId xmlns:a16="http://schemas.microsoft.com/office/drawing/2014/main" id="{F3891076-2E3A-CF41-96E4-D4E77A0CF892}"/>
+              </a:ext>
+            </a:extLst>
+          </p:cNvPr>
+          <p:cNvSpPr>
+            <a:spLocks noGrp="1"/>
+          </p:cNvSpPr>
+          <p:nvPr>
+            <p:ph type="sldNum" sz="quarter" idx="12"/>
           </p:nvPr>
         </p:nvSpPr>
         <p:spPr/>
         <p:txBody>
           <a:bodyPr/>
-          <a:lstStyle>
-            <a:lvl1pPr>
-              <a:defRPr/>
-            </a:lvl1pPr>
-          </a:lstStyle>
-          <a:p>
-            <a:endParaRPr lang="en-US"/>
-          </a:p>
-        </p:txBody>
-      </p:sp>
-      <p:sp>
-        <p:nvSpPr>
-          <p:cNvPr id="6" name="Slide Number Placeholder 5"/>
-          <p:cNvSpPr>
-            <a:spLocks noGrp="1"/>
-          </p:cNvSpPr>
-          <p:nvPr>
-            <p:ph type="sldNum" sz="quarter" idx="12"/>
-          </p:nvPr>
-        </p:nvSpPr>
-        <p:spPr/>
-        <p:txBody>
-          <a:bodyPr/>
-          <a:lstStyle>
-            <a:lvl1pPr>
-              <a:defRPr smtClean="0"/>
-            </a:lvl1pPr>
-          </a:lstStyle>
-          <a:p>
-            <a:fld id="{748FECAB-020C-C840-AE13-F2BF4131C829}" type="slidenum">
-              <a:rPr lang="en-US"/>
-              <a:pPr/>
+          <a:lstStyle/>
+          <a:p>
+            <a:fld id="{7B252BF6-6A9C-D04A-BBE8-37A07D64A1C3}" type="slidenum">
+              <a:rPr lang="en-US" smtClean="0"/>
               <a:t>‹#›</a:t>
             </a:fld>
             <a:endParaRPr lang="en-US"/>
@@ -970,6 +1009,11 @@
         </p:txBody>
       </p:sp>
     </p:spTree>
+    <p:extLst>
+      <p:ext uri="{BB962C8B-B14F-4D97-AF65-F5344CB8AC3E}">
+        <p14:creationId xmlns:p14="http://schemas.microsoft.com/office/powerpoint/2010/main" val="3691518386"/>
+      </p:ext>
+    </p:extLst>
   </p:cSld>
   <p:clrMapOvr>
     <a:masterClrMapping/>
@@ -996,7 +1040,13 @@
       </p:grpSpPr>
       <p:sp>
         <p:nvSpPr>
-          <p:cNvPr id="2" name="Title 1"/>
+          <p:cNvPr id="2" name="Title 1">
+            <a:extLst>
+              <a:ext uri="{FF2B5EF4-FFF2-40B4-BE49-F238E27FC236}">
+                <a16:creationId xmlns:a16="http://schemas.microsoft.com/office/drawing/2014/main" id="{02B4CE0D-89FC-894E-837F-75025627F131}"/>
+              </a:ext>
+            </a:extLst>
+          </p:cNvPr>
           <p:cNvSpPr>
             <a:spLocks noGrp="1"/>
           </p:cNvSpPr>
@@ -1010,16 +1060,21 @@
           <a:lstStyle/>
           <a:p>
             <a:r>
-              <a:rPr lang="en-CA" smtClean="0"/>
+              <a:rPr lang="en-US"/>
               <a:t>Click to edit Master title style</a:t>
             </a:r>
-            <a:endParaRPr lang="en-US"/>
-          </a:p>
-        </p:txBody>
-      </p:sp>
-      <p:sp>
-        <p:nvSpPr>
-          <p:cNvPr id="3" name="Vertical Text Placeholder 2"/>
+          </a:p>
+        </p:txBody>
+      </p:sp>
+      <p:sp>
+        <p:nvSpPr>
+          <p:cNvPr id="3" name="Vertical Text Placeholder 2">
+            <a:extLst>
+              <a:ext uri="{FF2B5EF4-FFF2-40B4-BE49-F238E27FC236}">
+                <a16:creationId xmlns:a16="http://schemas.microsoft.com/office/drawing/2014/main" id="{9380ACAA-2C0A-304E-83F1-4EB51F17E25D}"/>
+              </a:ext>
+            </a:extLst>
+          </p:cNvPr>
           <p:cNvSpPr>
             <a:spLocks noGrp="1"/>
           </p:cNvSpPr>
@@ -1034,59 +1089,89 @@
           <a:p>
             <a:pPr lvl="0"/>
             <a:r>
+              <a:rPr lang="en-US"/>
+              <a:t>Click to edit Master text styles</a:t>
+            </a:r>
+          </a:p>
+          <a:p>
+            <a:pPr lvl="1"/>
+            <a:r>
+              <a:rPr lang="en-US"/>
+              <a:t>Second level</a:t>
+            </a:r>
+          </a:p>
+          <a:p>
+            <a:pPr lvl="2"/>
+            <a:r>
+              <a:rPr lang="en-US"/>
+              <a:t>Third level</a:t>
+            </a:r>
+          </a:p>
+          <a:p>
+            <a:pPr lvl="3"/>
+            <a:r>
+              <a:rPr lang="en-US"/>
+              <a:t>Fourth level</a:t>
+            </a:r>
+          </a:p>
+          <a:p>
+            <a:pPr lvl="4"/>
+            <a:r>
+              <a:rPr lang="en-US"/>
+              <a:t>Fifth level</a:t>
+            </a:r>
+          </a:p>
+        </p:txBody>
+      </p:sp>
+      <p:sp>
+        <p:nvSpPr>
+          <p:cNvPr id="4" name="Date Placeholder 3">
+            <a:extLst>
+              <a:ext uri="{FF2B5EF4-FFF2-40B4-BE49-F238E27FC236}">
+                <a16:creationId xmlns:a16="http://schemas.microsoft.com/office/drawing/2014/main" id="{F7F2CE1A-ECCD-7C45-9EC1-935CBB996133}"/>
+              </a:ext>
+            </a:extLst>
+          </p:cNvPr>
+          <p:cNvSpPr>
+            <a:spLocks noGrp="1"/>
+          </p:cNvSpPr>
+          <p:nvPr>
+            <p:ph type="dt" sz="half" idx="10"/>
+          </p:nvPr>
+        </p:nvSpPr>
+        <p:spPr/>
+        <p:txBody>
+          <a:bodyPr/>
+          <a:lstStyle/>
+          <a:p>
+            <a:fld id="{94ED5F46-E862-7041-B839-1084A839C514}" type="datetime1">
               <a:rPr lang="en-CA" smtClean="0"/>
-              <a:t>Click to edit Master text styles</a:t>
-            </a:r>
-          </a:p>
-          <a:p>
-            <a:pPr lvl="1"/>
-            <a:r>
-              <a:rPr lang="en-CA" smtClean="0"/>
-              <a:t>Second level</a:t>
-            </a:r>
-          </a:p>
-          <a:p>
-            <a:pPr lvl="2"/>
-            <a:r>
-              <a:rPr lang="en-CA" smtClean="0"/>
-              <a:t>Third level</a:t>
-            </a:r>
-          </a:p>
-          <a:p>
-            <a:pPr lvl="3"/>
-            <a:r>
-              <a:rPr lang="en-CA" smtClean="0"/>
-              <a:t>Fourth level</a:t>
-            </a:r>
-          </a:p>
-          <a:p>
-            <a:pPr lvl="4"/>
-            <a:r>
-              <a:rPr lang="en-CA" smtClean="0"/>
-              <a:t>Fifth level</a:t>
-            </a:r>
+              <a:t>2020-12-07</a:t>
+            </a:fld>
             <a:endParaRPr lang="en-US"/>
           </a:p>
         </p:txBody>
       </p:sp>
       <p:sp>
         <p:nvSpPr>
-          <p:cNvPr id="4" name="Date Placeholder 3"/>
-          <p:cNvSpPr>
-            <a:spLocks noGrp="1"/>
-          </p:cNvSpPr>
-          <p:nvPr>
-            <p:ph type="dt" sz="half" idx="10"/>
+          <p:cNvPr id="5" name="Footer Placeholder 4">
+            <a:extLst>
+              <a:ext uri="{FF2B5EF4-FFF2-40B4-BE49-F238E27FC236}">
+                <a16:creationId xmlns:a16="http://schemas.microsoft.com/office/drawing/2014/main" id="{61CB26C1-B795-194B-A2F7-B95309E54F38}"/>
+              </a:ext>
+            </a:extLst>
+          </p:cNvPr>
+          <p:cNvSpPr>
+            <a:spLocks noGrp="1"/>
+          </p:cNvSpPr>
+          <p:nvPr>
+            <p:ph type="ftr" sz="quarter" idx="11"/>
           </p:nvPr>
         </p:nvSpPr>
         <p:spPr/>
         <p:txBody>
           <a:bodyPr/>
-          <a:lstStyle>
-            <a:lvl1pPr>
-              <a:defRPr/>
-            </a:lvl1pPr>
-          </a:lstStyle>
+          <a:lstStyle/>
           <a:p>
             <a:endParaRPr lang="en-US"/>
           </a:p>
@@ -1094,49 +1179,27 @@
       </p:sp>
       <p:sp>
         <p:nvSpPr>
-          <p:cNvPr id="5" name="Footer Placeholder 4"/>
-          <p:cNvSpPr>
-            <a:spLocks noGrp="1"/>
-          </p:cNvSpPr>
-          <p:nvPr>
-            <p:ph type="ftr" sz="quarter" idx="11"/>
+          <p:cNvPr id="6" name="Slide Number Placeholder 5">
+            <a:extLst>
+              <a:ext uri="{FF2B5EF4-FFF2-40B4-BE49-F238E27FC236}">
+                <a16:creationId xmlns:a16="http://schemas.microsoft.com/office/drawing/2014/main" id="{44243C09-DCC3-4E4C-AE13-B0962DDB7B7A}"/>
+              </a:ext>
+            </a:extLst>
+          </p:cNvPr>
+          <p:cNvSpPr>
+            <a:spLocks noGrp="1"/>
+          </p:cNvSpPr>
+          <p:nvPr>
+            <p:ph type="sldNum" sz="quarter" idx="12"/>
           </p:nvPr>
         </p:nvSpPr>
         <p:spPr/>
         <p:txBody>
           <a:bodyPr/>
-          <a:lstStyle>
-            <a:lvl1pPr>
-              <a:defRPr/>
-            </a:lvl1pPr>
-          </a:lstStyle>
-          <a:p>
-            <a:endParaRPr lang="en-US"/>
-          </a:p>
-        </p:txBody>
-      </p:sp>
-      <p:sp>
-        <p:nvSpPr>
-          <p:cNvPr id="6" name="Slide Number Placeholder 5"/>
-          <p:cNvSpPr>
-            <a:spLocks noGrp="1"/>
-          </p:cNvSpPr>
-          <p:nvPr>
-            <p:ph type="sldNum" sz="quarter" idx="12"/>
-          </p:nvPr>
-        </p:nvSpPr>
-        <p:spPr/>
-        <p:txBody>
-          <a:bodyPr/>
-          <a:lstStyle>
-            <a:lvl1pPr>
-              <a:defRPr smtClean="0"/>
-            </a:lvl1pPr>
-          </a:lstStyle>
-          <a:p>
-            <a:fld id="{780C26DD-CD9A-F34D-8A54-6BCFC897F03F}" type="slidenum">
-              <a:rPr lang="en-US"/>
-              <a:pPr/>
+          <a:lstStyle/>
+          <a:p>
+            <a:fld id="{7B252BF6-6A9C-D04A-BBE8-37A07D64A1C3}" type="slidenum">
+              <a:rPr lang="en-US" smtClean="0"/>
               <a:t>‹#›</a:t>
             </a:fld>
             <a:endParaRPr lang="en-US"/>
@@ -1144,6 +1207,11 @@
         </p:txBody>
       </p:sp>
     </p:spTree>
+    <p:extLst>
+      <p:ext uri="{BB962C8B-B14F-4D97-AF65-F5344CB8AC3E}">
+        <p14:creationId xmlns:p14="http://schemas.microsoft.com/office/powerpoint/2010/main" val="1154976304"/>
+      </p:ext>
+    </p:extLst>
   </p:cSld>
   <p:clrMapOvr>
     <a:masterClrMapping/>
@@ -1170,7 +1238,13 @@
       </p:grpSpPr>
       <p:sp>
         <p:nvSpPr>
-          <p:cNvPr id="2" name="Vertical Title 1"/>
+          <p:cNvPr id="2" name="Vertical Title 1">
+            <a:extLst>
+              <a:ext uri="{FF2B5EF4-FFF2-40B4-BE49-F238E27FC236}">
+                <a16:creationId xmlns:a16="http://schemas.microsoft.com/office/drawing/2014/main" id="{E7684669-9A93-654D-9A2F-8081C8778423}"/>
+              </a:ext>
+            </a:extLst>
+          </p:cNvPr>
           <p:cNvSpPr>
             <a:spLocks noGrp="1"/>
           </p:cNvSpPr>
@@ -1180,8 +1254,8 @@
         </p:nvSpPr>
         <p:spPr>
           <a:xfrm>
-            <a:off x="6515100" y="609600"/>
-            <a:ext cx="1943100" cy="5486400"/>
+            <a:off x="6543675" y="273844"/>
+            <a:ext cx="1971675" cy="4358879"/>
           </a:xfrm>
         </p:spPr>
         <p:txBody>
@@ -1189,16 +1263,21 @@
           <a:lstStyle/>
           <a:p>
             <a:r>
-              <a:rPr lang="en-CA" smtClean="0"/>
+              <a:rPr lang="en-US"/>
               <a:t>Click to edit Master title style</a:t>
             </a:r>
-            <a:endParaRPr lang="en-US"/>
-          </a:p>
-        </p:txBody>
-      </p:sp>
-      <p:sp>
-        <p:nvSpPr>
-          <p:cNvPr id="3" name="Vertical Text Placeholder 2"/>
+          </a:p>
+        </p:txBody>
+      </p:sp>
+      <p:sp>
+        <p:nvSpPr>
+          <p:cNvPr id="3" name="Vertical Text Placeholder 2">
+            <a:extLst>
+              <a:ext uri="{FF2B5EF4-FFF2-40B4-BE49-F238E27FC236}">
+                <a16:creationId xmlns:a16="http://schemas.microsoft.com/office/drawing/2014/main" id="{0AAB22E1-C8CF-4B47-B5A2-1EE8384A2CFB}"/>
+              </a:ext>
+            </a:extLst>
+          </p:cNvPr>
           <p:cNvSpPr>
             <a:spLocks noGrp="1"/>
           </p:cNvSpPr>
@@ -1208,8 +1287,8 @@
         </p:nvSpPr>
         <p:spPr>
           <a:xfrm>
-            <a:off x="685800" y="609600"/>
-            <a:ext cx="5676900" cy="5486400"/>
+            <a:off x="628650" y="273844"/>
+            <a:ext cx="5800725" cy="4358879"/>
           </a:xfrm>
         </p:spPr>
         <p:txBody>
@@ -1218,59 +1297,89 @@
           <a:p>
             <a:pPr lvl="0"/>
             <a:r>
+              <a:rPr lang="en-US"/>
+              <a:t>Click to edit Master text styles</a:t>
+            </a:r>
+          </a:p>
+          <a:p>
+            <a:pPr lvl="1"/>
+            <a:r>
+              <a:rPr lang="en-US"/>
+              <a:t>Second level</a:t>
+            </a:r>
+          </a:p>
+          <a:p>
+            <a:pPr lvl="2"/>
+            <a:r>
+              <a:rPr lang="en-US"/>
+              <a:t>Third level</a:t>
+            </a:r>
+          </a:p>
+          <a:p>
+            <a:pPr lvl="3"/>
+            <a:r>
+              <a:rPr lang="en-US"/>
+              <a:t>Fourth level</a:t>
+            </a:r>
+          </a:p>
+          <a:p>
+            <a:pPr lvl="4"/>
+            <a:r>
+              <a:rPr lang="en-US"/>
+              <a:t>Fifth level</a:t>
+            </a:r>
+          </a:p>
+        </p:txBody>
+      </p:sp>
+      <p:sp>
+        <p:nvSpPr>
+          <p:cNvPr id="4" name="Date Placeholder 3">
+            <a:extLst>
+              <a:ext uri="{FF2B5EF4-FFF2-40B4-BE49-F238E27FC236}">
+                <a16:creationId xmlns:a16="http://schemas.microsoft.com/office/drawing/2014/main" id="{C80452BC-8E3F-AD42-BB94-46241CB0D03E}"/>
+              </a:ext>
+            </a:extLst>
+          </p:cNvPr>
+          <p:cNvSpPr>
+            <a:spLocks noGrp="1"/>
+          </p:cNvSpPr>
+          <p:nvPr>
+            <p:ph type="dt" sz="half" idx="10"/>
+          </p:nvPr>
+        </p:nvSpPr>
+        <p:spPr/>
+        <p:txBody>
+          <a:bodyPr/>
+          <a:lstStyle/>
+          <a:p>
+            <a:fld id="{A0755934-2EEA-454B-B47B-39481B16D93C}" type="datetime1">
               <a:rPr lang="en-CA" smtClean="0"/>
-              <a:t>Click to edit Master text styles</a:t>
-            </a:r>
-          </a:p>
-          <a:p>
-            <a:pPr lvl="1"/>
-            <a:r>
-              <a:rPr lang="en-CA" smtClean="0"/>
-              <a:t>Second level</a:t>
-            </a:r>
-          </a:p>
-          <a:p>
-            <a:pPr lvl="2"/>
-            <a:r>
-              <a:rPr lang="en-CA" smtClean="0"/>
-              <a:t>Third level</a:t>
-            </a:r>
-          </a:p>
-          <a:p>
-            <a:pPr lvl="3"/>
-            <a:r>
-              <a:rPr lang="en-CA" smtClean="0"/>
-              <a:t>Fourth level</a:t>
-            </a:r>
-          </a:p>
-          <a:p>
-            <a:pPr lvl="4"/>
-            <a:r>
-              <a:rPr lang="en-CA" smtClean="0"/>
-              <a:t>Fifth level</a:t>
-            </a:r>
+              <a:t>2020-12-07</a:t>
+            </a:fld>
             <a:endParaRPr lang="en-US"/>
           </a:p>
         </p:txBody>
       </p:sp>
       <p:sp>
         <p:nvSpPr>
-          <p:cNvPr id="4" name="Date Placeholder 3"/>
-          <p:cNvSpPr>
-            <a:spLocks noGrp="1"/>
-          </p:cNvSpPr>
-          <p:nvPr>
-            <p:ph type="dt" sz="half" idx="10"/>
+          <p:cNvPr id="5" name="Footer Placeholder 4">
+            <a:extLst>
+              <a:ext uri="{FF2B5EF4-FFF2-40B4-BE49-F238E27FC236}">
+                <a16:creationId xmlns:a16="http://schemas.microsoft.com/office/drawing/2014/main" id="{3C62FCD2-719C-FC4A-8ADE-C7C90A064A41}"/>
+              </a:ext>
+            </a:extLst>
+          </p:cNvPr>
+          <p:cNvSpPr>
+            <a:spLocks noGrp="1"/>
+          </p:cNvSpPr>
+          <p:nvPr>
+            <p:ph type="ftr" sz="quarter" idx="11"/>
           </p:nvPr>
         </p:nvSpPr>
         <p:spPr/>
         <p:txBody>
           <a:bodyPr/>
-          <a:lstStyle>
-            <a:lvl1pPr>
-              <a:defRPr/>
-            </a:lvl1pPr>
-          </a:lstStyle>
+          <a:lstStyle/>
           <a:p>
             <a:endParaRPr lang="en-US"/>
           </a:p>
@@ -1278,49 +1387,27 @@
       </p:sp>
       <p:sp>
         <p:nvSpPr>
-          <p:cNvPr id="5" name="Footer Placeholder 4"/>
-          <p:cNvSpPr>
-            <a:spLocks noGrp="1"/>
-          </p:cNvSpPr>
-          <p:nvPr>
-            <p:ph type="ftr" sz="quarter" idx="11"/>
+          <p:cNvPr id="6" name="Slide Number Placeholder 5">
+            <a:extLst>
+              <a:ext uri="{FF2B5EF4-FFF2-40B4-BE49-F238E27FC236}">
+                <a16:creationId xmlns:a16="http://schemas.microsoft.com/office/drawing/2014/main" id="{A291E3A0-1E32-BB4E-B406-C124789314DA}"/>
+              </a:ext>
+            </a:extLst>
+          </p:cNvPr>
+          <p:cNvSpPr>
+            <a:spLocks noGrp="1"/>
+          </p:cNvSpPr>
+          <p:nvPr>
+            <p:ph type="sldNum" sz="quarter" idx="12"/>
           </p:nvPr>
         </p:nvSpPr>
         <p:spPr/>
         <p:txBody>
           <a:bodyPr/>
-          <a:lstStyle>
-            <a:lvl1pPr>
-              <a:defRPr/>
-            </a:lvl1pPr>
-          </a:lstStyle>
-          <a:p>
-            <a:endParaRPr lang="en-US"/>
-          </a:p>
-        </p:txBody>
-      </p:sp>
-      <p:sp>
-        <p:nvSpPr>
-          <p:cNvPr id="6" name="Slide Number Placeholder 5"/>
-          <p:cNvSpPr>
-            <a:spLocks noGrp="1"/>
-          </p:cNvSpPr>
-          <p:nvPr>
-            <p:ph type="sldNum" sz="quarter" idx="12"/>
-          </p:nvPr>
-        </p:nvSpPr>
-        <p:spPr/>
-        <p:txBody>
-          <a:bodyPr/>
-          <a:lstStyle>
-            <a:lvl1pPr>
-              <a:defRPr smtClean="0"/>
-            </a:lvl1pPr>
-          </a:lstStyle>
-          <a:p>
-            <a:fld id="{7BC1A997-A8BD-D34F-AA4E-3E96C235055F}" type="slidenum">
-              <a:rPr lang="en-US"/>
-              <a:pPr/>
+          <a:lstStyle/>
+          <a:p>
+            <a:fld id="{7B252BF6-6A9C-D04A-BBE8-37A07D64A1C3}" type="slidenum">
+              <a:rPr lang="en-US" smtClean="0"/>
               <a:t>‹#›</a:t>
             </a:fld>
             <a:endParaRPr lang="en-US"/>
@@ -1328,6 +1415,1261 @@
         </p:txBody>
       </p:sp>
     </p:spTree>
+    <p:extLst>
+      <p:ext uri="{BB962C8B-B14F-4D97-AF65-F5344CB8AC3E}">
+        <p14:creationId xmlns:p14="http://schemas.microsoft.com/office/powerpoint/2010/main" val="2512398505"/>
+      </p:ext>
+    </p:extLst>
+  </p:cSld>
+  <p:clrMapOvr>
+    <a:masterClrMapping/>
+  </p:clrMapOvr>
+</p:sldLayout>
+</file>
+
+<file path=ppt/slideLayouts/slideLayout12.xml><?xml version="1.0" encoding="utf-8"?>
+<p:sldLayout xmlns:a="http://schemas.openxmlformats.org/drawingml/2006/main" xmlns:r="http://schemas.openxmlformats.org/officeDocument/2006/relationships" xmlns:p="http://schemas.openxmlformats.org/presentationml/2006/main" type="secHead" preserve="1">
+  <p:cSld name="1_Section header">
+    <p:spTree>
+      <p:nvGrpSpPr>
+        <p:cNvPr id="1" name="Shape 17"/>
+        <p:cNvGrpSpPr/>
+        <p:nvPr/>
+      </p:nvGrpSpPr>
+      <p:grpSpPr>
+        <a:xfrm>
+          <a:off x="0" y="0"/>
+          <a:ext cx="0" cy="0"/>
+          <a:chOff x="0" y="0"/>
+          <a:chExt cx="0" cy="0"/>
+        </a:xfrm>
+      </p:grpSpPr>
+      <p:sp>
+        <p:nvSpPr>
+          <p:cNvPr id="18" name="Shape 18"/>
+          <p:cNvSpPr txBox="1">
+            <a:spLocks noGrp="1"/>
+          </p:cNvSpPr>
+          <p:nvPr>
+            <p:ph type="title"/>
+          </p:nvPr>
+        </p:nvSpPr>
+        <p:spPr>
+          <a:xfrm>
+            <a:off x="311700" y="2150850"/>
+            <a:ext cx="8520600" cy="841725"/>
+          </a:xfrm>
+          <a:prstGeom prst="rect">
+            <a:avLst/>
+          </a:prstGeom>
+        </p:spPr>
+        <p:txBody>
+          <a:bodyPr lIns="91425" tIns="91425" rIns="91425" bIns="91425" anchor="ctr" anchorCtr="0"/>
+          <a:lstStyle>
+            <a:lvl1pPr lvl="0" algn="ctr">
+              <a:spcBef>
+                <a:spcPts val="0"/>
+              </a:spcBef>
+              <a:buSzPct val="100000"/>
+              <a:defRPr sz="2700"/>
+            </a:lvl1pPr>
+            <a:lvl2pPr lvl="1" algn="ctr">
+              <a:spcBef>
+                <a:spcPts val="0"/>
+              </a:spcBef>
+              <a:buSzPct val="100000"/>
+              <a:defRPr sz="2700"/>
+            </a:lvl2pPr>
+            <a:lvl3pPr lvl="2" algn="ctr">
+              <a:spcBef>
+                <a:spcPts val="0"/>
+              </a:spcBef>
+              <a:buSzPct val="100000"/>
+              <a:defRPr sz="2700"/>
+            </a:lvl3pPr>
+            <a:lvl4pPr lvl="3" algn="ctr">
+              <a:spcBef>
+                <a:spcPts val="0"/>
+              </a:spcBef>
+              <a:buSzPct val="100000"/>
+              <a:defRPr sz="2700"/>
+            </a:lvl4pPr>
+            <a:lvl5pPr lvl="4" algn="ctr">
+              <a:spcBef>
+                <a:spcPts val="0"/>
+              </a:spcBef>
+              <a:buSzPct val="100000"/>
+              <a:defRPr sz="2700"/>
+            </a:lvl5pPr>
+            <a:lvl6pPr lvl="5" algn="ctr">
+              <a:spcBef>
+                <a:spcPts val="0"/>
+              </a:spcBef>
+              <a:buSzPct val="100000"/>
+              <a:defRPr sz="2700"/>
+            </a:lvl6pPr>
+            <a:lvl7pPr lvl="6" algn="ctr">
+              <a:spcBef>
+                <a:spcPts val="0"/>
+              </a:spcBef>
+              <a:buSzPct val="100000"/>
+              <a:defRPr sz="2700"/>
+            </a:lvl7pPr>
+            <a:lvl8pPr lvl="7" algn="ctr">
+              <a:spcBef>
+                <a:spcPts val="0"/>
+              </a:spcBef>
+              <a:buSzPct val="100000"/>
+              <a:defRPr sz="2700"/>
+            </a:lvl8pPr>
+            <a:lvl9pPr lvl="8" algn="ctr">
+              <a:spcBef>
+                <a:spcPts val="0"/>
+              </a:spcBef>
+              <a:buSzPct val="100000"/>
+              <a:defRPr sz="2700"/>
+            </a:lvl9pPr>
+          </a:lstStyle>
+          <a:p>
+            <a:endParaRPr/>
+          </a:p>
+        </p:txBody>
+      </p:sp>
+    </p:spTree>
+    <p:extLst>
+      <p:ext uri="{BB962C8B-B14F-4D97-AF65-F5344CB8AC3E}">
+        <p14:creationId xmlns:p14="http://schemas.microsoft.com/office/powerpoint/2010/main" val="3225086538"/>
+      </p:ext>
+    </p:extLst>
+  </p:cSld>
+  <p:clrMapOvr>
+    <a:masterClrMapping/>
+  </p:clrMapOvr>
+</p:sldLayout>
+</file>
+
+<file path=ppt/slideLayouts/slideLayout13.xml><?xml version="1.0" encoding="utf-8"?>
+<p:sldLayout xmlns:a="http://schemas.openxmlformats.org/drawingml/2006/main" xmlns:r="http://schemas.openxmlformats.org/officeDocument/2006/relationships" xmlns:p="http://schemas.openxmlformats.org/presentationml/2006/main" type="txAndObj" preserve="1">
+  <p:cSld name="Title, Text, and Content">
+    <p:spTree>
+      <p:nvGrpSpPr>
+        <p:cNvPr id="1" name="Shape 32"/>
+        <p:cNvGrpSpPr/>
+        <p:nvPr/>
+      </p:nvGrpSpPr>
+      <p:grpSpPr>
+        <a:xfrm>
+          <a:off x="0" y="0"/>
+          <a:ext cx="0" cy="0"/>
+          <a:chOff x="0" y="0"/>
+          <a:chExt cx="0" cy="0"/>
+        </a:xfrm>
+      </p:grpSpPr>
+      <p:sp>
+        <p:nvSpPr>
+          <p:cNvPr id="33" name="Shape 33"/>
+          <p:cNvSpPr txBox="1">
+            <a:spLocks noGrp="1"/>
+          </p:cNvSpPr>
+          <p:nvPr>
+            <p:ph type="title"/>
+          </p:nvPr>
+        </p:nvSpPr>
+        <p:spPr>
+          <a:xfrm>
+            <a:off x="685800" y="457200"/>
+            <a:ext cx="7772400" cy="857250"/>
+          </a:xfrm>
+          <a:prstGeom prst="rect">
+            <a:avLst/>
+          </a:prstGeom>
+          <a:noFill/>
+          <a:ln>
+            <a:noFill/>
+          </a:ln>
+        </p:spPr>
+        <p:txBody>
+          <a:bodyPr lIns="91425" tIns="91425" rIns="91425" bIns="91425" anchor="ctr" anchorCtr="0"/>
+          <a:lstStyle>
+            <a:lvl1pPr marL="0" marR="0" lvl="0" indent="0" algn="ctr" rtl="0">
+              <a:spcBef>
+                <a:spcPts val="0"/>
+              </a:spcBef>
+              <a:spcAft>
+                <a:spcPts val="0"/>
+              </a:spcAft>
+              <a:buNone/>
+              <a:defRPr sz="3300" b="0" i="0" u="none" strike="noStrike" cap="none">
+                <a:solidFill>
+                  <a:schemeClr val="dk2"/>
+                </a:solidFill>
+                <a:latin typeface="Calibri"/>
+                <a:ea typeface="Calibri"/>
+                <a:cs typeface="Calibri"/>
+                <a:sym typeface="Calibri"/>
+              </a:defRPr>
+            </a:lvl1pPr>
+            <a:lvl2pPr marL="0" marR="0" lvl="1" indent="0" algn="ctr" rtl="0">
+              <a:spcBef>
+                <a:spcPts val="0"/>
+              </a:spcBef>
+              <a:spcAft>
+                <a:spcPts val="0"/>
+              </a:spcAft>
+              <a:buNone/>
+              <a:defRPr sz="3300" b="0" i="0" u="none" strike="noStrike" cap="none">
+                <a:solidFill>
+                  <a:schemeClr val="dk2"/>
+                </a:solidFill>
+                <a:latin typeface="Times New Roman"/>
+                <a:ea typeface="Times New Roman"/>
+                <a:cs typeface="Times New Roman"/>
+                <a:sym typeface="Times New Roman"/>
+              </a:defRPr>
+            </a:lvl2pPr>
+            <a:lvl3pPr marL="0" marR="0" lvl="2" indent="0" algn="ctr" rtl="0">
+              <a:spcBef>
+                <a:spcPts val="0"/>
+              </a:spcBef>
+              <a:spcAft>
+                <a:spcPts val="0"/>
+              </a:spcAft>
+              <a:buNone/>
+              <a:defRPr sz="3300" b="0" i="0" u="none" strike="noStrike" cap="none">
+                <a:solidFill>
+                  <a:schemeClr val="dk2"/>
+                </a:solidFill>
+                <a:latin typeface="Times New Roman"/>
+                <a:ea typeface="Times New Roman"/>
+                <a:cs typeface="Times New Roman"/>
+                <a:sym typeface="Times New Roman"/>
+              </a:defRPr>
+            </a:lvl3pPr>
+            <a:lvl4pPr marL="0" marR="0" lvl="3" indent="0" algn="ctr" rtl="0">
+              <a:spcBef>
+                <a:spcPts val="0"/>
+              </a:spcBef>
+              <a:spcAft>
+                <a:spcPts val="0"/>
+              </a:spcAft>
+              <a:buNone/>
+              <a:defRPr sz="3300" b="0" i="0" u="none" strike="noStrike" cap="none">
+                <a:solidFill>
+                  <a:schemeClr val="dk2"/>
+                </a:solidFill>
+                <a:latin typeface="Times New Roman"/>
+                <a:ea typeface="Times New Roman"/>
+                <a:cs typeface="Times New Roman"/>
+                <a:sym typeface="Times New Roman"/>
+              </a:defRPr>
+            </a:lvl4pPr>
+            <a:lvl5pPr marL="0" marR="0" lvl="4" indent="0" algn="ctr" rtl="0">
+              <a:spcBef>
+                <a:spcPts val="0"/>
+              </a:spcBef>
+              <a:spcAft>
+                <a:spcPts val="0"/>
+              </a:spcAft>
+              <a:buNone/>
+              <a:defRPr sz="3300" b="0" i="0" u="none" strike="noStrike" cap="none">
+                <a:solidFill>
+                  <a:schemeClr val="dk2"/>
+                </a:solidFill>
+                <a:latin typeface="Times New Roman"/>
+                <a:ea typeface="Times New Roman"/>
+                <a:cs typeface="Times New Roman"/>
+                <a:sym typeface="Times New Roman"/>
+              </a:defRPr>
+            </a:lvl5pPr>
+            <a:lvl6pPr marL="342900" marR="0" lvl="5" indent="0" algn="ctr" rtl="0">
+              <a:spcBef>
+                <a:spcPts val="0"/>
+              </a:spcBef>
+              <a:spcAft>
+                <a:spcPts val="0"/>
+              </a:spcAft>
+              <a:buNone/>
+              <a:defRPr sz="3300" b="0" i="0" u="none" strike="noStrike" cap="none">
+                <a:solidFill>
+                  <a:schemeClr val="dk2"/>
+                </a:solidFill>
+                <a:latin typeface="Times New Roman"/>
+                <a:ea typeface="Times New Roman"/>
+                <a:cs typeface="Times New Roman"/>
+                <a:sym typeface="Times New Roman"/>
+              </a:defRPr>
+            </a:lvl6pPr>
+            <a:lvl7pPr marL="685800" marR="0" lvl="6" indent="0" algn="ctr" rtl="0">
+              <a:spcBef>
+                <a:spcPts val="0"/>
+              </a:spcBef>
+              <a:spcAft>
+                <a:spcPts val="0"/>
+              </a:spcAft>
+              <a:buNone/>
+              <a:defRPr sz="3300" b="0" i="0" u="none" strike="noStrike" cap="none">
+                <a:solidFill>
+                  <a:schemeClr val="dk2"/>
+                </a:solidFill>
+                <a:latin typeface="Times New Roman"/>
+                <a:ea typeface="Times New Roman"/>
+                <a:cs typeface="Times New Roman"/>
+                <a:sym typeface="Times New Roman"/>
+              </a:defRPr>
+            </a:lvl7pPr>
+            <a:lvl8pPr marL="1028700" marR="0" lvl="7" indent="0" algn="ctr" rtl="0">
+              <a:spcBef>
+                <a:spcPts val="0"/>
+              </a:spcBef>
+              <a:spcAft>
+                <a:spcPts val="0"/>
+              </a:spcAft>
+              <a:buNone/>
+              <a:defRPr sz="3300" b="0" i="0" u="none" strike="noStrike" cap="none">
+                <a:solidFill>
+                  <a:schemeClr val="dk2"/>
+                </a:solidFill>
+                <a:latin typeface="Times New Roman"/>
+                <a:ea typeface="Times New Roman"/>
+                <a:cs typeface="Times New Roman"/>
+                <a:sym typeface="Times New Roman"/>
+              </a:defRPr>
+            </a:lvl8pPr>
+            <a:lvl9pPr marL="1371600" marR="0" lvl="8" indent="0" algn="ctr" rtl="0">
+              <a:spcBef>
+                <a:spcPts val="0"/>
+              </a:spcBef>
+              <a:spcAft>
+                <a:spcPts val="0"/>
+              </a:spcAft>
+              <a:buNone/>
+              <a:defRPr sz="3300" b="0" i="0" u="none" strike="noStrike" cap="none">
+                <a:solidFill>
+                  <a:schemeClr val="dk2"/>
+                </a:solidFill>
+                <a:latin typeface="Times New Roman"/>
+                <a:ea typeface="Times New Roman"/>
+                <a:cs typeface="Times New Roman"/>
+                <a:sym typeface="Times New Roman"/>
+              </a:defRPr>
+            </a:lvl9pPr>
+          </a:lstStyle>
+          <a:p>
+            <a:endParaRPr/>
+          </a:p>
+        </p:txBody>
+      </p:sp>
+      <p:sp>
+        <p:nvSpPr>
+          <p:cNvPr id="34" name="Shape 34"/>
+          <p:cNvSpPr txBox="1">
+            <a:spLocks noGrp="1"/>
+          </p:cNvSpPr>
+          <p:nvPr>
+            <p:ph type="body" idx="1"/>
+          </p:nvPr>
+        </p:nvSpPr>
+        <p:spPr>
+          <a:xfrm>
+            <a:off x="685801" y="1485900"/>
+            <a:ext cx="3809999" cy="3086100"/>
+          </a:xfrm>
+          <a:prstGeom prst="rect">
+            <a:avLst/>
+          </a:prstGeom>
+          <a:noFill/>
+          <a:ln>
+            <a:noFill/>
+          </a:ln>
+        </p:spPr>
+        <p:txBody>
+          <a:bodyPr lIns="91425" tIns="91425" rIns="91425" bIns="91425" anchor="t" anchorCtr="0"/>
+          <a:lstStyle>
+            <a:lvl1pPr marL="257175" marR="0" lvl="0" indent="-104775" algn="l" rtl="0">
+              <a:spcBef>
+                <a:spcPts val="480"/>
+              </a:spcBef>
+              <a:spcAft>
+                <a:spcPts val="0"/>
+              </a:spcAft>
+              <a:buClr>
+                <a:schemeClr val="dk1"/>
+              </a:buClr>
+              <a:buSzPct val="100000"/>
+              <a:buFont typeface="Calibri"/>
+              <a:buChar char="•"/>
+              <a:defRPr sz="2400" b="0" i="0" u="none" strike="noStrike" cap="none">
+                <a:solidFill>
+                  <a:schemeClr val="dk1"/>
+                </a:solidFill>
+                <a:latin typeface="Calibri"/>
+                <a:ea typeface="Calibri"/>
+                <a:cs typeface="Calibri"/>
+                <a:sym typeface="Calibri"/>
+              </a:defRPr>
+            </a:lvl1pPr>
+            <a:lvl2pPr marL="557213" marR="0" lvl="1" indent="-80963" algn="l" rtl="0">
+              <a:spcBef>
+                <a:spcPts val="420"/>
+              </a:spcBef>
+              <a:spcAft>
+                <a:spcPts val="0"/>
+              </a:spcAft>
+              <a:buClr>
+                <a:schemeClr val="dk1"/>
+              </a:buClr>
+              <a:buSzPct val="100000"/>
+              <a:buFont typeface="Calibri"/>
+              <a:buChar char="–"/>
+              <a:defRPr sz="2100" b="0" i="0" u="none" strike="noStrike" cap="none">
+                <a:solidFill>
+                  <a:schemeClr val="dk1"/>
+                </a:solidFill>
+                <a:latin typeface="Calibri"/>
+                <a:ea typeface="Calibri"/>
+                <a:cs typeface="Calibri"/>
+                <a:sym typeface="Calibri"/>
+              </a:defRPr>
+            </a:lvl2pPr>
+            <a:lvl3pPr marL="857250" marR="0" lvl="2" indent="-57150" algn="l" rtl="0">
+              <a:spcBef>
+                <a:spcPts val="360"/>
+              </a:spcBef>
+              <a:spcAft>
+                <a:spcPts val="0"/>
+              </a:spcAft>
+              <a:buClr>
+                <a:schemeClr val="dk1"/>
+              </a:buClr>
+              <a:buSzPct val="100000"/>
+              <a:buFont typeface="Calibri"/>
+              <a:buChar char="•"/>
+              <a:defRPr sz="1800" b="0" i="0" u="none" strike="noStrike" cap="none">
+                <a:solidFill>
+                  <a:schemeClr val="dk1"/>
+                </a:solidFill>
+                <a:latin typeface="Calibri"/>
+                <a:ea typeface="Calibri"/>
+                <a:cs typeface="Calibri"/>
+                <a:sym typeface="Calibri"/>
+              </a:defRPr>
+            </a:lvl3pPr>
+            <a:lvl4pPr marL="1200150" marR="0" lvl="3" indent="-76200" algn="l" rtl="0">
+              <a:spcBef>
+                <a:spcPts val="300"/>
+              </a:spcBef>
+              <a:spcAft>
+                <a:spcPts val="0"/>
+              </a:spcAft>
+              <a:buClr>
+                <a:schemeClr val="dk1"/>
+              </a:buClr>
+              <a:buSzPct val="100000"/>
+              <a:buFont typeface="Calibri"/>
+              <a:buChar char="–"/>
+              <a:defRPr sz="1500" b="0" i="0" u="none" strike="noStrike" cap="none">
+                <a:solidFill>
+                  <a:schemeClr val="dk1"/>
+                </a:solidFill>
+                <a:latin typeface="Calibri"/>
+                <a:ea typeface="Calibri"/>
+                <a:cs typeface="Calibri"/>
+                <a:sym typeface="Calibri"/>
+              </a:defRPr>
+            </a:lvl4pPr>
+            <a:lvl5pPr marL="1543050" marR="0" lvl="4" indent="-76200" algn="l" rtl="0">
+              <a:spcBef>
+                <a:spcPts val="300"/>
+              </a:spcBef>
+              <a:spcAft>
+                <a:spcPts val="0"/>
+              </a:spcAft>
+              <a:buClr>
+                <a:schemeClr val="dk1"/>
+              </a:buClr>
+              <a:buSzPct val="100000"/>
+              <a:buFont typeface="Calibri"/>
+              <a:buChar char="»"/>
+              <a:defRPr sz="1500" b="0" i="0" u="none" strike="noStrike" cap="none">
+                <a:solidFill>
+                  <a:schemeClr val="dk1"/>
+                </a:solidFill>
+                <a:latin typeface="Calibri"/>
+                <a:ea typeface="Calibri"/>
+                <a:cs typeface="Calibri"/>
+                <a:sym typeface="Calibri"/>
+              </a:defRPr>
+            </a:lvl5pPr>
+            <a:lvl6pPr marL="1885950" marR="0" lvl="5" indent="-76200" algn="l" rtl="0">
+              <a:spcBef>
+                <a:spcPts val="300"/>
+              </a:spcBef>
+              <a:spcAft>
+                <a:spcPts val="0"/>
+              </a:spcAft>
+              <a:buClr>
+                <a:schemeClr val="dk1"/>
+              </a:buClr>
+              <a:buSzPct val="100000"/>
+              <a:buFont typeface="Times New Roman"/>
+              <a:buChar char="»"/>
+              <a:defRPr sz="1500" b="0" i="0" u="none" strike="noStrike" cap="none">
+                <a:solidFill>
+                  <a:schemeClr val="dk1"/>
+                </a:solidFill>
+                <a:latin typeface="Times New Roman"/>
+                <a:ea typeface="Times New Roman"/>
+                <a:cs typeface="Times New Roman"/>
+                <a:sym typeface="Times New Roman"/>
+              </a:defRPr>
+            </a:lvl6pPr>
+            <a:lvl7pPr marL="2228850" marR="0" lvl="6" indent="-76200" algn="l" rtl="0">
+              <a:spcBef>
+                <a:spcPts val="300"/>
+              </a:spcBef>
+              <a:spcAft>
+                <a:spcPts val="0"/>
+              </a:spcAft>
+              <a:buClr>
+                <a:schemeClr val="dk1"/>
+              </a:buClr>
+              <a:buSzPct val="100000"/>
+              <a:buFont typeface="Times New Roman"/>
+              <a:buChar char="»"/>
+              <a:defRPr sz="1500" b="0" i="0" u="none" strike="noStrike" cap="none">
+                <a:solidFill>
+                  <a:schemeClr val="dk1"/>
+                </a:solidFill>
+                <a:latin typeface="Times New Roman"/>
+                <a:ea typeface="Times New Roman"/>
+                <a:cs typeface="Times New Roman"/>
+                <a:sym typeface="Times New Roman"/>
+              </a:defRPr>
+            </a:lvl7pPr>
+            <a:lvl8pPr marL="2571750" marR="0" lvl="7" indent="-76200" algn="l" rtl="0">
+              <a:spcBef>
+                <a:spcPts val="300"/>
+              </a:spcBef>
+              <a:spcAft>
+                <a:spcPts val="0"/>
+              </a:spcAft>
+              <a:buClr>
+                <a:schemeClr val="dk1"/>
+              </a:buClr>
+              <a:buSzPct val="100000"/>
+              <a:buFont typeface="Times New Roman"/>
+              <a:buChar char="»"/>
+              <a:defRPr sz="1500" b="0" i="0" u="none" strike="noStrike" cap="none">
+                <a:solidFill>
+                  <a:schemeClr val="dk1"/>
+                </a:solidFill>
+                <a:latin typeface="Times New Roman"/>
+                <a:ea typeface="Times New Roman"/>
+                <a:cs typeface="Times New Roman"/>
+                <a:sym typeface="Times New Roman"/>
+              </a:defRPr>
+            </a:lvl8pPr>
+            <a:lvl9pPr marL="2914650" marR="0" lvl="8" indent="-76200" algn="l" rtl="0">
+              <a:spcBef>
+                <a:spcPts val="300"/>
+              </a:spcBef>
+              <a:spcAft>
+                <a:spcPts val="0"/>
+              </a:spcAft>
+              <a:buClr>
+                <a:schemeClr val="dk1"/>
+              </a:buClr>
+              <a:buSzPct val="100000"/>
+              <a:buFont typeface="Times New Roman"/>
+              <a:buChar char="»"/>
+              <a:defRPr sz="1500" b="0" i="0" u="none" strike="noStrike" cap="none">
+                <a:solidFill>
+                  <a:schemeClr val="dk1"/>
+                </a:solidFill>
+                <a:latin typeface="Times New Roman"/>
+                <a:ea typeface="Times New Roman"/>
+                <a:cs typeface="Times New Roman"/>
+                <a:sym typeface="Times New Roman"/>
+              </a:defRPr>
+            </a:lvl9pPr>
+          </a:lstStyle>
+          <a:p>
+            <a:endParaRPr/>
+          </a:p>
+        </p:txBody>
+      </p:sp>
+      <p:sp>
+        <p:nvSpPr>
+          <p:cNvPr id="35" name="Shape 35"/>
+          <p:cNvSpPr txBox="1">
+            <a:spLocks noGrp="1"/>
+          </p:cNvSpPr>
+          <p:nvPr>
+            <p:ph type="body" idx="2"/>
+          </p:nvPr>
+        </p:nvSpPr>
+        <p:spPr>
+          <a:xfrm>
+            <a:off x="4648201" y="1485900"/>
+            <a:ext cx="3809999" cy="3086100"/>
+          </a:xfrm>
+          <a:prstGeom prst="rect">
+            <a:avLst/>
+          </a:prstGeom>
+          <a:noFill/>
+          <a:ln>
+            <a:noFill/>
+          </a:ln>
+        </p:spPr>
+        <p:txBody>
+          <a:bodyPr lIns="91425" tIns="91425" rIns="91425" bIns="91425" anchor="t" anchorCtr="0"/>
+          <a:lstStyle>
+            <a:lvl1pPr marL="257175" marR="0" lvl="0" indent="-104775" algn="l" rtl="0">
+              <a:spcBef>
+                <a:spcPts val="480"/>
+              </a:spcBef>
+              <a:spcAft>
+                <a:spcPts val="0"/>
+              </a:spcAft>
+              <a:buClr>
+                <a:schemeClr val="dk1"/>
+              </a:buClr>
+              <a:buSzPct val="100000"/>
+              <a:buFont typeface="Calibri"/>
+              <a:buChar char="•"/>
+              <a:defRPr sz="2400" b="0" i="0" u="none" strike="noStrike" cap="none">
+                <a:solidFill>
+                  <a:schemeClr val="dk1"/>
+                </a:solidFill>
+                <a:latin typeface="Calibri"/>
+                <a:ea typeface="Calibri"/>
+                <a:cs typeface="Calibri"/>
+                <a:sym typeface="Calibri"/>
+              </a:defRPr>
+            </a:lvl1pPr>
+            <a:lvl2pPr marL="557213" marR="0" lvl="1" indent="-80963" algn="l" rtl="0">
+              <a:spcBef>
+                <a:spcPts val="420"/>
+              </a:spcBef>
+              <a:spcAft>
+                <a:spcPts val="0"/>
+              </a:spcAft>
+              <a:buClr>
+                <a:schemeClr val="dk1"/>
+              </a:buClr>
+              <a:buSzPct val="100000"/>
+              <a:buFont typeface="Calibri"/>
+              <a:buChar char="–"/>
+              <a:defRPr sz="2100" b="0" i="0" u="none" strike="noStrike" cap="none">
+                <a:solidFill>
+                  <a:schemeClr val="dk1"/>
+                </a:solidFill>
+                <a:latin typeface="Calibri"/>
+                <a:ea typeface="Calibri"/>
+                <a:cs typeface="Calibri"/>
+                <a:sym typeface="Calibri"/>
+              </a:defRPr>
+            </a:lvl2pPr>
+            <a:lvl3pPr marL="857250" marR="0" lvl="2" indent="-57150" algn="l" rtl="0">
+              <a:spcBef>
+                <a:spcPts val="360"/>
+              </a:spcBef>
+              <a:spcAft>
+                <a:spcPts val="0"/>
+              </a:spcAft>
+              <a:buClr>
+                <a:schemeClr val="dk1"/>
+              </a:buClr>
+              <a:buSzPct val="100000"/>
+              <a:buFont typeface="Calibri"/>
+              <a:buChar char="•"/>
+              <a:defRPr sz="1800" b="0" i="0" u="none" strike="noStrike" cap="none">
+                <a:solidFill>
+                  <a:schemeClr val="dk1"/>
+                </a:solidFill>
+                <a:latin typeface="Calibri"/>
+                <a:ea typeface="Calibri"/>
+                <a:cs typeface="Calibri"/>
+                <a:sym typeface="Calibri"/>
+              </a:defRPr>
+            </a:lvl3pPr>
+            <a:lvl4pPr marL="1200150" marR="0" lvl="3" indent="-76200" algn="l" rtl="0">
+              <a:spcBef>
+                <a:spcPts val="300"/>
+              </a:spcBef>
+              <a:spcAft>
+                <a:spcPts val="0"/>
+              </a:spcAft>
+              <a:buClr>
+                <a:schemeClr val="dk1"/>
+              </a:buClr>
+              <a:buSzPct val="100000"/>
+              <a:buFont typeface="Calibri"/>
+              <a:buChar char="–"/>
+              <a:defRPr sz="1500" b="0" i="0" u="none" strike="noStrike" cap="none">
+                <a:solidFill>
+                  <a:schemeClr val="dk1"/>
+                </a:solidFill>
+                <a:latin typeface="Calibri"/>
+                <a:ea typeface="Calibri"/>
+                <a:cs typeface="Calibri"/>
+                <a:sym typeface="Calibri"/>
+              </a:defRPr>
+            </a:lvl4pPr>
+            <a:lvl5pPr marL="1543050" marR="0" lvl="4" indent="-76200" algn="l" rtl="0">
+              <a:spcBef>
+                <a:spcPts val="300"/>
+              </a:spcBef>
+              <a:spcAft>
+                <a:spcPts val="0"/>
+              </a:spcAft>
+              <a:buClr>
+                <a:schemeClr val="dk1"/>
+              </a:buClr>
+              <a:buSzPct val="100000"/>
+              <a:buFont typeface="Calibri"/>
+              <a:buChar char="»"/>
+              <a:defRPr sz="1500" b="0" i="0" u="none" strike="noStrike" cap="none">
+                <a:solidFill>
+                  <a:schemeClr val="dk1"/>
+                </a:solidFill>
+                <a:latin typeface="Calibri"/>
+                <a:ea typeface="Calibri"/>
+                <a:cs typeface="Calibri"/>
+                <a:sym typeface="Calibri"/>
+              </a:defRPr>
+            </a:lvl5pPr>
+            <a:lvl6pPr marL="1885950" marR="0" lvl="5" indent="-76200" algn="l" rtl="0">
+              <a:spcBef>
+                <a:spcPts val="300"/>
+              </a:spcBef>
+              <a:spcAft>
+                <a:spcPts val="0"/>
+              </a:spcAft>
+              <a:buClr>
+                <a:schemeClr val="dk1"/>
+              </a:buClr>
+              <a:buSzPct val="100000"/>
+              <a:buFont typeface="Times New Roman"/>
+              <a:buChar char="»"/>
+              <a:defRPr sz="1500" b="0" i="0" u="none" strike="noStrike" cap="none">
+                <a:solidFill>
+                  <a:schemeClr val="dk1"/>
+                </a:solidFill>
+                <a:latin typeface="Times New Roman"/>
+                <a:ea typeface="Times New Roman"/>
+                <a:cs typeface="Times New Roman"/>
+                <a:sym typeface="Times New Roman"/>
+              </a:defRPr>
+            </a:lvl6pPr>
+            <a:lvl7pPr marL="2228850" marR="0" lvl="6" indent="-76200" algn="l" rtl="0">
+              <a:spcBef>
+                <a:spcPts val="300"/>
+              </a:spcBef>
+              <a:spcAft>
+                <a:spcPts val="0"/>
+              </a:spcAft>
+              <a:buClr>
+                <a:schemeClr val="dk1"/>
+              </a:buClr>
+              <a:buSzPct val="100000"/>
+              <a:buFont typeface="Times New Roman"/>
+              <a:buChar char="»"/>
+              <a:defRPr sz="1500" b="0" i="0" u="none" strike="noStrike" cap="none">
+                <a:solidFill>
+                  <a:schemeClr val="dk1"/>
+                </a:solidFill>
+                <a:latin typeface="Times New Roman"/>
+                <a:ea typeface="Times New Roman"/>
+                <a:cs typeface="Times New Roman"/>
+                <a:sym typeface="Times New Roman"/>
+              </a:defRPr>
+            </a:lvl7pPr>
+            <a:lvl8pPr marL="2571750" marR="0" lvl="7" indent="-76200" algn="l" rtl="0">
+              <a:spcBef>
+                <a:spcPts val="300"/>
+              </a:spcBef>
+              <a:spcAft>
+                <a:spcPts val="0"/>
+              </a:spcAft>
+              <a:buClr>
+                <a:schemeClr val="dk1"/>
+              </a:buClr>
+              <a:buSzPct val="100000"/>
+              <a:buFont typeface="Times New Roman"/>
+              <a:buChar char="»"/>
+              <a:defRPr sz="1500" b="0" i="0" u="none" strike="noStrike" cap="none">
+                <a:solidFill>
+                  <a:schemeClr val="dk1"/>
+                </a:solidFill>
+                <a:latin typeface="Times New Roman"/>
+                <a:ea typeface="Times New Roman"/>
+                <a:cs typeface="Times New Roman"/>
+                <a:sym typeface="Times New Roman"/>
+              </a:defRPr>
+            </a:lvl8pPr>
+            <a:lvl9pPr marL="2914650" marR="0" lvl="8" indent="-76200" algn="l" rtl="0">
+              <a:spcBef>
+                <a:spcPts val="300"/>
+              </a:spcBef>
+              <a:spcAft>
+                <a:spcPts val="0"/>
+              </a:spcAft>
+              <a:buClr>
+                <a:schemeClr val="dk1"/>
+              </a:buClr>
+              <a:buSzPct val="100000"/>
+              <a:buFont typeface="Times New Roman"/>
+              <a:buChar char="»"/>
+              <a:defRPr sz="1500" b="0" i="0" u="none" strike="noStrike" cap="none">
+                <a:solidFill>
+                  <a:schemeClr val="dk1"/>
+                </a:solidFill>
+                <a:latin typeface="Times New Roman"/>
+                <a:ea typeface="Times New Roman"/>
+                <a:cs typeface="Times New Roman"/>
+                <a:sym typeface="Times New Roman"/>
+              </a:defRPr>
+            </a:lvl9pPr>
+          </a:lstStyle>
+          <a:p>
+            <a:endParaRPr/>
+          </a:p>
+        </p:txBody>
+      </p:sp>
+      <p:sp>
+        <p:nvSpPr>
+          <p:cNvPr id="36" name="Shape 36"/>
+          <p:cNvSpPr txBox="1">
+            <a:spLocks noGrp="1"/>
+          </p:cNvSpPr>
+          <p:nvPr>
+            <p:ph type="dt" idx="10"/>
+          </p:nvPr>
+        </p:nvSpPr>
+        <p:spPr>
+          <a:xfrm>
+            <a:off x="685801" y="4686300"/>
+            <a:ext cx="1904999" cy="342900"/>
+          </a:xfrm>
+          <a:prstGeom prst="rect">
+            <a:avLst/>
+          </a:prstGeom>
+          <a:noFill/>
+          <a:ln>
+            <a:noFill/>
+          </a:ln>
+        </p:spPr>
+        <p:txBody>
+          <a:bodyPr lIns="91425" tIns="91425" rIns="91425" bIns="91425" anchor="t" anchorCtr="0"/>
+          <a:lstStyle>
+            <a:lvl1pPr marL="0" marR="0" lvl="0" indent="0" algn="l" rtl="0">
+              <a:spcBef>
+                <a:spcPts val="0"/>
+              </a:spcBef>
+              <a:spcAft>
+                <a:spcPts val="0"/>
+              </a:spcAft>
+              <a:buNone/>
+              <a:defRPr sz="1050" b="0" i="0" u="none" strike="noStrike" cap="none">
+                <a:solidFill>
+                  <a:schemeClr val="dk1"/>
+                </a:solidFill>
+                <a:latin typeface="Calibri"/>
+                <a:ea typeface="Calibri"/>
+                <a:cs typeface="Calibri"/>
+                <a:sym typeface="Calibri"/>
+              </a:defRPr>
+            </a:lvl1pPr>
+            <a:lvl2pPr marL="342900" marR="0" lvl="1" indent="0" algn="l" rtl="0">
+              <a:spcBef>
+                <a:spcPts val="0"/>
+              </a:spcBef>
+              <a:spcAft>
+                <a:spcPts val="0"/>
+              </a:spcAft>
+              <a:buNone/>
+              <a:defRPr sz="1800" b="0" i="0" u="none" strike="noStrike" cap="none">
+                <a:solidFill>
+                  <a:schemeClr val="dk1"/>
+                </a:solidFill>
+                <a:latin typeface="Times New Roman"/>
+                <a:ea typeface="Times New Roman"/>
+                <a:cs typeface="Times New Roman"/>
+                <a:sym typeface="Times New Roman"/>
+              </a:defRPr>
+            </a:lvl2pPr>
+            <a:lvl3pPr marL="685800" marR="0" lvl="2" indent="0" algn="l" rtl="0">
+              <a:spcBef>
+                <a:spcPts val="0"/>
+              </a:spcBef>
+              <a:spcAft>
+                <a:spcPts val="0"/>
+              </a:spcAft>
+              <a:buNone/>
+              <a:defRPr sz="1800" b="0" i="0" u="none" strike="noStrike" cap="none">
+                <a:solidFill>
+                  <a:schemeClr val="dk1"/>
+                </a:solidFill>
+                <a:latin typeface="Times New Roman"/>
+                <a:ea typeface="Times New Roman"/>
+                <a:cs typeface="Times New Roman"/>
+                <a:sym typeface="Times New Roman"/>
+              </a:defRPr>
+            </a:lvl3pPr>
+            <a:lvl4pPr marL="1028700" marR="0" lvl="3" indent="0" algn="l" rtl="0">
+              <a:spcBef>
+                <a:spcPts val="0"/>
+              </a:spcBef>
+              <a:spcAft>
+                <a:spcPts val="0"/>
+              </a:spcAft>
+              <a:buNone/>
+              <a:defRPr sz="1800" b="0" i="0" u="none" strike="noStrike" cap="none">
+                <a:solidFill>
+                  <a:schemeClr val="dk1"/>
+                </a:solidFill>
+                <a:latin typeface="Times New Roman"/>
+                <a:ea typeface="Times New Roman"/>
+                <a:cs typeface="Times New Roman"/>
+                <a:sym typeface="Times New Roman"/>
+              </a:defRPr>
+            </a:lvl4pPr>
+            <a:lvl5pPr marL="1371600" marR="0" lvl="4" indent="0" algn="l" rtl="0">
+              <a:spcBef>
+                <a:spcPts val="0"/>
+              </a:spcBef>
+              <a:spcAft>
+                <a:spcPts val="0"/>
+              </a:spcAft>
+              <a:buNone/>
+              <a:defRPr sz="1800" b="0" i="0" u="none" strike="noStrike" cap="none">
+                <a:solidFill>
+                  <a:schemeClr val="dk1"/>
+                </a:solidFill>
+                <a:latin typeface="Times New Roman"/>
+                <a:ea typeface="Times New Roman"/>
+                <a:cs typeface="Times New Roman"/>
+                <a:sym typeface="Times New Roman"/>
+              </a:defRPr>
+            </a:lvl5pPr>
+            <a:lvl6pPr marL="1714500" marR="0" lvl="5" indent="0" algn="l" rtl="0">
+              <a:spcBef>
+                <a:spcPts val="0"/>
+              </a:spcBef>
+              <a:buNone/>
+              <a:defRPr sz="1800" b="0" i="0" u="none" strike="noStrike" cap="none">
+                <a:solidFill>
+                  <a:schemeClr val="dk1"/>
+                </a:solidFill>
+                <a:latin typeface="Times New Roman"/>
+                <a:ea typeface="Times New Roman"/>
+                <a:cs typeface="Times New Roman"/>
+                <a:sym typeface="Times New Roman"/>
+              </a:defRPr>
+            </a:lvl6pPr>
+            <a:lvl7pPr marL="2057400" marR="0" lvl="6" indent="0" algn="l" rtl="0">
+              <a:spcBef>
+                <a:spcPts val="0"/>
+              </a:spcBef>
+              <a:buNone/>
+              <a:defRPr sz="1800" b="0" i="0" u="none" strike="noStrike" cap="none">
+                <a:solidFill>
+                  <a:schemeClr val="dk1"/>
+                </a:solidFill>
+                <a:latin typeface="Times New Roman"/>
+                <a:ea typeface="Times New Roman"/>
+                <a:cs typeface="Times New Roman"/>
+                <a:sym typeface="Times New Roman"/>
+              </a:defRPr>
+            </a:lvl7pPr>
+            <a:lvl8pPr marL="2400300" marR="0" lvl="7" indent="0" algn="l" rtl="0">
+              <a:spcBef>
+                <a:spcPts val="0"/>
+              </a:spcBef>
+              <a:buNone/>
+              <a:defRPr sz="1800" b="0" i="0" u="none" strike="noStrike" cap="none">
+                <a:solidFill>
+                  <a:schemeClr val="dk1"/>
+                </a:solidFill>
+                <a:latin typeface="Times New Roman"/>
+                <a:ea typeface="Times New Roman"/>
+                <a:cs typeface="Times New Roman"/>
+                <a:sym typeface="Times New Roman"/>
+              </a:defRPr>
+            </a:lvl8pPr>
+            <a:lvl9pPr marL="2743200" marR="0" lvl="8" indent="0" algn="l" rtl="0">
+              <a:spcBef>
+                <a:spcPts val="0"/>
+              </a:spcBef>
+              <a:buNone/>
+              <a:defRPr sz="1800" b="0" i="0" u="none" strike="noStrike" cap="none">
+                <a:solidFill>
+                  <a:schemeClr val="dk1"/>
+                </a:solidFill>
+                <a:latin typeface="Times New Roman"/>
+                <a:ea typeface="Times New Roman"/>
+                <a:cs typeface="Times New Roman"/>
+                <a:sym typeface="Times New Roman"/>
+              </a:defRPr>
+            </a:lvl9pPr>
+          </a:lstStyle>
+          <a:p>
+            <a:fld id="{33CDF6D5-475A-F046-87CA-412EB71D7141}" type="datetime1">
+              <a:rPr lang="en-CA" smtClean="0"/>
+              <a:t>2020-12-07</a:t>
+            </a:fld>
+            <a:endParaRPr/>
+          </a:p>
+        </p:txBody>
+      </p:sp>
+      <p:sp>
+        <p:nvSpPr>
+          <p:cNvPr id="37" name="Shape 37"/>
+          <p:cNvSpPr txBox="1">
+            <a:spLocks noGrp="1"/>
+          </p:cNvSpPr>
+          <p:nvPr>
+            <p:ph type="ftr" idx="11"/>
+          </p:nvPr>
+        </p:nvSpPr>
+        <p:spPr>
+          <a:xfrm>
+            <a:off x="3124200" y="4686300"/>
+            <a:ext cx="2895600" cy="342900"/>
+          </a:xfrm>
+          <a:prstGeom prst="rect">
+            <a:avLst/>
+          </a:prstGeom>
+          <a:noFill/>
+          <a:ln>
+            <a:noFill/>
+          </a:ln>
+        </p:spPr>
+        <p:txBody>
+          <a:bodyPr lIns="91425" tIns="91425" rIns="91425" bIns="91425" anchor="t" anchorCtr="0"/>
+          <a:lstStyle>
+            <a:lvl1pPr marL="0" marR="0" lvl="0" indent="0" algn="ctr" rtl="0">
+              <a:spcBef>
+                <a:spcPts val="0"/>
+              </a:spcBef>
+              <a:spcAft>
+                <a:spcPts val="0"/>
+              </a:spcAft>
+              <a:buNone/>
+              <a:defRPr sz="1050" b="0" i="0" u="none" strike="noStrike" cap="none">
+                <a:solidFill>
+                  <a:schemeClr val="dk1"/>
+                </a:solidFill>
+                <a:latin typeface="Calibri"/>
+                <a:ea typeface="Calibri"/>
+                <a:cs typeface="Calibri"/>
+                <a:sym typeface="Calibri"/>
+              </a:defRPr>
+            </a:lvl1pPr>
+            <a:lvl2pPr marL="342900" marR="0" lvl="1" indent="0" algn="l" rtl="0">
+              <a:spcBef>
+                <a:spcPts val="0"/>
+              </a:spcBef>
+              <a:spcAft>
+                <a:spcPts val="0"/>
+              </a:spcAft>
+              <a:buNone/>
+              <a:defRPr sz="1800" b="0" i="0" u="none" strike="noStrike" cap="none">
+                <a:solidFill>
+                  <a:schemeClr val="dk1"/>
+                </a:solidFill>
+                <a:latin typeface="Times New Roman"/>
+                <a:ea typeface="Times New Roman"/>
+                <a:cs typeface="Times New Roman"/>
+                <a:sym typeface="Times New Roman"/>
+              </a:defRPr>
+            </a:lvl2pPr>
+            <a:lvl3pPr marL="685800" marR="0" lvl="2" indent="0" algn="l" rtl="0">
+              <a:spcBef>
+                <a:spcPts val="0"/>
+              </a:spcBef>
+              <a:spcAft>
+                <a:spcPts val="0"/>
+              </a:spcAft>
+              <a:buNone/>
+              <a:defRPr sz="1800" b="0" i="0" u="none" strike="noStrike" cap="none">
+                <a:solidFill>
+                  <a:schemeClr val="dk1"/>
+                </a:solidFill>
+                <a:latin typeface="Times New Roman"/>
+                <a:ea typeface="Times New Roman"/>
+                <a:cs typeface="Times New Roman"/>
+                <a:sym typeface="Times New Roman"/>
+              </a:defRPr>
+            </a:lvl3pPr>
+            <a:lvl4pPr marL="1028700" marR="0" lvl="3" indent="0" algn="l" rtl="0">
+              <a:spcBef>
+                <a:spcPts val="0"/>
+              </a:spcBef>
+              <a:spcAft>
+                <a:spcPts val="0"/>
+              </a:spcAft>
+              <a:buNone/>
+              <a:defRPr sz="1800" b="0" i="0" u="none" strike="noStrike" cap="none">
+                <a:solidFill>
+                  <a:schemeClr val="dk1"/>
+                </a:solidFill>
+                <a:latin typeface="Times New Roman"/>
+                <a:ea typeface="Times New Roman"/>
+                <a:cs typeface="Times New Roman"/>
+                <a:sym typeface="Times New Roman"/>
+              </a:defRPr>
+            </a:lvl4pPr>
+            <a:lvl5pPr marL="1371600" marR="0" lvl="4" indent="0" algn="l" rtl="0">
+              <a:spcBef>
+                <a:spcPts val="0"/>
+              </a:spcBef>
+              <a:spcAft>
+                <a:spcPts val="0"/>
+              </a:spcAft>
+              <a:buNone/>
+              <a:defRPr sz="1800" b="0" i="0" u="none" strike="noStrike" cap="none">
+                <a:solidFill>
+                  <a:schemeClr val="dk1"/>
+                </a:solidFill>
+                <a:latin typeface="Times New Roman"/>
+                <a:ea typeface="Times New Roman"/>
+                <a:cs typeface="Times New Roman"/>
+                <a:sym typeface="Times New Roman"/>
+              </a:defRPr>
+            </a:lvl5pPr>
+            <a:lvl6pPr marL="1714500" marR="0" lvl="5" indent="0" algn="l" rtl="0">
+              <a:spcBef>
+                <a:spcPts val="0"/>
+              </a:spcBef>
+              <a:buNone/>
+              <a:defRPr sz="1800" b="0" i="0" u="none" strike="noStrike" cap="none">
+                <a:solidFill>
+                  <a:schemeClr val="dk1"/>
+                </a:solidFill>
+                <a:latin typeface="Times New Roman"/>
+                <a:ea typeface="Times New Roman"/>
+                <a:cs typeface="Times New Roman"/>
+                <a:sym typeface="Times New Roman"/>
+              </a:defRPr>
+            </a:lvl6pPr>
+            <a:lvl7pPr marL="2057400" marR="0" lvl="6" indent="0" algn="l" rtl="0">
+              <a:spcBef>
+                <a:spcPts val="0"/>
+              </a:spcBef>
+              <a:buNone/>
+              <a:defRPr sz="1800" b="0" i="0" u="none" strike="noStrike" cap="none">
+                <a:solidFill>
+                  <a:schemeClr val="dk1"/>
+                </a:solidFill>
+                <a:latin typeface="Times New Roman"/>
+                <a:ea typeface="Times New Roman"/>
+                <a:cs typeface="Times New Roman"/>
+                <a:sym typeface="Times New Roman"/>
+              </a:defRPr>
+            </a:lvl7pPr>
+            <a:lvl8pPr marL="2400300" marR="0" lvl="7" indent="0" algn="l" rtl="0">
+              <a:spcBef>
+                <a:spcPts val="0"/>
+              </a:spcBef>
+              <a:buNone/>
+              <a:defRPr sz="1800" b="0" i="0" u="none" strike="noStrike" cap="none">
+                <a:solidFill>
+                  <a:schemeClr val="dk1"/>
+                </a:solidFill>
+                <a:latin typeface="Times New Roman"/>
+                <a:ea typeface="Times New Roman"/>
+                <a:cs typeface="Times New Roman"/>
+                <a:sym typeface="Times New Roman"/>
+              </a:defRPr>
+            </a:lvl8pPr>
+            <a:lvl9pPr marL="2743200" marR="0" lvl="8" indent="0" algn="l" rtl="0">
+              <a:spcBef>
+                <a:spcPts val="0"/>
+              </a:spcBef>
+              <a:buNone/>
+              <a:defRPr sz="1800" b="0" i="0" u="none" strike="noStrike" cap="none">
+                <a:solidFill>
+                  <a:schemeClr val="dk1"/>
+                </a:solidFill>
+                <a:latin typeface="Times New Roman"/>
+                <a:ea typeface="Times New Roman"/>
+                <a:cs typeface="Times New Roman"/>
+                <a:sym typeface="Times New Roman"/>
+              </a:defRPr>
+            </a:lvl9pPr>
+          </a:lstStyle>
+          <a:p>
+            <a:endParaRPr/>
+          </a:p>
+        </p:txBody>
+      </p:sp>
+      <p:sp>
+        <p:nvSpPr>
+          <p:cNvPr id="38" name="Shape 38"/>
+          <p:cNvSpPr txBox="1">
+            <a:spLocks noGrp="1"/>
+          </p:cNvSpPr>
+          <p:nvPr>
+            <p:ph type="sldNum" idx="12"/>
+          </p:nvPr>
+        </p:nvSpPr>
+        <p:spPr>
+          <a:xfrm>
+            <a:off x="6553201" y="4686300"/>
+            <a:ext cx="1904999" cy="342900"/>
+          </a:xfrm>
+          <a:prstGeom prst="rect">
+            <a:avLst/>
+          </a:prstGeom>
+          <a:noFill/>
+          <a:ln>
+            <a:noFill/>
+          </a:ln>
+        </p:spPr>
+        <p:txBody>
+          <a:bodyPr lIns="91425" tIns="45700" rIns="91425" bIns="45700" anchor="t" anchorCtr="0">
+            <a:noAutofit/>
+          </a:bodyPr>
+          <a:lstStyle/>
+          <a:p>
+            <a:pPr algn="r">
+              <a:buSzPct val="25000"/>
+            </a:pPr>
+            <a:fld id="{00000000-1234-1234-1234-123412341234}" type="slidenum">
+              <a:rPr lang="en-US" sz="1050" smtClean="0">
+                <a:solidFill>
+                  <a:schemeClr val="dk1"/>
+                </a:solidFill>
+                <a:latin typeface="Calibri"/>
+                <a:ea typeface="Calibri"/>
+                <a:cs typeface="Calibri"/>
+                <a:sym typeface="Calibri"/>
+              </a:rPr>
+              <a:pPr algn="r">
+                <a:buSzPct val="25000"/>
+              </a:pPr>
+              <a:t>‹#›</a:t>
+            </a:fld>
+            <a:endParaRPr lang="en-US" sz="1050">
+              <a:solidFill>
+                <a:schemeClr val="dk1"/>
+              </a:solidFill>
+              <a:latin typeface="Calibri"/>
+              <a:ea typeface="Calibri"/>
+              <a:cs typeface="Calibri"/>
+              <a:sym typeface="Calibri"/>
+            </a:endParaRPr>
+          </a:p>
+        </p:txBody>
+      </p:sp>
+    </p:spTree>
+    <p:extLst>
+      <p:ext uri="{BB962C8B-B14F-4D97-AF65-F5344CB8AC3E}">
+        <p14:creationId xmlns:p14="http://schemas.microsoft.com/office/powerpoint/2010/main" val="4031878804"/>
+      </p:ext>
+    </p:extLst>
   </p:cSld>
   <p:clrMapOvr>
     <a:masterClrMapping/>
@@ -1354,7 +2696,13 @@
       </p:grpSpPr>
       <p:sp>
         <p:nvSpPr>
-          <p:cNvPr id="2" name="Title 1"/>
+          <p:cNvPr id="2" name="Title 1">
+            <a:extLst>
+              <a:ext uri="{FF2B5EF4-FFF2-40B4-BE49-F238E27FC236}">
+                <a16:creationId xmlns:a16="http://schemas.microsoft.com/office/drawing/2014/main" id="{76D10978-DDE8-6144-A6B8-517FFF2E3CB7}"/>
+              </a:ext>
+            </a:extLst>
+          </p:cNvPr>
           <p:cNvSpPr>
             <a:spLocks noGrp="1"/>
           </p:cNvSpPr>
@@ -1368,73 +2716,26 @@
           <a:lstStyle/>
           <a:p>
             <a:r>
-              <a:rPr lang="en-CA" smtClean="0"/>
+              <a:rPr lang="en-US"/>
               <a:t>Click to edit Master title style</a:t>
             </a:r>
-            <a:endParaRPr lang="en-US"/>
-          </a:p>
-        </p:txBody>
-      </p:sp>
-      <p:sp>
-        <p:nvSpPr>
-          <p:cNvPr id="3" name="Content Placeholder 2"/>
+          </a:p>
+        </p:txBody>
+      </p:sp>
+      <p:sp>
+        <p:nvSpPr>
+          <p:cNvPr id="3" name="Content Placeholder 2">
+            <a:extLst>
+              <a:ext uri="{FF2B5EF4-FFF2-40B4-BE49-F238E27FC236}">
+                <a16:creationId xmlns:a16="http://schemas.microsoft.com/office/drawing/2014/main" id="{C5A37744-5627-D646-9036-52ED7E568A44}"/>
+              </a:ext>
+            </a:extLst>
+          </p:cNvPr>
           <p:cNvSpPr>
             <a:spLocks noGrp="1"/>
           </p:cNvSpPr>
           <p:nvPr>
             <p:ph idx="1"/>
-          </p:nvPr>
-        </p:nvSpPr>
-        <p:spPr/>
-        <p:txBody>
-          <a:bodyPr/>
-          <a:lstStyle/>
-          <a:p>
-            <a:pPr lvl="0"/>
-            <a:r>
-              <a:rPr lang="en-CA" smtClean="0"/>
-              <a:t>Click to edit Master text styles</a:t>
-            </a:r>
-          </a:p>
-          <a:p>
-            <a:pPr lvl="1"/>
-            <a:r>
-              <a:rPr lang="en-CA" smtClean="0"/>
-              <a:t>Second level</a:t>
-            </a:r>
-          </a:p>
-          <a:p>
-            <a:pPr lvl="2"/>
-            <a:r>
-              <a:rPr lang="en-CA" smtClean="0"/>
-              <a:t>Third level</a:t>
-            </a:r>
-          </a:p>
-          <a:p>
-            <a:pPr lvl="3"/>
-            <a:r>
-              <a:rPr lang="en-CA" smtClean="0"/>
-              <a:t>Fourth level</a:t>
-            </a:r>
-          </a:p>
-          <a:p>
-            <a:pPr lvl="4"/>
-            <a:r>
-              <a:rPr lang="en-CA" smtClean="0"/>
-              <a:t>Fifth level</a:t>
-            </a:r>
-            <a:endParaRPr lang="en-US"/>
-          </a:p>
-        </p:txBody>
-      </p:sp>
-      <p:sp>
-        <p:nvSpPr>
-          <p:cNvPr id="4" name="Date Placeholder 3"/>
-          <p:cNvSpPr>
-            <a:spLocks noGrp="1"/>
-          </p:cNvSpPr>
-          <p:nvPr>
-            <p:ph type="dt" sz="half" idx="10"/>
           </p:nvPr>
         </p:nvSpPr>
         <p:spPr/>
@@ -1442,17 +2743,111 @@
           <a:bodyPr/>
           <a:lstStyle>
             <a:lvl1pPr>
+              <a:spcAft>
+                <a:spcPts val="600"/>
+              </a:spcAft>
               <a:defRPr/>
             </a:lvl1pPr>
+            <a:lvl2pPr>
+              <a:spcAft>
+                <a:spcPts val="600"/>
+              </a:spcAft>
+              <a:defRPr/>
+            </a:lvl2pPr>
+            <a:lvl3pPr>
+              <a:spcAft>
+                <a:spcPts val="600"/>
+              </a:spcAft>
+              <a:defRPr/>
+            </a:lvl3pPr>
+            <a:lvl4pPr>
+              <a:spcAft>
+                <a:spcPts val="600"/>
+              </a:spcAft>
+              <a:defRPr/>
+            </a:lvl4pPr>
+            <a:lvl5pPr>
+              <a:spcAft>
+                <a:spcPts val="600"/>
+              </a:spcAft>
+              <a:defRPr/>
+            </a:lvl5pPr>
           </a:lstStyle>
           <a:p>
+            <a:pPr lvl="0"/>
+            <a:r>
+              <a:rPr lang="en-US" dirty="0"/>
+              <a:t>Click to edit Master text styles</a:t>
+            </a:r>
+          </a:p>
+          <a:p>
+            <a:pPr lvl="1"/>
+            <a:r>
+              <a:rPr lang="en-US" dirty="0"/>
+              <a:t>Second level</a:t>
+            </a:r>
+          </a:p>
+          <a:p>
+            <a:pPr lvl="2"/>
+            <a:r>
+              <a:rPr lang="en-US" dirty="0"/>
+              <a:t>Third level</a:t>
+            </a:r>
+          </a:p>
+          <a:p>
+            <a:pPr lvl="3"/>
+            <a:r>
+              <a:rPr lang="en-US" dirty="0"/>
+              <a:t>Fourth level</a:t>
+            </a:r>
+          </a:p>
+          <a:p>
+            <a:pPr lvl="4"/>
+            <a:r>
+              <a:rPr lang="en-US" dirty="0"/>
+              <a:t>Fifth level</a:t>
+            </a:r>
+          </a:p>
+        </p:txBody>
+      </p:sp>
+      <p:sp>
+        <p:nvSpPr>
+          <p:cNvPr id="4" name="Date Placeholder 3">
+            <a:extLst>
+              <a:ext uri="{FF2B5EF4-FFF2-40B4-BE49-F238E27FC236}">
+                <a16:creationId xmlns:a16="http://schemas.microsoft.com/office/drawing/2014/main" id="{F7D0F3F8-FC0C-1B43-BB73-11800B42E6D9}"/>
+              </a:ext>
+            </a:extLst>
+          </p:cNvPr>
+          <p:cNvSpPr>
+            <a:spLocks noGrp="1"/>
+          </p:cNvSpPr>
+          <p:nvPr>
+            <p:ph type="dt" sz="half" idx="10"/>
+          </p:nvPr>
+        </p:nvSpPr>
+        <p:spPr/>
+        <p:txBody>
+          <a:bodyPr/>
+          <a:lstStyle/>
+          <a:p>
+            <a:fld id="{BD806BE7-D4FF-0747-A46D-9D28D6793F9A}" type="datetime1">
+              <a:rPr lang="en-CA" smtClean="0"/>
+              <a:t>2020-12-07</a:t>
+            </a:fld>
             <a:endParaRPr lang="en-US"/>
           </a:p>
         </p:txBody>
       </p:sp>
       <p:sp>
         <p:nvSpPr>
-          <p:cNvPr id="5" name="Footer Placeholder 4"/>
+          <p:cNvPr id="5" name="Footer Placeholder 4">
+            <a:extLst>
+              <a:ext uri="{FF2B5EF4-FFF2-40B4-BE49-F238E27FC236}">
+                <a16:creationId xmlns:a16="http://schemas.microsoft.com/office/drawing/2014/main" id="{8300E874-E612-CA46-B18E-0C8FA220608A}"/>
+              </a:ext>
+            </a:extLst>
+          </p:cNvPr>
           <p:cNvSpPr>
             <a:spLocks noGrp="1"/>
           </p:cNvSpPr>
@@ -1463,11 +2858,7 @@
         <p:spPr/>
         <p:txBody>
           <a:bodyPr/>
-          <a:lstStyle>
-            <a:lvl1pPr>
-              <a:defRPr/>
-            </a:lvl1pPr>
-          </a:lstStyle>
+          <a:lstStyle/>
           <a:p>
             <a:endParaRPr lang="en-US"/>
           </a:p>
@@ -1475,7 +2866,13 @@
       </p:sp>
       <p:sp>
         <p:nvSpPr>
-          <p:cNvPr id="6" name="Slide Number Placeholder 5"/>
+          <p:cNvPr id="6" name="Slide Number Placeholder 5">
+            <a:extLst>
+              <a:ext uri="{FF2B5EF4-FFF2-40B4-BE49-F238E27FC236}">
+                <a16:creationId xmlns:a16="http://schemas.microsoft.com/office/drawing/2014/main" id="{4F77269F-A49C-1948-BC2E-ABADCE191108}"/>
+              </a:ext>
+            </a:extLst>
+          </p:cNvPr>
           <p:cNvSpPr>
             <a:spLocks noGrp="1"/>
           </p:cNvSpPr>
@@ -1486,15 +2883,10 @@
         <p:spPr/>
         <p:txBody>
           <a:bodyPr/>
-          <a:lstStyle>
-            <a:lvl1pPr>
-              <a:defRPr smtClean="0"/>
-            </a:lvl1pPr>
-          </a:lstStyle>
-          <a:p>
-            <a:fld id="{BEA6ACCE-1CAC-AB40-A778-663767BD69F7}" type="slidenum">
-              <a:rPr lang="en-US"/>
-              <a:pPr/>
+          <a:lstStyle/>
+          <a:p>
+            <a:fld id="{7B252BF6-6A9C-D04A-BBE8-37A07D64A1C3}" type="slidenum">
+              <a:rPr lang="en-US" smtClean="0"/>
               <a:t>‹#›</a:t>
             </a:fld>
             <a:endParaRPr lang="en-US"/>
@@ -1502,6 +2894,11 @@
         </p:txBody>
       </p:sp>
     </p:spTree>
+    <p:extLst>
+      <p:ext uri="{BB962C8B-B14F-4D97-AF65-F5344CB8AC3E}">
+        <p14:creationId xmlns:p14="http://schemas.microsoft.com/office/powerpoint/2010/main" val="4002444401"/>
+      </p:ext>
+    </p:extLst>
   </p:cSld>
   <p:clrMapOvr>
     <a:masterClrMapping/>
@@ -1528,7 +2925,13 @@
       </p:grpSpPr>
       <p:sp>
         <p:nvSpPr>
-          <p:cNvPr id="2" name="Title 1"/>
+          <p:cNvPr id="2" name="Title 1">
+            <a:extLst>
+              <a:ext uri="{FF2B5EF4-FFF2-40B4-BE49-F238E27FC236}">
+                <a16:creationId xmlns:a16="http://schemas.microsoft.com/office/drawing/2014/main" id="{146B0754-0214-DF47-9D67-A716F6494DC7}"/>
+              </a:ext>
+            </a:extLst>
+          </p:cNvPr>
           <p:cNvSpPr>
             <a:spLocks noGrp="1"/>
           </p:cNvSpPr>
@@ -1538,29 +2941,34 @@
         </p:nvSpPr>
         <p:spPr>
           <a:xfrm>
-            <a:off x="722313" y="4406900"/>
-            <a:ext cx="7772400" cy="1362075"/>
+            <a:off x="623888" y="1282304"/>
+            <a:ext cx="7886700" cy="2139553"/>
           </a:xfrm>
         </p:spPr>
         <p:txBody>
-          <a:bodyPr anchor="t"/>
+          <a:bodyPr anchor="b"/>
           <a:lstStyle>
-            <a:lvl1pPr algn="l">
-              <a:defRPr sz="4000" b="1" cap="all"/>
+            <a:lvl1pPr>
+              <a:defRPr sz="4500"/>
             </a:lvl1pPr>
           </a:lstStyle>
           <a:p>
             <a:r>
-              <a:rPr lang="en-CA" smtClean="0"/>
+              <a:rPr lang="en-US"/>
               <a:t>Click to edit Master title style</a:t>
             </a:r>
-            <a:endParaRPr lang="en-US"/>
-          </a:p>
-        </p:txBody>
-      </p:sp>
-      <p:sp>
-        <p:nvSpPr>
-          <p:cNvPr id="3" name="Text Placeholder 2"/>
+          </a:p>
+        </p:txBody>
+      </p:sp>
+      <p:sp>
+        <p:nvSpPr>
+          <p:cNvPr id="3" name="Text Placeholder 2">
+            <a:extLst>
+              <a:ext uri="{FF2B5EF4-FFF2-40B4-BE49-F238E27FC236}">
+                <a16:creationId xmlns:a16="http://schemas.microsoft.com/office/drawing/2014/main" id="{50234BCA-78F6-F745-9EBE-EE525CDE7A5C}"/>
+              </a:ext>
+            </a:extLst>
+          </p:cNvPr>
           <p:cNvSpPr>
             <a:spLocks noGrp="1"/>
           </p:cNvSpPr>
@@ -1570,77 +2978,162 @@
         </p:nvSpPr>
         <p:spPr>
           <a:xfrm>
-            <a:off x="722313" y="2906713"/>
-            <a:ext cx="7772400" cy="1500187"/>
+            <a:off x="623888" y="3442098"/>
+            <a:ext cx="7886700" cy="1125140"/>
           </a:xfrm>
         </p:spPr>
         <p:txBody>
-          <a:bodyPr anchor="b"/>
+          <a:bodyPr/>
           <a:lstStyle>
             <a:lvl1pPr marL="0" indent="0">
               <a:buNone/>
-              <a:defRPr sz="2000"/>
+              <a:defRPr sz="1800">
+                <a:solidFill>
+                  <a:schemeClr val="tx1">
+                    <a:tint val="75000"/>
+                  </a:schemeClr>
+                </a:solidFill>
+              </a:defRPr>
             </a:lvl1pPr>
-            <a:lvl2pPr marL="457200" indent="0">
-              <a:buNone/>
-              <a:defRPr sz="1800"/>
+            <a:lvl2pPr marL="342900" indent="0">
+              <a:buNone/>
+              <a:defRPr sz="1500">
+                <a:solidFill>
+                  <a:schemeClr val="tx1">
+                    <a:tint val="75000"/>
+                  </a:schemeClr>
+                </a:solidFill>
+              </a:defRPr>
             </a:lvl2pPr>
-            <a:lvl3pPr marL="914400" indent="0">
-              <a:buNone/>
-              <a:defRPr sz="1600"/>
+            <a:lvl3pPr marL="685800" indent="0">
+              <a:buNone/>
+              <a:defRPr sz="1350">
+                <a:solidFill>
+                  <a:schemeClr val="tx1">
+                    <a:tint val="75000"/>
+                  </a:schemeClr>
+                </a:solidFill>
+              </a:defRPr>
             </a:lvl3pPr>
-            <a:lvl4pPr marL="1371600" indent="0">
-              <a:buNone/>
-              <a:defRPr sz="1400"/>
+            <a:lvl4pPr marL="1028700" indent="0">
+              <a:buNone/>
+              <a:defRPr sz="1200">
+                <a:solidFill>
+                  <a:schemeClr val="tx1">
+                    <a:tint val="75000"/>
+                  </a:schemeClr>
+                </a:solidFill>
+              </a:defRPr>
             </a:lvl4pPr>
-            <a:lvl5pPr marL="1828800" indent="0">
-              <a:buNone/>
-              <a:defRPr sz="1400"/>
+            <a:lvl5pPr marL="1371600" indent="0">
+              <a:buNone/>
+              <a:defRPr sz="1200">
+                <a:solidFill>
+                  <a:schemeClr val="tx1">
+                    <a:tint val="75000"/>
+                  </a:schemeClr>
+                </a:solidFill>
+              </a:defRPr>
             </a:lvl5pPr>
-            <a:lvl6pPr marL="2286000" indent="0">
-              <a:buNone/>
-              <a:defRPr sz="1400"/>
+            <a:lvl6pPr marL="1714500" indent="0">
+              <a:buNone/>
+              <a:defRPr sz="1200">
+                <a:solidFill>
+                  <a:schemeClr val="tx1">
+                    <a:tint val="75000"/>
+                  </a:schemeClr>
+                </a:solidFill>
+              </a:defRPr>
             </a:lvl6pPr>
-            <a:lvl7pPr marL="2743200" indent="0">
-              <a:buNone/>
-              <a:defRPr sz="1400"/>
+            <a:lvl7pPr marL="2057400" indent="0">
+              <a:buNone/>
+              <a:defRPr sz="1200">
+                <a:solidFill>
+                  <a:schemeClr val="tx1">
+                    <a:tint val="75000"/>
+                  </a:schemeClr>
+                </a:solidFill>
+              </a:defRPr>
             </a:lvl7pPr>
-            <a:lvl8pPr marL="3200400" indent="0">
-              <a:buNone/>
-              <a:defRPr sz="1400"/>
+            <a:lvl8pPr marL="2400300" indent="0">
+              <a:buNone/>
+              <a:defRPr sz="1200">
+                <a:solidFill>
+                  <a:schemeClr val="tx1">
+                    <a:tint val="75000"/>
+                  </a:schemeClr>
+                </a:solidFill>
+              </a:defRPr>
             </a:lvl8pPr>
-            <a:lvl9pPr marL="3657600" indent="0">
-              <a:buNone/>
-              <a:defRPr sz="1400"/>
+            <a:lvl9pPr marL="2743200" indent="0">
+              <a:buNone/>
+              <a:defRPr sz="1200">
+                <a:solidFill>
+                  <a:schemeClr val="tx1">
+                    <a:tint val="75000"/>
+                  </a:schemeClr>
+                </a:solidFill>
+              </a:defRPr>
             </a:lvl9pPr>
           </a:lstStyle>
           <a:p>
             <a:pPr lvl="0"/>
             <a:r>
+              <a:rPr lang="en-US"/>
+              <a:t>Click to edit Master text styles</a:t>
+            </a:r>
+          </a:p>
+        </p:txBody>
+      </p:sp>
+      <p:sp>
+        <p:nvSpPr>
+          <p:cNvPr id="4" name="Date Placeholder 3">
+            <a:extLst>
+              <a:ext uri="{FF2B5EF4-FFF2-40B4-BE49-F238E27FC236}">
+                <a16:creationId xmlns:a16="http://schemas.microsoft.com/office/drawing/2014/main" id="{10D707FE-6251-4E4B-BDFF-5C0B1706BE99}"/>
+              </a:ext>
+            </a:extLst>
+          </p:cNvPr>
+          <p:cNvSpPr>
+            <a:spLocks noGrp="1"/>
+          </p:cNvSpPr>
+          <p:nvPr>
+            <p:ph type="dt" sz="half" idx="10"/>
+          </p:nvPr>
+        </p:nvSpPr>
+        <p:spPr/>
+        <p:txBody>
+          <a:bodyPr/>
+          <a:lstStyle/>
+          <a:p>
+            <a:fld id="{FC112D8A-ADE8-E648-9A51-673455F77FA4}" type="datetime1">
               <a:rPr lang="en-CA" smtClean="0"/>
-              <a:t>Click to edit Master text styles</a:t>
-            </a:r>
-          </a:p>
-        </p:txBody>
-      </p:sp>
-      <p:sp>
-        <p:nvSpPr>
-          <p:cNvPr id="4" name="Date Placeholder 3"/>
-          <p:cNvSpPr>
-            <a:spLocks noGrp="1"/>
-          </p:cNvSpPr>
-          <p:nvPr>
-            <p:ph type="dt" sz="half" idx="10"/>
+              <a:t>2020-12-07</a:t>
+            </a:fld>
+            <a:endParaRPr lang="en-US"/>
+          </a:p>
+        </p:txBody>
+      </p:sp>
+      <p:sp>
+        <p:nvSpPr>
+          <p:cNvPr id="5" name="Footer Placeholder 4">
+            <a:extLst>
+              <a:ext uri="{FF2B5EF4-FFF2-40B4-BE49-F238E27FC236}">
+                <a16:creationId xmlns:a16="http://schemas.microsoft.com/office/drawing/2014/main" id="{112AF015-083F-9840-9A9E-9E31B7D7BE22}"/>
+              </a:ext>
+            </a:extLst>
+          </p:cNvPr>
+          <p:cNvSpPr>
+            <a:spLocks noGrp="1"/>
+          </p:cNvSpPr>
+          <p:nvPr>
+            <p:ph type="ftr" sz="quarter" idx="11"/>
           </p:nvPr>
         </p:nvSpPr>
         <p:spPr/>
         <p:txBody>
           <a:bodyPr/>
-          <a:lstStyle>
-            <a:lvl1pPr>
-              <a:defRPr/>
-            </a:lvl1pPr>
-          </a:lstStyle>
+          <a:lstStyle/>
           <a:p>
             <a:endParaRPr lang="en-US"/>
           </a:p>
@@ -1648,49 +3141,27 @@
       </p:sp>
       <p:sp>
         <p:nvSpPr>
-          <p:cNvPr id="5" name="Footer Placeholder 4"/>
-          <p:cNvSpPr>
-            <a:spLocks noGrp="1"/>
-          </p:cNvSpPr>
-          <p:nvPr>
-            <p:ph type="ftr" sz="quarter" idx="11"/>
+          <p:cNvPr id="6" name="Slide Number Placeholder 5">
+            <a:extLst>
+              <a:ext uri="{FF2B5EF4-FFF2-40B4-BE49-F238E27FC236}">
+                <a16:creationId xmlns:a16="http://schemas.microsoft.com/office/drawing/2014/main" id="{64A0E270-7D4E-DB45-B70B-D033519BA83D}"/>
+              </a:ext>
+            </a:extLst>
+          </p:cNvPr>
+          <p:cNvSpPr>
+            <a:spLocks noGrp="1"/>
+          </p:cNvSpPr>
+          <p:nvPr>
+            <p:ph type="sldNum" sz="quarter" idx="12"/>
           </p:nvPr>
         </p:nvSpPr>
         <p:spPr/>
         <p:txBody>
           <a:bodyPr/>
-          <a:lstStyle>
-            <a:lvl1pPr>
-              <a:defRPr/>
-            </a:lvl1pPr>
-          </a:lstStyle>
-          <a:p>
-            <a:endParaRPr lang="en-US"/>
-          </a:p>
-        </p:txBody>
-      </p:sp>
-      <p:sp>
-        <p:nvSpPr>
-          <p:cNvPr id="6" name="Slide Number Placeholder 5"/>
-          <p:cNvSpPr>
-            <a:spLocks noGrp="1"/>
-          </p:cNvSpPr>
-          <p:nvPr>
-            <p:ph type="sldNum" sz="quarter" idx="12"/>
-          </p:nvPr>
-        </p:nvSpPr>
-        <p:spPr/>
-        <p:txBody>
-          <a:bodyPr/>
-          <a:lstStyle>
-            <a:lvl1pPr>
-              <a:defRPr smtClean="0"/>
-            </a:lvl1pPr>
-          </a:lstStyle>
-          <a:p>
-            <a:fld id="{051620F2-D947-5B4A-902D-4FEB0720F14F}" type="slidenum">
-              <a:rPr lang="en-US"/>
-              <a:pPr/>
+          <a:lstStyle/>
+          <a:p>
+            <a:fld id="{7B252BF6-6A9C-D04A-BBE8-37A07D64A1C3}" type="slidenum">
+              <a:rPr lang="en-US" smtClean="0"/>
               <a:t>‹#›</a:t>
             </a:fld>
             <a:endParaRPr lang="en-US"/>
@@ -1698,6 +3169,11 @@
         </p:txBody>
       </p:sp>
     </p:spTree>
+    <p:extLst>
+      <p:ext uri="{BB962C8B-B14F-4D97-AF65-F5344CB8AC3E}">
+        <p14:creationId xmlns:p14="http://schemas.microsoft.com/office/powerpoint/2010/main" val="3333812921"/>
+      </p:ext>
+    </p:extLst>
   </p:cSld>
   <p:clrMapOvr>
     <a:masterClrMapping/>
@@ -1724,7 +3200,13 @@
       </p:grpSpPr>
       <p:sp>
         <p:nvSpPr>
-          <p:cNvPr id="2" name="Title 1"/>
+          <p:cNvPr id="2" name="Title 1">
+            <a:extLst>
+              <a:ext uri="{FF2B5EF4-FFF2-40B4-BE49-F238E27FC236}">
+                <a16:creationId xmlns:a16="http://schemas.microsoft.com/office/drawing/2014/main" id="{1DE48785-840A-474A-B8BA-27207C013959}"/>
+              </a:ext>
+            </a:extLst>
+          </p:cNvPr>
           <p:cNvSpPr>
             <a:spLocks noGrp="1"/>
           </p:cNvSpPr>
@@ -1738,16 +3220,21 @@
           <a:lstStyle/>
           <a:p>
             <a:r>
-              <a:rPr lang="en-CA" smtClean="0"/>
+              <a:rPr lang="en-US"/>
               <a:t>Click to edit Master title style</a:t>
             </a:r>
-            <a:endParaRPr lang="en-US"/>
-          </a:p>
-        </p:txBody>
-      </p:sp>
-      <p:sp>
-        <p:nvSpPr>
-          <p:cNvPr id="3" name="Content Placeholder 2"/>
+          </a:p>
+        </p:txBody>
+      </p:sp>
+      <p:sp>
+        <p:nvSpPr>
+          <p:cNvPr id="3" name="Content Placeholder 2">
+            <a:extLst>
+              <a:ext uri="{FF2B5EF4-FFF2-40B4-BE49-F238E27FC236}">
+                <a16:creationId xmlns:a16="http://schemas.microsoft.com/office/drawing/2014/main" id="{CE3C8B25-A9AD-F143-AD1A-17A95F44E09D}"/>
+              </a:ext>
+            </a:extLst>
+          </p:cNvPr>
           <p:cNvSpPr>
             <a:spLocks noGrp="1"/>
           </p:cNvSpPr>
@@ -1757,82 +3244,59 @@
         </p:nvSpPr>
         <p:spPr>
           <a:xfrm>
-            <a:off x="685800" y="1981200"/>
-            <a:ext cx="3810000" cy="4114800"/>
+            <a:off x="628650" y="1369219"/>
+            <a:ext cx="3886200" cy="3263504"/>
           </a:xfrm>
         </p:spPr>
         <p:txBody>
           <a:bodyPr/>
-          <a:lstStyle>
-            <a:lvl1pPr>
-              <a:defRPr sz="2800"/>
-            </a:lvl1pPr>
-            <a:lvl2pPr>
-              <a:defRPr sz="2400"/>
-            </a:lvl2pPr>
-            <a:lvl3pPr>
-              <a:defRPr sz="2000"/>
-            </a:lvl3pPr>
-            <a:lvl4pPr>
-              <a:defRPr sz="1800"/>
-            </a:lvl4pPr>
-            <a:lvl5pPr>
-              <a:defRPr sz="1800"/>
-            </a:lvl5pPr>
-            <a:lvl6pPr>
-              <a:defRPr sz="1800"/>
-            </a:lvl6pPr>
-            <a:lvl7pPr>
-              <a:defRPr sz="1800"/>
-            </a:lvl7pPr>
-            <a:lvl8pPr>
-              <a:defRPr sz="1800"/>
-            </a:lvl8pPr>
-            <a:lvl9pPr>
-              <a:defRPr sz="1800"/>
-            </a:lvl9pPr>
-          </a:lstStyle>
+          <a:lstStyle/>
           <a:p>
             <a:pPr lvl="0"/>
             <a:r>
-              <a:rPr lang="en-CA" smtClean="0"/>
+              <a:rPr lang="en-US"/>
               <a:t>Click to edit Master text styles</a:t>
             </a:r>
           </a:p>
           <a:p>
             <a:pPr lvl="1"/>
             <a:r>
-              <a:rPr lang="en-CA" smtClean="0"/>
+              <a:rPr lang="en-US"/>
               <a:t>Second level</a:t>
             </a:r>
           </a:p>
           <a:p>
             <a:pPr lvl="2"/>
             <a:r>
-              <a:rPr lang="en-CA" smtClean="0"/>
+              <a:rPr lang="en-US"/>
               <a:t>Third level</a:t>
             </a:r>
           </a:p>
           <a:p>
             <a:pPr lvl="3"/>
             <a:r>
-              <a:rPr lang="en-CA" smtClean="0"/>
+              <a:rPr lang="en-US"/>
               <a:t>Fourth level</a:t>
             </a:r>
           </a:p>
           <a:p>
             <a:pPr lvl="4"/>
             <a:r>
-              <a:rPr lang="en-CA" smtClean="0"/>
+              <a:rPr lang="en-US"/>
               <a:t>Fifth level</a:t>
             </a:r>
-            <a:endParaRPr lang="en-US"/>
-          </a:p>
-        </p:txBody>
-      </p:sp>
-      <p:sp>
-        <p:nvSpPr>
-          <p:cNvPr id="4" name="Content Placeholder 3"/>
+          </a:p>
+        </p:txBody>
+      </p:sp>
+      <p:sp>
+        <p:nvSpPr>
+          <p:cNvPr id="4" name="Content Placeholder 3">
+            <a:extLst>
+              <a:ext uri="{FF2B5EF4-FFF2-40B4-BE49-F238E27FC236}">
+                <a16:creationId xmlns:a16="http://schemas.microsoft.com/office/drawing/2014/main" id="{174209DA-22E0-B146-A689-48B1E9D38312}"/>
+              </a:ext>
+            </a:extLst>
+          </p:cNvPr>
           <p:cNvSpPr>
             <a:spLocks noGrp="1"/>
           </p:cNvSpPr>
@@ -1842,97 +3306,99 @@
         </p:nvSpPr>
         <p:spPr>
           <a:xfrm>
-            <a:off x="4648200" y="1981200"/>
-            <a:ext cx="3810000" cy="4114800"/>
+            <a:off x="4629150" y="1369219"/>
+            <a:ext cx="3886200" cy="3263504"/>
           </a:xfrm>
         </p:spPr>
         <p:txBody>
           <a:bodyPr/>
-          <a:lstStyle>
-            <a:lvl1pPr>
-              <a:defRPr sz="2800"/>
-            </a:lvl1pPr>
-            <a:lvl2pPr>
-              <a:defRPr sz="2400"/>
-            </a:lvl2pPr>
-            <a:lvl3pPr>
-              <a:defRPr sz="2000"/>
-            </a:lvl3pPr>
-            <a:lvl4pPr>
-              <a:defRPr sz="1800"/>
-            </a:lvl4pPr>
-            <a:lvl5pPr>
-              <a:defRPr sz="1800"/>
-            </a:lvl5pPr>
-            <a:lvl6pPr>
-              <a:defRPr sz="1800"/>
-            </a:lvl6pPr>
-            <a:lvl7pPr>
-              <a:defRPr sz="1800"/>
-            </a:lvl7pPr>
-            <a:lvl8pPr>
-              <a:defRPr sz="1800"/>
-            </a:lvl8pPr>
-            <a:lvl9pPr>
-              <a:defRPr sz="1800"/>
-            </a:lvl9pPr>
-          </a:lstStyle>
+          <a:lstStyle/>
           <a:p>
             <a:pPr lvl="0"/>
             <a:r>
+              <a:rPr lang="en-US"/>
+              <a:t>Click to edit Master text styles</a:t>
+            </a:r>
+          </a:p>
+          <a:p>
+            <a:pPr lvl="1"/>
+            <a:r>
+              <a:rPr lang="en-US"/>
+              <a:t>Second level</a:t>
+            </a:r>
+          </a:p>
+          <a:p>
+            <a:pPr lvl="2"/>
+            <a:r>
+              <a:rPr lang="en-US"/>
+              <a:t>Third level</a:t>
+            </a:r>
+          </a:p>
+          <a:p>
+            <a:pPr lvl="3"/>
+            <a:r>
+              <a:rPr lang="en-US"/>
+              <a:t>Fourth level</a:t>
+            </a:r>
+          </a:p>
+          <a:p>
+            <a:pPr lvl="4"/>
+            <a:r>
+              <a:rPr lang="en-US"/>
+              <a:t>Fifth level</a:t>
+            </a:r>
+          </a:p>
+        </p:txBody>
+      </p:sp>
+      <p:sp>
+        <p:nvSpPr>
+          <p:cNvPr id="5" name="Date Placeholder 4">
+            <a:extLst>
+              <a:ext uri="{FF2B5EF4-FFF2-40B4-BE49-F238E27FC236}">
+                <a16:creationId xmlns:a16="http://schemas.microsoft.com/office/drawing/2014/main" id="{52A82A87-E151-8641-8C5C-327C5209D63B}"/>
+              </a:ext>
+            </a:extLst>
+          </p:cNvPr>
+          <p:cNvSpPr>
+            <a:spLocks noGrp="1"/>
+          </p:cNvSpPr>
+          <p:nvPr>
+            <p:ph type="dt" sz="half" idx="10"/>
+          </p:nvPr>
+        </p:nvSpPr>
+        <p:spPr/>
+        <p:txBody>
+          <a:bodyPr/>
+          <a:lstStyle/>
+          <a:p>
+            <a:fld id="{A1C4D21D-FE66-404B-9D48-8813A41FDE83}" type="datetime1">
               <a:rPr lang="en-CA" smtClean="0"/>
-              <a:t>Click to edit Master text styles</a:t>
-            </a:r>
-          </a:p>
-          <a:p>
-            <a:pPr lvl="1"/>
-            <a:r>
-              <a:rPr lang="en-CA" smtClean="0"/>
-              <a:t>Second level</a:t>
-            </a:r>
-          </a:p>
-          <a:p>
-            <a:pPr lvl="2"/>
-            <a:r>
-              <a:rPr lang="en-CA" smtClean="0"/>
-              <a:t>Third level</a:t>
-            </a:r>
-          </a:p>
-          <a:p>
-            <a:pPr lvl="3"/>
-            <a:r>
-              <a:rPr lang="en-CA" smtClean="0"/>
-              <a:t>Fourth level</a:t>
-            </a:r>
-          </a:p>
-          <a:p>
-            <a:pPr lvl="4"/>
-            <a:r>
-              <a:rPr lang="en-CA" smtClean="0"/>
-              <a:t>Fifth level</a:t>
-            </a:r>
+              <a:t>2020-12-07</a:t>
+            </a:fld>
             <a:endParaRPr lang="en-US"/>
           </a:p>
         </p:txBody>
       </p:sp>
       <p:sp>
         <p:nvSpPr>
-          <p:cNvPr id="5" name="Date Placeholder 4"/>
-          <p:cNvSpPr>
-            <a:spLocks noGrp="1"/>
-          </p:cNvSpPr>
-          <p:nvPr>
-            <p:ph type="dt" sz="half" idx="10"/>
+          <p:cNvPr id="6" name="Footer Placeholder 5">
+            <a:extLst>
+              <a:ext uri="{FF2B5EF4-FFF2-40B4-BE49-F238E27FC236}">
+                <a16:creationId xmlns:a16="http://schemas.microsoft.com/office/drawing/2014/main" id="{54432E4D-CFE1-864C-892F-C0510CC3CFA4}"/>
+              </a:ext>
+            </a:extLst>
+          </p:cNvPr>
+          <p:cNvSpPr>
+            <a:spLocks noGrp="1"/>
+          </p:cNvSpPr>
+          <p:nvPr>
+            <p:ph type="ftr" sz="quarter" idx="11"/>
           </p:nvPr>
         </p:nvSpPr>
         <p:spPr/>
         <p:txBody>
           <a:bodyPr/>
-          <a:lstStyle>
-            <a:lvl1pPr>
-              <a:defRPr/>
-            </a:lvl1pPr>
-          </a:lstStyle>
+          <a:lstStyle/>
           <a:p>
             <a:endParaRPr lang="en-US"/>
           </a:p>
@@ -1940,49 +3406,27 @@
       </p:sp>
       <p:sp>
         <p:nvSpPr>
-          <p:cNvPr id="6" name="Footer Placeholder 5"/>
-          <p:cNvSpPr>
-            <a:spLocks noGrp="1"/>
-          </p:cNvSpPr>
-          <p:nvPr>
-            <p:ph type="ftr" sz="quarter" idx="11"/>
+          <p:cNvPr id="7" name="Slide Number Placeholder 6">
+            <a:extLst>
+              <a:ext uri="{FF2B5EF4-FFF2-40B4-BE49-F238E27FC236}">
+                <a16:creationId xmlns:a16="http://schemas.microsoft.com/office/drawing/2014/main" id="{BE737C13-4A25-3440-9E41-0DB773459711}"/>
+              </a:ext>
+            </a:extLst>
+          </p:cNvPr>
+          <p:cNvSpPr>
+            <a:spLocks noGrp="1"/>
+          </p:cNvSpPr>
+          <p:nvPr>
+            <p:ph type="sldNum" sz="quarter" idx="12"/>
           </p:nvPr>
         </p:nvSpPr>
         <p:spPr/>
         <p:txBody>
           <a:bodyPr/>
-          <a:lstStyle>
-            <a:lvl1pPr>
-              <a:defRPr/>
-            </a:lvl1pPr>
-          </a:lstStyle>
-          <a:p>
-            <a:endParaRPr lang="en-US"/>
-          </a:p>
-        </p:txBody>
-      </p:sp>
-      <p:sp>
-        <p:nvSpPr>
-          <p:cNvPr id="7" name="Slide Number Placeholder 6"/>
-          <p:cNvSpPr>
-            <a:spLocks noGrp="1"/>
-          </p:cNvSpPr>
-          <p:nvPr>
-            <p:ph type="sldNum" sz="quarter" idx="12"/>
-          </p:nvPr>
-        </p:nvSpPr>
-        <p:spPr/>
-        <p:txBody>
-          <a:bodyPr/>
-          <a:lstStyle>
-            <a:lvl1pPr>
-              <a:defRPr smtClean="0"/>
-            </a:lvl1pPr>
-          </a:lstStyle>
-          <a:p>
-            <a:fld id="{2A43A4DB-6D83-964E-A2D9-08A2F374E499}" type="slidenum">
-              <a:rPr lang="en-US"/>
-              <a:pPr/>
+          <a:lstStyle/>
+          <a:p>
+            <a:fld id="{7B252BF6-6A9C-D04A-BBE8-37A07D64A1C3}" type="slidenum">
+              <a:rPr lang="en-US" smtClean="0"/>
               <a:t>‹#›</a:t>
             </a:fld>
             <a:endParaRPr lang="en-US"/>
@@ -1990,6 +3434,11 @@
         </p:txBody>
       </p:sp>
     </p:spTree>
+    <p:extLst>
+      <p:ext uri="{BB962C8B-B14F-4D97-AF65-F5344CB8AC3E}">
+        <p14:creationId xmlns:p14="http://schemas.microsoft.com/office/powerpoint/2010/main" val="1915418124"/>
+      </p:ext>
+    </p:extLst>
   </p:cSld>
   <p:clrMapOvr>
     <a:masterClrMapping/>
@@ -2016,7 +3465,13 @@
       </p:grpSpPr>
       <p:sp>
         <p:nvSpPr>
-          <p:cNvPr id="2" name="Title 1"/>
+          <p:cNvPr id="2" name="Title 1">
+            <a:extLst>
+              <a:ext uri="{FF2B5EF4-FFF2-40B4-BE49-F238E27FC236}">
+                <a16:creationId xmlns:a16="http://schemas.microsoft.com/office/drawing/2014/main" id="{135B1DBC-EEEB-1C44-A4C7-02D9BB9CB01B}"/>
+              </a:ext>
+            </a:extLst>
+          </p:cNvPr>
           <p:cNvSpPr>
             <a:spLocks noGrp="1"/>
           </p:cNvSpPr>
@@ -2026,29 +3481,30 @@
         </p:nvSpPr>
         <p:spPr>
           <a:xfrm>
-            <a:off x="457200" y="274638"/>
-            <a:ext cx="8229600" cy="1143000"/>
+            <a:off x="629841" y="273844"/>
+            <a:ext cx="7886700" cy="994172"/>
           </a:xfrm>
         </p:spPr>
         <p:txBody>
           <a:bodyPr/>
-          <a:lstStyle>
-            <a:lvl1pPr>
-              <a:defRPr/>
-            </a:lvl1pPr>
-          </a:lstStyle>
-          <a:p>
-            <a:r>
-              <a:rPr lang="en-CA" smtClean="0"/>
+          <a:lstStyle/>
+          <a:p>
+            <a:r>
+              <a:rPr lang="en-US"/>
               <a:t>Click to edit Master title style</a:t>
             </a:r>
-            <a:endParaRPr lang="en-US"/>
-          </a:p>
-        </p:txBody>
-      </p:sp>
-      <p:sp>
-        <p:nvSpPr>
-          <p:cNvPr id="3" name="Text Placeholder 2"/>
+          </a:p>
+        </p:txBody>
+      </p:sp>
+      <p:sp>
+        <p:nvSpPr>
+          <p:cNvPr id="3" name="Text Placeholder 2">
+            <a:extLst>
+              <a:ext uri="{FF2B5EF4-FFF2-40B4-BE49-F238E27FC236}">
+                <a16:creationId xmlns:a16="http://schemas.microsoft.com/office/drawing/2014/main" id="{695D77D7-D2B1-0841-9C20-538058B42963}"/>
+              </a:ext>
+            </a:extLst>
+          </p:cNvPr>
           <p:cNvSpPr>
             <a:spLocks noGrp="1"/>
           </p:cNvSpPr>
@@ -2058,8 +3514,8 @@
         </p:nvSpPr>
         <p:spPr>
           <a:xfrm>
-            <a:off x="457200" y="1535113"/>
-            <a:ext cx="4040188" cy="639762"/>
+            <a:off x="629842" y="1260872"/>
+            <a:ext cx="3868340" cy="617934"/>
           </a:xfrm>
         </p:spPr>
         <p:txBody>
@@ -2067,45 +3523,45 @@
           <a:lstStyle>
             <a:lvl1pPr marL="0" indent="0">
               <a:buNone/>
-              <a:defRPr sz="2400" b="1"/>
+              <a:defRPr sz="1800" b="1"/>
             </a:lvl1pPr>
-            <a:lvl2pPr marL="457200" indent="0">
-              <a:buNone/>
-              <a:defRPr sz="2000" b="1"/>
+            <a:lvl2pPr marL="342900" indent="0">
+              <a:buNone/>
+              <a:defRPr sz="1500" b="1"/>
             </a:lvl2pPr>
-            <a:lvl3pPr marL="914400" indent="0">
-              <a:buNone/>
-              <a:defRPr sz="1800" b="1"/>
+            <a:lvl3pPr marL="685800" indent="0">
+              <a:buNone/>
+              <a:defRPr sz="1350" b="1"/>
             </a:lvl3pPr>
-            <a:lvl4pPr marL="1371600" indent="0">
-              <a:buNone/>
-              <a:defRPr sz="1600" b="1"/>
+            <a:lvl4pPr marL="1028700" indent="0">
+              <a:buNone/>
+              <a:defRPr sz="1200" b="1"/>
             </a:lvl4pPr>
-            <a:lvl5pPr marL="1828800" indent="0">
-              <a:buNone/>
-              <a:defRPr sz="1600" b="1"/>
+            <a:lvl5pPr marL="1371600" indent="0">
+              <a:buNone/>
+              <a:defRPr sz="1200" b="1"/>
             </a:lvl5pPr>
-            <a:lvl6pPr marL="2286000" indent="0">
-              <a:buNone/>
-              <a:defRPr sz="1600" b="1"/>
+            <a:lvl6pPr marL="1714500" indent="0">
+              <a:buNone/>
+              <a:defRPr sz="1200" b="1"/>
             </a:lvl6pPr>
-            <a:lvl7pPr marL="2743200" indent="0">
-              <a:buNone/>
-              <a:defRPr sz="1600" b="1"/>
+            <a:lvl7pPr marL="2057400" indent="0">
+              <a:buNone/>
+              <a:defRPr sz="1200" b="1"/>
             </a:lvl7pPr>
-            <a:lvl8pPr marL="3200400" indent="0">
-              <a:buNone/>
-              <a:defRPr sz="1600" b="1"/>
+            <a:lvl8pPr marL="2400300" indent="0">
+              <a:buNone/>
+              <a:defRPr sz="1200" b="1"/>
             </a:lvl8pPr>
-            <a:lvl9pPr marL="3657600" indent="0">
-              <a:buNone/>
-              <a:defRPr sz="1600" b="1"/>
+            <a:lvl9pPr marL="2743200" indent="0">
+              <a:buNone/>
+              <a:defRPr sz="1200" b="1"/>
             </a:lvl9pPr>
           </a:lstStyle>
           <a:p>
             <a:pPr lvl="0"/>
             <a:r>
-              <a:rPr lang="en-CA" smtClean="0"/>
+              <a:rPr lang="en-US"/>
               <a:t>Click to edit Master text styles</a:t>
             </a:r>
           </a:p>
@@ -2113,7 +3569,13 @@
       </p:sp>
       <p:sp>
         <p:nvSpPr>
-          <p:cNvPr id="4" name="Content Placeholder 3"/>
+          <p:cNvPr id="4" name="Content Placeholder 3">
+            <a:extLst>
+              <a:ext uri="{FF2B5EF4-FFF2-40B4-BE49-F238E27FC236}">
+                <a16:creationId xmlns:a16="http://schemas.microsoft.com/office/drawing/2014/main" id="{A60D616F-C61F-5B43-8094-DFDD05AE6B47}"/>
+              </a:ext>
+            </a:extLst>
+          </p:cNvPr>
           <p:cNvSpPr>
             <a:spLocks noGrp="1"/>
           </p:cNvSpPr>
@@ -2123,82 +3585,59 @@
         </p:nvSpPr>
         <p:spPr>
           <a:xfrm>
-            <a:off x="457200" y="2174875"/>
-            <a:ext cx="4040188" cy="3951288"/>
+            <a:off x="629842" y="1878806"/>
+            <a:ext cx="3868340" cy="2763441"/>
           </a:xfrm>
         </p:spPr>
         <p:txBody>
           <a:bodyPr/>
-          <a:lstStyle>
-            <a:lvl1pPr>
-              <a:defRPr sz="2400"/>
-            </a:lvl1pPr>
-            <a:lvl2pPr>
-              <a:defRPr sz="2000"/>
-            </a:lvl2pPr>
-            <a:lvl3pPr>
-              <a:defRPr sz="1800"/>
-            </a:lvl3pPr>
-            <a:lvl4pPr>
-              <a:defRPr sz="1600"/>
-            </a:lvl4pPr>
-            <a:lvl5pPr>
-              <a:defRPr sz="1600"/>
-            </a:lvl5pPr>
-            <a:lvl6pPr>
-              <a:defRPr sz="1600"/>
-            </a:lvl6pPr>
-            <a:lvl7pPr>
-              <a:defRPr sz="1600"/>
-            </a:lvl7pPr>
-            <a:lvl8pPr>
-              <a:defRPr sz="1600"/>
-            </a:lvl8pPr>
-            <a:lvl9pPr>
-              <a:defRPr sz="1600"/>
-            </a:lvl9pPr>
-          </a:lstStyle>
+          <a:lstStyle/>
           <a:p>
             <a:pPr lvl="0"/>
             <a:r>
-              <a:rPr lang="en-CA" smtClean="0"/>
+              <a:rPr lang="en-US"/>
               <a:t>Click to edit Master text styles</a:t>
             </a:r>
           </a:p>
           <a:p>
             <a:pPr lvl="1"/>
             <a:r>
-              <a:rPr lang="en-CA" smtClean="0"/>
+              <a:rPr lang="en-US"/>
               <a:t>Second level</a:t>
             </a:r>
           </a:p>
           <a:p>
             <a:pPr lvl="2"/>
             <a:r>
-              <a:rPr lang="en-CA" smtClean="0"/>
+              <a:rPr lang="en-US"/>
               <a:t>Third level</a:t>
             </a:r>
           </a:p>
           <a:p>
             <a:pPr lvl="3"/>
             <a:r>
-              <a:rPr lang="en-CA" smtClean="0"/>
+              <a:rPr lang="en-US"/>
               <a:t>Fourth level</a:t>
             </a:r>
           </a:p>
           <a:p>
             <a:pPr lvl="4"/>
             <a:r>
-              <a:rPr lang="en-CA" smtClean="0"/>
+              <a:rPr lang="en-US"/>
               <a:t>Fifth level</a:t>
             </a:r>
-            <a:endParaRPr lang="en-US"/>
-          </a:p>
-        </p:txBody>
-      </p:sp>
-      <p:sp>
-        <p:nvSpPr>
-          <p:cNvPr id="5" name="Text Placeholder 4"/>
+          </a:p>
+        </p:txBody>
+      </p:sp>
+      <p:sp>
+        <p:nvSpPr>
+          <p:cNvPr id="5" name="Text Placeholder 4">
+            <a:extLst>
+              <a:ext uri="{FF2B5EF4-FFF2-40B4-BE49-F238E27FC236}">
+                <a16:creationId xmlns:a16="http://schemas.microsoft.com/office/drawing/2014/main" id="{DCAAF8CD-147D-0A4A-BE13-69AAC57DB7FC}"/>
+              </a:ext>
+            </a:extLst>
+          </p:cNvPr>
           <p:cNvSpPr>
             <a:spLocks noGrp="1"/>
           </p:cNvSpPr>
@@ -2208,8 +3647,8 @@
         </p:nvSpPr>
         <p:spPr>
           <a:xfrm>
-            <a:off x="4645025" y="1535113"/>
-            <a:ext cx="4041775" cy="639762"/>
+            <a:off x="4629150" y="1260872"/>
+            <a:ext cx="3887391" cy="617934"/>
           </a:xfrm>
         </p:spPr>
         <p:txBody>
@@ -2217,45 +3656,45 @@
           <a:lstStyle>
             <a:lvl1pPr marL="0" indent="0">
               <a:buNone/>
-              <a:defRPr sz="2400" b="1"/>
+              <a:defRPr sz="1800" b="1"/>
             </a:lvl1pPr>
-            <a:lvl2pPr marL="457200" indent="0">
-              <a:buNone/>
-              <a:defRPr sz="2000" b="1"/>
+            <a:lvl2pPr marL="342900" indent="0">
+              <a:buNone/>
+              <a:defRPr sz="1500" b="1"/>
             </a:lvl2pPr>
-            <a:lvl3pPr marL="914400" indent="0">
-              <a:buNone/>
-              <a:defRPr sz="1800" b="1"/>
+            <a:lvl3pPr marL="685800" indent="0">
+              <a:buNone/>
+              <a:defRPr sz="1350" b="1"/>
             </a:lvl3pPr>
-            <a:lvl4pPr marL="1371600" indent="0">
-              <a:buNone/>
-              <a:defRPr sz="1600" b="1"/>
+            <a:lvl4pPr marL="1028700" indent="0">
+              <a:buNone/>
+              <a:defRPr sz="1200" b="1"/>
             </a:lvl4pPr>
-            <a:lvl5pPr marL="1828800" indent="0">
-              <a:buNone/>
-              <a:defRPr sz="1600" b="1"/>
+            <a:lvl5pPr marL="1371600" indent="0">
+              <a:buNone/>
+              <a:defRPr sz="1200" b="1"/>
             </a:lvl5pPr>
-            <a:lvl6pPr marL="2286000" indent="0">
-              <a:buNone/>
-              <a:defRPr sz="1600" b="1"/>
+            <a:lvl6pPr marL="1714500" indent="0">
+              <a:buNone/>
+              <a:defRPr sz="1200" b="1"/>
             </a:lvl6pPr>
-            <a:lvl7pPr marL="2743200" indent="0">
-              <a:buNone/>
-              <a:defRPr sz="1600" b="1"/>
+            <a:lvl7pPr marL="2057400" indent="0">
+              <a:buNone/>
+              <a:defRPr sz="1200" b="1"/>
             </a:lvl7pPr>
-            <a:lvl8pPr marL="3200400" indent="0">
-              <a:buNone/>
-              <a:defRPr sz="1600" b="1"/>
+            <a:lvl8pPr marL="2400300" indent="0">
+              <a:buNone/>
+              <a:defRPr sz="1200" b="1"/>
             </a:lvl8pPr>
-            <a:lvl9pPr marL="3657600" indent="0">
-              <a:buNone/>
-              <a:defRPr sz="1600" b="1"/>
+            <a:lvl9pPr marL="2743200" indent="0">
+              <a:buNone/>
+              <a:defRPr sz="1200" b="1"/>
             </a:lvl9pPr>
           </a:lstStyle>
           <a:p>
             <a:pPr lvl="0"/>
             <a:r>
-              <a:rPr lang="en-CA" smtClean="0"/>
+              <a:rPr lang="en-US"/>
               <a:t>Click to edit Master text styles</a:t>
             </a:r>
           </a:p>
@@ -2263,7 +3702,13 @@
       </p:sp>
       <p:sp>
         <p:nvSpPr>
-          <p:cNvPr id="6" name="Content Placeholder 5"/>
+          <p:cNvPr id="6" name="Content Placeholder 5">
+            <a:extLst>
+              <a:ext uri="{FF2B5EF4-FFF2-40B4-BE49-F238E27FC236}">
+                <a16:creationId xmlns:a16="http://schemas.microsoft.com/office/drawing/2014/main" id="{22EBD089-7443-DF4A-B93B-FC32F414CA76}"/>
+              </a:ext>
+            </a:extLst>
+          </p:cNvPr>
           <p:cNvSpPr>
             <a:spLocks noGrp="1"/>
           </p:cNvSpPr>
@@ -2273,97 +3718,99 @@
         </p:nvSpPr>
         <p:spPr>
           <a:xfrm>
-            <a:off x="4645025" y="2174875"/>
-            <a:ext cx="4041775" cy="3951288"/>
+            <a:off x="4629150" y="1878806"/>
+            <a:ext cx="3887391" cy="2763441"/>
           </a:xfrm>
         </p:spPr>
         <p:txBody>
           <a:bodyPr/>
-          <a:lstStyle>
-            <a:lvl1pPr>
-              <a:defRPr sz="2400"/>
-            </a:lvl1pPr>
-            <a:lvl2pPr>
-              <a:defRPr sz="2000"/>
-            </a:lvl2pPr>
-            <a:lvl3pPr>
-              <a:defRPr sz="1800"/>
-            </a:lvl3pPr>
-            <a:lvl4pPr>
-              <a:defRPr sz="1600"/>
-            </a:lvl4pPr>
-            <a:lvl5pPr>
-              <a:defRPr sz="1600"/>
-            </a:lvl5pPr>
-            <a:lvl6pPr>
-              <a:defRPr sz="1600"/>
-            </a:lvl6pPr>
-            <a:lvl7pPr>
-              <a:defRPr sz="1600"/>
-            </a:lvl7pPr>
-            <a:lvl8pPr>
-              <a:defRPr sz="1600"/>
-            </a:lvl8pPr>
-            <a:lvl9pPr>
-              <a:defRPr sz="1600"/>
-            </a:lvl9pPr>
-          </a:lstStyle>
+          <a:lstStyle/>
           <a:p>
             <a:pPr lvl="0"/>
             <a:r>
+              <a:rPr lang="en-US"/>
+              <a:t>Click to edit Master text styles</a:t>
+            </a:r>
+          </a:p>
+          <a:p>
+            <a:pPr lvl="1"/>
+            <a:r>
+              <a:rPr lang="en-US"/>
+              <a:t>Second level</a:t>
+            </a:r>
+          </a:p>
+          <a:p>
+            <a:pPr lvl="2"/>
+            <a:r>
+              <a:rPr lang="en-US"/>
+              <a:t>Third level</a:t>
+            </a:r>
+          </a:p>
+          <a:p>
+            <a:pPr lvl="3"/>
+            <a:r>
+              <a:rPr lang="en-US"/>
+              <a:t>Fourth level</a:t>
+            </a:r>
+          </a:p>
+          <a:p>
+            <a:pPr lvl="4"/>
+            <a:r>
+              <a:rPr lang="en-US"/>
+              <a:t>Fifth level</a:t>
+            </a:r>
+          </a:p>
+        </p:txBody>
+      </p:sp>
+      <p:sp>
+        <p:nvSpPr>
+          <p:cNvPr id="7" name="Date Placeholder 6">
+            <a:extLst>
+              <a:ext uri="{FF2B5EF4-FFF2-40B4-BE49-F238E27FC236}">
+                <a16:creationId xmlns:a16="http://schemas.microsoft.com/office/drawing/2014/main" id="{D4C8830C-AD3A-A446-BF5B-7A77BA98B6EC}"/>
+              </a:ext>
+            </a:extLst>
+          </p:cNvPr>
+          <p:cNvSpPr>
+            <a:spLocks noGrp="1"/>
+          </p:cNvSpPr>
+          <p:nvPr>
+            <p:ph type="dt" sz="half" idx="10"/>
+          </p:nvPr>
+        </p:nvSpPr>
+        <p:spPr/>
+        <p:txBody>
+          <a:bodyPr/>
+          <a:lstStyle/>
+          <a:p>
+            <a:fld id="{BC43913A-9187-9E4F-99AD-E5F9D3D715A1}" type="datetime1">
               <a:rPr lang="en-CA" smtClean="0"/>
-              <a:t>Click to edit Master text styles</a:t>
-            </a:r>
-          </a:p>
-          <a:p>
-            <a:pPr lvl="1"/>
-            <a:r>
-              <a:rPr lang="en-CA" smtClean="0"/>
-              <a:t>Second level</a:t>
-            </a:r>
-          </a:p>
-          <a:p>
-            <a:pPr lvl="2"/>
-            <a:r>
-              <a:rPr lang="en-CA" smtClean="0"/>
-              <a:t>Third level</a:t>
-            </a:r>
-          </a:p>
-          <a:p>
-            <a:pPr lvl="3"/>
-            <a:r>
-              <a:rPr lang="en-CA" smtClean="0"/>
-              <a:t>Fourth level</a:t>
-            </a:r>
-          </a:p>
-          <a:p>
-            <a:pPr lvl="4"/>
-            <a:r>
-              <a:rPr lang="en-CA" smtClean="0"/>
-              <a:t>Fifth level</a:t>
-            </a:r>
+              <a:t>2020-12-07</a:t>
+            </a:fld>
             <a:endParaRPr lang="en-US"/>
           </a:p>
         </p:txBody>
       </p:sp>
       <p:sp>
         <p:nvSpPr>
-          <p:cNvPr id="7" name="Date Placeholder 6"/>
-          <p:cNvSpPr>
-            <a:spLocks noGrp="1"/>
-          </p:cNvSpPr>
-          <p:nvPr>
-            <p:ph type="dt" sz="half" idx="10"/>
+          <p:cNvPr id="8" name="Footer Placeholder 7">
+            <a:extLst>
+              <a:ext uri="{FF2B5EF4-FFF2-40B4-BE49-F238E27FC236}">
+                <a16:creationId xmlns:a16="http://schemas.microsoft.com/office/drawing/2014/main" id="{DEAAD4C6-8A32-E04D-85DA-373916480462}"/>
+              </a:ext>
+            </a:extLst>
+          </p:cNvPr>
+          <p:cNvSpPr>
+            <a:spLocks noGrp="1"/>
+          </p:cNvSpPr>
+          <p:nvPr>
+            <p:ph type="ftr" sz="quarter" idx="11"/>
           </p:nvPr>
         </p:nvSpPr>
         <p:spPr/>
         <p:txBody>
           <a:bodyPr/>
-          <a:lstStyle>
-            <a:lvl1pPr>
-              <a:defRPr/>
-            </a:lvl1pPr>
-          </a:lstStyle>
+          <a:lstStyle/>
           <a:p>
             <a:endParaRPr lang="en-US"/>
           </a:p>
@@ -2371,49 +3818,27 @@
       </p:sp>
       <p:sp>
         <p:nvSpPr>
-          <p:cNvPr id="8" name="Footer Placeholder 7"/>
-          <p:cNvSpPr>
-            <a:spLocks noGrp="1"/>
-          </p:cNvSpPr>
-          <p:nvPr>
-            <p:ph type="ftr" sz="quarter" idx="11"/>
+          <p:cNvPr id="9" name="Slide Number Placeholder 8">
+            <a:extLst>
+              <a:ext uri="{FF2B5EF4-FFF2-40B4-BE49-F238E27FC236}">
+                <a16:creationId xmlns:a16="http://schemas.microsoft.com/office/drawing/2014/main" id="{FF150648-37B9-F641-A809-40BEBE4CD124}"/>
+              </a:ext>
+            </a:extLst>
+          </p:cNvPr>
+          <p:cNvSpPr>
+            <a:spLocks noGrp="1"/>
+          </p:cNvSpPr>
+          <p:nvPr>
+            <p:ph type="sldNum" sz="quarter" idx="12"/>
           </p:nvPr>
         </p:nvSpPr>
         <p:spPr/>
         <p:txBody>
           <a:bodyPr/>
-          <a:lstStyle>
-            <a:lvl1pPr>
-              <a:defRPr/>
-            </a:lvl1pPr>
-          </a:lstStyle>
-          <a:p>
-            <a:endParaRPr lang="en-US"/>
-          </a:p>
-        </p:txBody>
-      </p:sp>
-      <p:sp>
-        <p:nvSpPr>
-          <p:cNvPr id="9" name="Slide Number Placeholder 8"/>
-          <p:cNvSpPr>
-            <a:spLocks noGrp="1"/>
-          </p:cNvSpPr>
-          <p:nvPr>
-            <p:ph type="sldNum" sz="quarter" idx="12"/>
-          </p:nvPr>
-        </p:nvSpPr>
-        <p:spPr/>
-        <p:txBody>
-          <a:bodyPr/>
-          <a:lstStyle>
-            <a:lvl1pPr>
-              <a:defRPr smtClean="0"/>
-            </a:lvl1pPr>
-          </a:lstStyle>
-          <a:p>
-            <a:fld id="{9ED85C10-058C-5B44-BC12-C229494F5356}" type="slidenum">
-              <a:rPr lang="en-US"/>
-              <a:pPr/>
+          <a:lstStyle/>
+          <a:p>
+            <a:fld id="{7B252BF6-6A9C-D04A-BBE8-37A07D64A1C3}" type="slidenum">
+              <a:rPr lang="en-US" smtClean="0"/>
               <a:t>‹#›</a:t>
             </a:fld>
             <a:endParaRPr lang="en-US"/>
@@ -2421,6 +3846,11 @@
         </p:txBody>
       </p:sp>
     </p:spTree>
+    <p:extLst>
+      <p:ext uri="{BB962C8B-B14F-4D97-AF65-F5344CB8AC3E}">
+        <p14:creationId xmlns:p14="http://schemas.microsoft.com/office/powerpoint/2010/main" val="2342862274"/>
+      </p:ext>
+    </p:extLst>
   </p:cSld>
   <p:clrMapOvr>
     <a:masterClrMapping/>
@@ -2447,7 +3877,13 @@
       </p:grpSpPr>
       <p:sp>
         <p:nvSpPr>
-          <p:cNvPr id="2" name="Title 1"/>
+          <p:cNvPr id="2" name="Title 1">
+            <a:extLst>
+              <a:ext uri="{FF2B5EF4-FFF2-40B4-BE49-F238E27FC236}">
+                <a16:creationId xmlns:a16="http://schemas.microsoft.com/office/drawing/2014/main" id="{3302026B-B6A3-EF4D-842B-9C96C95EBC43}"/>
+              </a:ext>
+            </a:extLst>
+          </p:cNvPr>
           <p:cNvSpPr>
             <a:spLocks noGrp="1"/>
           </p:cNvSpPr>
@@ -2461,31 +3897,61 @@
           <a:lstStyle/>
           <a:p>
             <a:r>
+              <a:rPr lang="en-US"/>
+              <a:t>Click to edit Master title style</a:t>
+            </a:r>
+          </a:p>
+        </p:txBody>
+      </p:sp>
+      <p:sp>
+        <p:nvSpPr>
+          <p:cNvPr id="3" name="Date Placeholder 2">
+            <a:extLst>
+              <a:ext uri="{FF2B5EF4-FFF2-40B4-BE49-F238E27FC236}">
+                <a16:creationId xmlns:a16="http://schemas.microsoft.com/office/drawing/2014/main" id="{A9B243C6-3123-ED41-BC4A-2F8A58F1AD28}"/>
+              </a:ext>
+            </a:extLst>
+          </p:cNvPr>
+          <p:cNvSpPr>
+            <a:spLocks noGrp="1"/>
+          </p:cNvSpPr>
+          <p:nvPr>
+            <p:ph type="dt" sz="half" idx="10"/>
+          </p:nvPr>
+        </p:nvSpPr>
+        <p:spPr/>
+        <p:txBody>
+          <a:bodyPr/>
+          <a:lstStyle/>
+          <a:p>
+            <a:fld id="{D640FCF0-750B-2849-A907-F64332DB8FEE}" type="datetime1">
               <a:rPr lang="en-CA" smtClean="0"/>
-              <a:t>Click to edit Master title style</a:t>
-            </a:r>
+              <a:t>2020-12-07</a:t>
+            </a:fld>
             <a:endParaRPr lang="en-US"/>
           </a:p>
         </p:txBody>
       </p:sp>
       <p:sp>
         <p:nvSpPr>
-          <p:cNvPr id="3" name="Date Placeholder 2"/>
-          <p:cNvSpPr>
-            <a:spLocks noGrp="1"/>
-          </p:cNvSpPr>
-          <p:nvPr>
-            <p:ph type="dt" sz="half" idx="10"/>
+          <p:cNvPr id="4" name="Footer Placeholder 3">
+            <a:extLst>
+              <a:ext uri="{FF2B5EF4-FFF2-40B4-BE49-F238E27FC236}">
+                <a16:creationId xmlns:a16="http://schemas.microsoft.com/office/drawing/2014/main" id="{688FF4D9-A959-C943-9751-31FDE7548C41}"/>
+              </a:ext>
+            </a:extLst>
+          </p:cNvPr>
+          <p:cNvSpPr>
+            <a:spLocks noGrp="1"/>
+          </p:cNvSpPr>
+          <p:nvPr>
+            <p:ph type="ftr" sz="quarter" idx="11"/>
           </p:nvPr>
         </p:nvSpPr>
         <p:spPr/>
         <p:txBody>
           <a:bodyPr/>
-          <a:lstStyle>
-            <a:lvl1pPr>
-              <a:defRPr/>
-            </a:lvl1pPr>
-          </a:lstStyle>
+          <a:lstStyle/>
           <a:p>
             <a:endParaRPr lang="en-US"/>
           </a:p>
@@ -2493,49 +3959,27 @@
       </p:sp>
       <p:sp>
         <p:nvSpPr>
-          <p:cNvPr id="4" name="Footer Placeholder 3"/>
-          <p:cNvSpPr>
-            <a:spLocks noGrp="1"/>
-          </p:cNvSpPr>
-          <p:nvPr>
-            <p:ph type="ftr" sz="quarter" idx="11"/>
+          <p:cNvPr id="5" name="Slide Number Placeholder 4">
+            <a:extLst>
+              <a:ext uri="{FF2B5EF4-FFF2-40B4-BE49-F238E27FC236}">
+                <a16:creationId xmlns:a16="http://schemas.microsoft.com/office/drawing/2014/main" id="{3908D117-E466-BD48-A108-6422DCF148CF}"/>
+              </a:ext>
+            </a:extLst>
+          </p:cNvPr>
+          <p:cNvSpPr>
+            <a:spLocks noGrp="1"/>
+          </p:cNvSpPr>
+          <p:nvPr>
+            <p:ph type="sldNum" sz="quarter" idx="12"/>
           </p:nvPr>
         </p:nvSpPr>
         <p:spPr/>
         <p:txBody>
           <a:bodyPr/>
-          <a:lstStyle>
-            <a:lvl1pPr>
-              <a:defRPr/>
-            </a:lvl1pPr>
-          </a:lstStyle>
-          <a:p>
-            <a:endParaRPr lang="en-US"/>
-          </a:p>
-        </p:txBody>
-      </p:sp>
-      <p:sp>
-        <p:nvSpPr>
-          <p:cNvPr id="5" name="Slide Number Placeholder 4"/>
-          <p:cNvSpPr>
-            <a:spLocks noGrp="1"/>
-          </p:cNvSpPr>
-          <p:nvPr>
-            <p:ph type="sldNum" sz="quarter" idx="12"/>
-          </p:nvPr>
-        </p:nvSpPr>
-        <p:spPr/>
-        <p:txBody>
-          <a:bodyPr/>
-          <a:lstStyle>
-            <a:lvl1pPr>
-              <a:defRPr smtClean="0"/>
-            </a:lvl1pPr>
-          </a:lstStyle>
-          <a:p>
-            <a:fld id="{7CB8FBA9-79A1-7049-9EE3-9BC7C3428B9F}" type="slidenum">
-              <a:rPr lang="en-US"/>
-              <a:pPr/>
+          <a:lstStyle/>
+          <a:p>
+            <a:fld id="{7B252BF6-6A9C-D04A-BBE8-37A07D64A1C3}" type="slidenum">
+              <a:rPr lang="en-US" smtClean="0"/>
               <a:t>‹#›</a:t>
             </a:fld>
             <a:endParaRPr lang="en-US"/>
@@ -2543,6 +3987,11 @@
         </p:txBody>
       </p:sp>
     </p:spTree>
+    <p:extLst>
+      <p:ext uri="{BB962C8B-B14F-4D97-AF65-F5344CB8AC3E}">
+        <p14:creationId xmlns:p14="http://schemas.microsoft.com/office/powerpoint/2010/main" val="3577624179"/>
+      </p:ext>
+    </p:extLst>
   </p:cSld>
   <p:clrMapOvr>
     <a:masterClrMapping/>
@@ -2569,7 +4018,13 @@
       </p:grpSpPr>
       <p:sp>
         <p:nvSpPr>
-          <p:cNvPr id="2" name="Date Placeholder 1"/>
+          <p:cNvPr id="2" name="Date Placeholder 1">
+            <a:extLst>
+              <a:ext uri="{FF2B5EF4-FFF2-40B4-BE49-F238E27FC236}">
+                <a16:creationId xmlns:a16="http://schemas.microsoft.com/office/drawing/2014/main" id="{161BBCE3-E514-D54F-B044-7DF10F00B6F0}"/>
+              </a:ext>
+            </a:extLst>
+          </p:cNvPr>
           <p:cNvSpPr>
             <a:spLocks noGrp="1"/>
           </p:cNvSpPr>
@@ -2580,19 +4035,25 @@
         <p:spPr/>
         <p:txBody>
           <a:bodyPr/>
-          <a:lstStyle>
-            <a:lvl1pPr>
-              <a:defRPr/>
-            </a:lvl1pPr>
-          </a:lstStyle>
-          <a:p>
+          <a:lstStyle/>
+          <a:p>
+            <a:fld id="{C84DF663-3970-9B45-8274-AA8FABDA274B}" type="datetime1">
+              <a:rPr lang="en-CA" smtClean="0"/>
+              <a:t>2020-12-07</a:t>
+            </a:fld>
             <a:endParaRPr lang="en-US"/>
           </a:p>
         </p:txBody>
       </p:sp>
       <p:sp>
         <p:nvSpPr>
-          <p:cNvPr id="3" name="Footer Placeholder 2"/>
+          <p:cNvPr id="3" name="Footer Placeholder 2">
+            <a:extLst>
+              <a:ext uri="{FF2B5EF4-FFF2-40B4-BE49-F238E27FC236}">
+                <a16:creationId xmlns:a16="http://schemas.microsoft.com/office/drawing/2014/main" id="{FE219DF5-0E3C-2C40-BDE6-94E98A9F37A8}"/>
+              </a:ext>
+            </a:extLst>
+          </p:cNvPr>
           <p:cNvSpPr>
             <a:spLocks noGrp="1"/>
           </p:cNvSpPr>
@@ -2603,11 +4064,7 @@
         <p:spPr/>
         <p:txBody>
           <a:bodyPr/>
-          <a:lstStyle>
-            <a:lvl1pPr>
-              <a:defRPr/>
-            </a:lvl1pPr>
-          </a:lstStyle>
+          <a:lstStyle/>
           <a:p>
             <a:endParaRPr lang="en-US"/>
           </a:p>
@@ -2615,7 +4072,13 @@
       </p:sp>
       <p:sp>
         <p:nvSpPr>
-          <p:cNvPr id="4" name="Slide Number Placeholder 3"/>
+          <p:cNvPr id="4" name="Slide Number Placeholder 3">
+            <a:extLst>
+              <a:ext uri="{FF2B5EF4-FFF2-40B4-BE49-F238E27FC236}">
+                <a16:creationId xmlns:a16="http://schemas.microsoft.com/office/drawing/2014/main" id="{A275E4FB-2E36-024F-9776-AFED77F03E06}"/>
+              </a:ext>
+            </a:extLst>
+          </p:cNvPr>
           <p:cNvSpPr>
             <a:spLocks noGrp="1"/>
           </p:cNvSpPr>
@@ -2626,15 +4089,10 @@
         <p:spPr/>
         <p:txBody>
           <a:bodyPr/>
-          <a:lstStyle>
-            <a:lvl1pPr>
-              <a:defRPr smtClean="0"/>
-            </a:lvl1pPr>
-          </a:lstStyle>
-          <a:p>
-            <a:fld id="{CB213D01-9761-F849-9BA4-A1463D51040D}" type="slidenum">
-              <a:rPr lang="en-US"/>
-              <a:pPr/>
+          <a:lstStyle/>
+          <a:p>
+            <a:fld id="{7B252BF6-6A9C-D04A-BBE8-37A07D64A1C3}" type="slidenum">
+              <a:rPr lang="en-US" smtClean="0"/>
               <a:t>‹#›</a:t>
             </a:fld>
             <a:endParaRPr lang="en-US"/>
@@ -2642,6 +4100,11 @@
         </p:txBody>
       </p:sp>
     </p:spTree>
+    <p:extLst>
+      <p:ext uri="{BB962C8B-B14F-4D97-AF65-F5344CB8AC3E}">
+        <p14:creationId xmlns:p14="http://schemas.microsoft.com/office/powerpoint/2010/main" val="2915032492"/>
+      </p:ext>
+    </p:extLst>
   </p:cSld>
   <p:clrMapOvr>
     <a:masterClrMapping/>
@@ -2668,7 +4131,13 @@
       </p:grpSpPr>
       <p:sp>
         <p:nvSpPr>
-          <p:cNvPr id="2" name="Title 1"/>
+          <p:cNvPr id="2" name="Title 1">
+            <a:extLst>
+              <a:ext uri="{FF2B5EF4-FFF2-40B4-BE49-F238E27FC236}">
+                <a16:creationId xmlns:a16="http://schemas.microsoft.com/office/drawing/2014/main" id="{EDB621DF-5A92-D94F-88C5-5DB1A968359D}"/>
+              </a:ext>
+            </a:extLst>
+          </p:cNvPr>
           <p:cNvSpPr>
             <a:spLocks noGrp="1"/>
           </p:cNvSpPr>
@@ -2678,29 +4147,34 @@
         </p:nvSpPr>
         <p:spPr>
           <a:xfrm>
-            <a:off x="457200" y="273050"/>
-            <a:ext cx="3008313" cy="1162050"/>
+            <a:off x="629841" y="342900"/>
+            <a:ext cx="2949178" cy="1200150"/>
           </a:xfrm>
         </p:spPr>
         <p:txBody>
           <a:bodyPr anchor="b"/>
           <a:lstStyle>
-            <a:lvl1pPr algn="l">
-              <a:defRPr sz="2000" b="1"/>
+            <a:lvl1pPr>
+              <a:defRPr sz="2400"/>
             </a:lvl1pPr>
           </a:lstStyle>
           <a:p>
             <a:r>
-              <a:rPr lang="en-CA" smtClean="0"/>
+              <a:rPr lang="en-US"/>
               <a:t>Click to edit Master title style</a:t>
             </a:r>
-            <a:endParaRPr lang="en-US"/>
-          </a:p>
-        </p:txBody>
-      </p:sp>
-      <p:sp>
-        <p:nvSpPr>
-          <p:cNvPr id="3" name="Content Placeholder 2"/>
+          </a:p>
+        </p:txBody>
+      </p:sp>
+      <p:sp>
+        <p:nvSpPr>
+          <p:cNvPr id="3" name="Content Placeholder 2">
+            <a:extLst>
+              <a:ext uri="{FF2B5EF4-FFF2-40B4-BE49-F238E27FC236}">
+                <a16:creationId xmlns:a16="http://schemas.microsoft.com/office/drawing/2014/main" id="{9C5DA461-75EB-C94E-A41A-1280134B9015}"/>
+              </a:ext>
+            </a:extLst>
+          </p:cNvPr>
           <p:cNvSpPr>
             <a:spLocks noGrp="1"/>
           </p:cNvSpPr>
@@ -2710,82 +4184,87 @@
         </p:nvSpPr>
         <p:spPr>
           <a:xfrm>
-            <a:off x="3575050" y="273050"/>
-            <a:ext cx="5111750" cy="5853113"/>
+            <a:off x="3887391" y="740569"/>
+            <a:ext cx="4629150" cy="3655219"/>
           </a:xfrm>
         </p:spPr>
         <p:txBody>
           <a:bodyPr/>
           <a:lstStyle>
             <a:lvl1pPr>
-              <a:defRPr sz="3200"/>
+              <a:defRPr sz="2400"/>
             </a:lvl1pPr>
             <a:lvl2pPr>
-              <a:defRPr sz="2800"/>
+              <a:defRPr sz="2100"/>
             </a:lvl2pPr>
             <a:lvl3pPr>
-              <a:defRPr sz="2400"/>
+              <a:defRPr sz="1800"/>
             </a:lvl3pPr>
             <a:lvl4pPr>
-              <a:defRPr sz="2000"/>
+              <a:defRPr sz="1500"/>
             </a:lvl4pPr>
             <a:lvl5pPr>
-              <a:defRPr sz="2000"/>
+              <a:defRPr sz="1500"/>
             </a:lvl5pPr>
             <a:lvl6pPr>
-              <a:defRPr sz="2000"/>
+              <a:defRPr sz="1500"/>
             </a:lvl6pPr>
             <a:lvl7pPr>
-              <a:defRPr sz="2000"/>
+              <a:defRPr sz="1500"/>
             </a:lvl7pPr>
             <a:lvl8pPr>
-              <a:defRPr sz="2000"/>
+              <a:defRPr sz="1500"/>
             </a:lvl8pPr>
             <a:lvl9pPr>
-              <a:defRPr sz="2000"/>
+              <a:defRPr sz="1500"/>
             </a:lvl9pPr>
           </a:lstStyle>
           <a:p>
             <a:pPr lvl="0"/>
             <a:r>
-              <a:rPr lang="en-CA" smtClean="0"/>
+              <a:rPr lang="en-US"/>
               <a:t>Click to edit Master text styles</a:t>
             </a:r>
           </a:p>
           <a:p>
             <a:pPr lvl="1"/>
             <a:r>
-              <a:rPr lang="en-CA" smtClean="0"/>
+              <a:rPr lang="en-US"/>
               <a:t>Second level</a:t>
             </a:r>
           </a:p>
           <a:p>
             <a:pPr lvl="2"/>
             <a:r>
-              <a:rPr lang="en-CA" smtClean="0"/>
+              <a:rPr lang="en-US"/>
               <a:t>Third level</a:t>
             </a:r>
           </a:p>
           <a:p>
             <a:pPr lvl="3"/>
             <a:r>
-              <a:rPr lang="en-CA" smtClean="0"/>
+              <a:rPr lang="en-US"/>
               <a:t>Fourth level</a:t>
             </a:r>
           </a:p>
           <a:p>
             <a:pPr lvl="4"/>
             <a:r>
-              <a:rPr lang="en-CA" smtClean="0"/>
+              <a:rPr lang="en-US"/>
               <a:t>Fifth level</a:t>
             </a:r>
-            <a:endParaRPr lang="en-US"/>
-          </a:p>
-        </p:txBody>
-      </p:sp>
-      <p:sp>
-        <p:nvSpPr>
-          <p:cNvPr id="4" name="Text Placeholder 3"/>
+          </a:p>
+        </p:txBody>
+      </p:sp>
+      <p:sp>
+        <p:nvSpPr>
+          <p:cNvPr id="4" name="Text Placeholder 3">
+            <a:extLst>
+              <a:ext uri="{FF2B5EF4-FFF2-40B4-BE49-F238E27FC236}">
+                <a16:creationId xmlns:a16="http://schemas.microsoft.com/office/drawing/2014/main" id="{1A1D39AE-0AA2-2B40-B6F4-B24A10D9AA54}"/>
+              </a:ext>
+            </a:extLst>
+          </p:cNvPr>
           <p:cNvSpPr>
             <a:spLocks noGrp="1"/>
           </p:cNvSpPr>
@@ -2795,8 +4274,8 @@
         </p:nvSpPr>
         <p:spPr>
           <a:xfrm>
-            <a:off x="457200" y="1435100"/>
-            <a:ext cx="3008313" cy="4691063"/>
+            <a:off x="629841" y="1543050"/>
+            <a:ext cx="2949178" cy="2858691"/>
           </a:xfrm>
         </p:spPr>
         <p:txBody>
@@ -2804,68 +4283,99 @@
           <a:lstStyle>
             <a:lvl1pPr marL="0" indent="0">
               <a:buNone/>
-              <a:defRPr sz="1400"/>
+              <a:defRPr sz="1200"/>
             </a:lvl1pPr>
-            <a:lvl2pPr marL="457200" indent="0">
-              <a:buNone/>
-              <a:defRPr sz="1200"/>
+            <a:lvl2pPr marL="342900" indent="0">
+              <a:buNone/>
+              <a:defRPr sz="1050"/>
             </a:lvl2pPr>
-            <a:lvl3pPr marL="914400" indent="0">
-              <a:buNone/>
-              <a:defRPr sz="1000"/>
+            <a:lvl3pPr marL="685800" indent="0">
+              <a:buNone/>
+              <a:defRPr sz="900"/>
             </a:lvl3pPr>
-            <a:lvl4pPr marL="1371600" indent="0">
-              <a:buNone/>
-              <a:defRPr sz="900"/>
+            <a:lvl4pPr marL="1028700" indent="0">
+              <a:buNone/>
+              <a:defRPr sz="750"/>
             </a:lvl4pPr>
-            <a:lvl5pPr marL="1828800" indent="0">
-              <a:buNone/>
-              <a:defRPr sz="900"/>
+            <a:lvl5pPr marL="1371600" indent="0">
+              <a:buNone/>
+              <a:defRPr sz="750"/>
             </a:lvl5pPr>
-            <a:lvl6pPr marL="2286000" indent="0">
-              <a:buNone/>
-              <a:defRPr sz="900"/>
+            <a:lvl6pPr marL="1714500" indent="0">
+              <a:buNone/>
+              <a:defRPr sz="750"/>
             </a:lvl6pPr>
-            <a:lvl7pPr marL="2743200" indent="0">
-              <a:buNone/>
-              <a:defRPr sz="900"/>
+            <a:lvl7pPr marL="2057400" indent="0">
+              <a:buNone/>
+              <a:defRPr sz="750"/>
             </a:lvl7pPr>
-            <a:lvl8pPr marL="3200400" indent="0">
-              <a:buNone/>
-              <a:defRPr sz="900"/>
+            <a:lvl8pPr marL="2400300" indent="0">
+              <a:buNone/>
+              <a:defRPr sz="750"/>
             </a:lvl8pPr>
-            <a:lvl9pPr marL="3657600" indent="0">
-              <a:buNone/>
-              <a:defRPr sz="900"/>
+            <a:lvl9pPr marL="2743200" indent="0">
+              <a:buNone/>
+              <a:defRPr sz="750"/>
             </a:lvl9pPr>
           </a:lstStyle>
           <a:p>
             <a:pPr lvl="0"/>
             <a:r>
+              <a:rPr lang="en-US"/>
+              <a:t>Click to edit Master text styles</a:t>
+            </a:r>
+          </a:p>
+        </p:txBody>
+      </p:sp>
+      <p:sp>
+        <p:nvSpPr>
+          <p:cNvPr id="5" name="Date Placeholder 4">
+            <a:extLst>
+              <a:ext uri="{FF2B5EF4-FFF2-40B4-BE49-F238E27FC236}">
+                <a16:creationId xmlns:a16="http://schemas.microsoft.com/office/drawing/2014/main" id="{D7593C8F-B5C1-0D4A-8556-73269A2E3E55}"/>
+              </a:ext>
+            </a:extLst>
+          </p:cNvPr>
+          <p:cNvSpPr>
+            <a:spLocks noGrp="1"/>
+          </p:cNvSpPr>
+          <p:nvPr>
+            <p:ph type="dt" sz="half" idx="10"/>
+          </p:nvPr>
+        </p:nvSpPr>
+        <p:spPr/>
+        <p:txBody>
+          <a:bodyPr/>
+          <a:lstStyle/>
+          <a:p>
+            <a:fld id="{2EE809A3-0E53-524E-A233-B12C5DA91D99}" type="datetime1">
               <a:rPr lang="en-CA" smtClean="0"/>
-              <a:t>Click to edit Master text styles</a:t>
-            </a:r>
-          </a:p>
-        </p:txBody>
-      </p:sp>
-      <p:sp>
-        <p:nvSpPr>
-          <p:cNvPr id="5" name="Date Placeholder 4"/>
-          <p:cNvSpPr>
-            <a:spLocks noGrp="1"/>
-          </p:cNvSpPr>
-          <p:nvPr>
-            <p:ph type="dt" sz="half" idx="10"/>
+              <a:t>2020-12-07</a:t>
+            </a:fld>
+            <a:endParaRPr lang="en-US"/>
+          </a:p>
+        </p:txBody>
+      </p:sp>
+      <p:sp>
+        <p:nvSpPr>
+          <p:cNvPr id="6" name="Footer Placeholder 5">
+            <a:extLst>
+              <a:ext uri="{FF2B5EF4-FFF2-40B4-BE49-F238E27FC236}">
+                <a16:creationId xmlns:a16="http://schemas.microsoft.com/office/drawing/2014/main" id="{A19A6773-21F3-7040-BF77-4C1D0B809C23}"/>
+              </a:ext>
+            </a:extLst>
+          </p:cNvPr>
+          <p:cNvSpPr>
+            <a:spLocks noGrp="1"/>
+          </p:cNvSpPr>
+          <p:nvPr>
+            <p:ph type="ftr" sz="quarter" idx="11"/>
           </p:nvPr>
         </p:nvSpPr>
         <p:spPr/>
         <p:txBody>
           <a:bodyPr/>
-          <a:lstStyle>
-            <a:lvl1pPr>
-              <a:defRPr/>
-            </a:lvl1pPr>
-          </a:lstStyle>
+          <a:lstStyle/>
           <a:p>
             <a:endParaRPr lang="en-US"/>
           </a:p>
@@ -2873,49 +4383,27 @@
       </p:sp>
       <p:sp>
         <p:nvSpPr>
-          <p:cNvPr id="6" name="Footer Placeholder 5"/>
-          <p:cNvSpPr>
-            <a:spLocks noGrp="1"/>
-          </p:cNvSpPr>
-          <p:nvPr>
-            <p:ph type="ftr" sz="quarter" idx="11"/>
+          <p:cNvPr id="7" name="Slide Number Placeholder 6">
+            <a:extLst>
+              <a:ext uri="{FF2B5EF4-FFF2-40B4-BE49-F238E27FC236}">
+                <a16:creationId xmlns:a16="http://schemas.microsoft.com/office/drawing/2014/main" id="{60652BF5-D92E-A14D-B1B8-704532D275D8}"/>
+              </a:ext>
+            </a:extLst>
+          </p:cNvPr>
+          <p:cNvSpPr>
+            <a:spLocks noGrp="1"/>
+          </p:cNvSpPr>
+          <p:nvPr>
+            <p:ph type="sldNum" sz="quarter" idx="12"/>
           </p:nvPr>
         </p:nvSpPr>
         <p:spPr/>
         <p:txBody>
           <a:bodyPr/>
-          <a:lstStyle>
-            <a:lvl1pPr>
-              <a:defRPr/>
-            </a:lvl1pPr>
-          </a:lstStyle>
-          <a:p>
-            <a:endParaRPr lang="en-US"/>
-          </a:p>
-        </p:txBody>
-      </p:sp>
-      <p:sp>
-        <p:nvSpPr>
-          <p:cNvPr id="7" name="Slide Number Placeholder 6"/>
-          <p:cNvSpPr>
-            <a:spLocks noGrp="1"/>
-          </p:cNvSpPr>
-          <p:nvPr>
-            <p:ph type="sldNum" sz="quarter" idx="12"/>
-          </p:nvPr>
-        </p:nvSpPr>
-        <p:spPr/>
-        <p:txBody>
-          <a:bodyPr/>
-          <a:lstStyle>
-            <a:lvl1pPr>
-              <a:defRPr smtClean="0"/>
-            </a:lvl1pPr>
-          </a:lstStyle>
-          <a:p>
-            <a:fld id="{71B49BDC-FBA2-C647-BCAA-A68E96EF5A34}" type="slidenum">
-              <a:rPr lang="en-US"/>
-              <a:pPr/>
+          <a:lstStyle/>
+          <a:p>
+            <a:fld id="{7B252BF6-6A9C-D04A-BBE8-37A07D64A1C3}" type="slidenum">
+              <a:rPr lang="en-US" smtClean="0"/>
               <a:t>‹#›</a:t>
             </a:fld>
             <a:endParaRPr lang="en-US"/>
@@ -2923,6 +4411,11 @@
         </p:txBody>
       </p:sp>
     </p:spTree>
+    <p:extLst>
+      <p:ext uri="{BB962C8B-B14F-4D97-AF65-F5344CB8AC3E}">
+        <p14:creationId xmlns:p14="http://schemas.microsoft.com/office/powerpoint/2010/main" val="3575073310"/>
+      </p:ext>
+    </p:extLst>
   </p:cSld>
   <p:clrMapOvr>
     <a:masterClrMapping/>
@@ -2949,7 +4442,13 @@
       </p:grpSpPr>
       <p:sp>
         <p:nvSpPr>
-          <p:cNvPr id="2" name="Title 1"/>
+          <p:cNvPr id="2" name="Title 1">
+            <a:extLst>
+              <a:ext uri="{FF2B5EF4-FFF2-40B4-BE49-F238E27FC236}">
+                <a16:creationId xmlns:a16="http://schemas.microsoft.com/office/drawing/2014/main" id="{D6DFB85D-520A-BD48-A297-F7A9EDDB9380}"/>
+              </a:ext>
+            </a:extLst>
+          </p:cNvPr>
           <p:cNvSpPr>
             <a:spLocks noGrp="1"/>
           </p:cNvSpPr>
@@ -2959,29 +4458,34 @@
         </p:nvSpPr>
         <p:spPr>
           <a:xfrm>
-            <a:off x="1792288" y="4800600"/>
-            <a:ext cx="5486400" cy="566738"/>
+            <a:off x="629841" y="342900"/>
+            <a:ext cx="2949178" cy="1200150"/>
           </a:xfrm>
         </p:spPr>
         <p:txBody>
           <a:bodyPr anchor="b"/>
           <a:lstStyle>
-            <a:lvl1pPr algn="l">
-              <a:defRPr sz="2000" b="1"/>
+            <a:lvl1pPr>
+              <a:defRPr sz="2400"/>
             </a:lvl1pPr>
           </a:lstStyle>
           <a:p>
             <a:r>
-              <a:rPr lang="en-CA" smtClean="0"/>
+              <a:rPr lang="en-US"/>
               <a:t>Click to edit Master title style</a:t>
             </a:r>
-            <a:endParaRPr lang="en-US"/>
-          </a:p>
-        </p:txBody>
-      </p:sp>
-      <p:sp>
-        <p:nvSpPr>
-          <p:cNvPr id="3" name="Picture Placeholder 2"/>
+          </a:p>
+        </p:txBody>
+      </p:sp>
+      <p:sp>
+        <p:nvSpPr>
+          <p:cNvPr id="3" name="Picture Placeholder 2">
+            <a:extLst>
+              <a:ext uri="{FF2B5EF4-FFF2-40B4-BE49-F238E27FC236}">
+                <a16:creationId xmlns:a16="http://schemas.microsoft.com/office/drawing/2014/main" id="{2A2093CD-6667-AD4E-93F7-F3B21EF98B7C}"/>
+              </a:ext>
+            </a:extLst>
+          </p:cNvPr>
           <p:cNvSpPr>
             <a:spLocks noGrp="1"/>
           </p:cNvSpPr>
@@ -2991,8 +4495,8 @@
         </p:nvSpPr>
         <p:spPr>
           <a:xfrm>
-            <a:off x="1792288" y="612775"/>
-            <a:ext cx="5486400" cy="4114800"/>
+            <a:off x="3887391" y="740569"/>
+            <a:ext cx="4629150" cy="3655219"/>
           </a:xfrm>
         </p:spPr>
         <p:txBody>
@@ -3000,39 +4504,39 @@
           <a:lstStyle>
             <a:lvl1pPr marL="0" indent="0">
               <a:buNone/>
-              <a:defRPr sz="3200"/>
+              <a:defRPr sz="2400"/>
             </a:lvl1pPr>
-            <a:lvl2pPr marL="457200" indent="0">
-              <a:buNone/>
-              <a:defRPr sz="2800"/>
+            <a:lvl2pPr marL="342900" indent="0">
+              <a:buNone/>
+              <a:defRPr sz="2100"/>
             </a:lvl2pPr>
-            <a:lvl3pPr marL="914400" indent="0">
-              <a:buNone/>
-              <a:defRPr sz="2400"/>
+            <a:lvl3pPr marL="685800" indent="0">
+              <a:buNone/>
+              <a:defRPr sz="1800"/>
             </a:lvl3pPr>
-            <a:lvl4pPr marL="1371600" indent="0">
-              <a:buNone/>
-              <a:defRPr sz="2000"/>
+            <a:lvl4pPr marL="1028700" indent="0">
+              <a:buNone/>
+              <a:defRPr sz="1500"/>
             </a:lvl4pPr>
-            <a:lvl5pPr marL="1828800" indent="0">
-              <a:buNone/>
-              <a:defRPr sz="2000"/>
+            <a:lvl5pPr marL="1371600" indent="0">
+              <a:buNone/>
+              <a:defRPr sz="1500"/>
             </a:lvl5pPr>
-            <a:lvl6pPr marL="2286000" indent="0">
-              <a:buNone/>
-              <a:defRPr sz="2000"/>
+            <a:lvl6pPr marL="1714500" indent="0">
+              <a:buNone/>
+              <a:defRPr sz="1500"/>
             </a:lvl6pPr>
-            <a:lvl7pPr marL="2743200" indent="0">
-              <a:buNone/>
-              <a:defRPr sz="2000"/>
+            <a:lvl7pPr marL="2057400" indent="0">
+              <a:buNone/>
+              <a:defRPr sz="1500"/>
             </a:lvl7pPr>
-            <a:lvl8pPr marL="3200400" indent="0">
-              <a:buNone/>
-              <a:defRPr sz="2000"/>
+            <a:lvl8pPr marL="2400300" indent="0">
+              <a:buNone/>
+              <a:defRPr sz="1500"/>
             </a:lvl8pPr>
-            <a:lvl9pPr marL="3657600" indent="0">
-              <a:buNone/>
-              <a:defRPr sz="2000"/>
+            <a:lvl9pPr marL="2743200" indent="0">
+              <a:buNone/>
+              <a:defRPr sz="1500"/>
             </a:lvl9pPr>
           </a:lstStyle>
           <a:p>
@@ -3042,7 +4546,13 @@
       </p:sp>
       <p:sp>
         <p:nvSpPr>
-          <p:cNvPr id="4" name="Text Placeholder 3"/>
+          <p:cNvPr id="4" name="Text Placeholder 3">
+            <a:extLst>
+              <a:ext uri="{FF2B5EF4-FFF2-40B4-BE49-F238E27FC236}">
+                <a16:creationId xmlns:a16="http://schemas.microsoft.com/office/drawing/2014/main" id="{55DCED6C-F32A-6A44-B857-EBD308B3E75E}"/>
+              </a:ext>
+            </a:extLst>
+          </p:cNvPr>
           <p:cNvSpPr>
             <a:spLocks noGrp="1"/>
           </p:cNvSpPr>
@@ -3052,8 +4562,8 @@
         </p:nvSpPr>
         <p:spPr>
           <a:xfrm>
-            <a:off x="1792288" y="5367338"/>
-            <a:ext cx="5486400" cy="804862"/>
+            <a:off x="629841" y="1543050"/>
+            <a:ext cx="2949178" cy="2858691"/>
           </a:xfrm>
         </p:spPr>
         <p:txBody>
@@ -3061,68 +4571,99 @@
           <a:lstStyle>
             <a:lvl1pPr marL="0" indent="0">
               <a:buNone/>
-              <a:defRPr sz="1400"/>
+              <a:defRPr sz="1200"/>
             </a:lvl1pPr>
-            <a:lvl2pPr marL="457200" indent="0">
-              <a:buNone/>
-              <a:defRPr sz="1200"/>
+            <a:lvl2pPr marL="342900" indent="0">
+              <a:buNone/>
+              <a:defRPr sz="1050"/>
             </a:lvl2pPr>
-            <a:lvl3pPr marL="914400" indent="0">
-              <a:buNone/>
-              <a:defRPr sz="1000"/>
+            <a:lvl3pPr marL="685800" indent="0">
+              <a:buNone/>
+              <a:defRPr sz="900"/>
             </a:lvl3pPr>
-            <a:lvl4pPr marL="1371600" indent="0">
-              <a:buNone/>
-              <a:defRPr sz="900"/>
+            <a:lvl4pPr marL="1028700" indent="0">
+              <a:buNone/>
+              <a:defRPr sz="750"/>
             </a:lvl4pPr>
-            <a:lvl5pPr marL="1828800" indent="0">
-              <a:buNone/>
-              <a:defRPr sz="900"/>
+            <a:lvl5pPr marL="1371600" indent="0">
+              <a:buNone/>
+              <a:defRPr sz="750"/>
             </a:lvl5pPr>
-            <a:lvl6pPr marL="2286000" indent="0">
-              <a:buNone/>
-              <a:defRPr sz="900"/>
+            <a:lvl6pPr marL="1714500" indent="0">
+              <a:buNone/>
+              <a:defRPr sz="750"/>
             </a:lvl6pPr>
-            <a:lvl7pPr marL="2743200" indent="0">
-              <a:buNone/>
-              <a:defRPr sz="900"/>
+            <a:lvl7pPr marL="2057400" indent="0">
+              <a:buNone/>
+              <a:defRPr sz="750"/>
             </a:lvl7pPr>
-            <a:lvl8pPr marL="3200400" indent="0">
-              <a:buNone/>
-              <a:defRPr sz="900"/>
+            <a:lvl8pPr marL="2400300" indent="0">
+              <a:buNone/>
+              <a:defRPr sz="750"/>
             </a:lvl8pPr>
-            <a:lvl9pPr marL="3657600" indent="0">
-              <a:buNone/>
-              <a:defRPr sz="900"/>
+            <a:lvl9pPr marL="2743200" indent="0">
+              <a:buNone/>
+              <a:defRPr sz="750"/>
             </a:lvl9pPr>
           </a:lstStyle>
           <a:p>
             <a:pPr lvl="0"/>
             <a:r>
+              <a:rPr lang="en-US"/>
+              <a:t>Click to edit Master text styles</a:t>
+            </a:r>
+          </a:p>
+        </p:txBody>
+      </p:sp>
+      <p:sp>
+        <p:nvSpPr>
+          <p:cNvPr id="5" name="Date Placeholder 4">
+            <a:extLst>
+              <a:ext uri="{FF2B5EF4-FFF2-40B4-BE49-F238E27FC236}">
+                <a16:creationId xmlns:a16="http://schemas.microsoft.com/office/drawing/2014/main" id="{36F4EDF9-2E61-C346-AEC1-C5515D5109D5}"/>
+              </a:ext>
+            </a:extLst>
+          </p:cNvPr>
+          <p:cNvSpPr>
+            <a:spLocks noGrp="1"/>
+          </p:cNvSpPr>
+          <p:nvPr>
+            <p:ph type="dt" sz="half" idx="10"/>
+          </p:nvPr>
+        </p:nvSpPr>
+        <p:spPr/>
+        <p:txBody>
+          <a:bodyPr/>
+          <a:lstStyle/>
+          <a:p>
+            <a:fld id="{CBAFDF68-DD51-514E-B179-E22080947065}" type="datetime1">
               <a:rPr lang="en-CA" smtClean="0"/>
-              <a:t>Click to edit Master text styles</a:t>
-            </a:r>
-          </a:p>
-        </p:txBody>
-      </p:sp>
-      <p:sp>
-        <p:nvSpPr>
-          <p:cNvPr id="5" name="Date Placeholder 4"/>
-          <p:cNvSpPr>
-            <a:spLocks noGrp="1"/>
-          </p:cNvSpPr>
-          <p:nvPr>
-            <p:ph type="dt" sz="half" idx="10"/>
+              <a:t>2020-12-07</a:t>
+            </a:fld>
+            <a:endParaRPr lang="en-US"/>
+          </a:p>
+        </p:txBody>
+      </p:sp>
+      <p:sp>
+        <p:nvSpPr>
+          <p:cNvPr id="6" name="Footer Placeholder 5">
+            <a:extLst>
+              <a:ext uri="{FF2B5EF4-FFF2-40B4-BE49-F238E27FC236}">
+                <a16:creationId xmlns:a16="http://schemas.microsoft.com/office/drawing/2014/main" id="{908F289B-5706-A047-960A-6FDB1750F2C8}"/>
+              </a:ext>
+            </a:extLst>
+          </p:cNvPr>
+          <p:cNvSpPr>
+            <a:spLocks noGrp="1"/>
+          </p:cNvSpPr>
+          <p:nvPr>
+            <p:ph type="ftr" sz="quarter" idx="11"/>
           </p:nvPr>
         </p:nvSpPr>
         <p:spPr/>
         <p:txBody>
           <a:bodyPr/>
-          <a:lstStyle>
-            <a:lvl1pPr>
-              <a:defRPr/>
-            </a:lvl1pPr>
-          </a:lstStyle>
+          <a:lstStyle/>
           <a:p>
             <a:endParaRPr lang="en-US"/>
           </a:p>
@@ -3130,49 +4671,27 @@
       </p:sp>
       <p:sp>
         <p:nvSpPr>
-          <p:cNvPr id="6" name="Footer Placeholder 5"/>
-          <p:cNvSpPr>
-            <a:spLocks noGrp="1"/>
-          </p:cNvSpPr>
-          <p:nvPr>
-            <p:ph type="ftr" sz="quarter" idx="11"/>
+          <p:cNvPr id="7" name="Slide Number Placeholder 6">
+            <a:extLst>
+              <a:ext uri="{FF2B5EF4-FFF2-40B4-BE49-F238E27FC236}">
+                <a16:creationId xmlns:a16="http://schemas.microsoft.com/office/drawing/2014/main" id="{C2612078-4758-934E-BFE9-86E98A44EE91}"/>
+              </a:ext>
+            </a:extLst>
+          </p:cNvPr>
+          <p:cNvSpPr>
+            <a:spLocks noGrp="1"/>
+          </p:cNvSpPr>
+          <p:nvPr>
+            <p:ph type="sldNum" sz="quarter" idx="12"/>
           </p:nvPr>
         </p:nvSpPr>
         <p:spPr/>
         <p:txBody>
           <a:bodyPr/>
-          <a:lstStyle>
-            <a:lvl1pPr>
-              <a:defRPr/>
-            </a:lvl1pPr>
-          </a:lstStyle>
-          <a:p>
-            <a:endParaRPr lang="en-US"/>
-          </a:p>
-        </p:txBody>
-      </p:sp>
-      <p:sp>
-        <p:nvSpPr>
-          <p:cNvPr id="7" name="Slide Number Placeholder 6"/>
-          <p:cNvSpPr>
-            <a:spLocks noGrp="1"/>
-          </p:cNvSpPr>
-          <p:nvPr>
-            <p:ph type="sldNum" sz="quarter" idx="12"/>
-          </p:nvPr>
-        </p:nvSpPr>
-        <p:spPr/>
-        <p:txBody>
-          <a:bodyPr/>
-          <a:lstStyle>
-            <a:lvl1pPr>
-              <a:defRPr smtClean="0"/>
-            </a:lvl1pPr>
-          </a:lstStyle>
-          <a:p>
-            <a:fld id="{FDF2C8BD-1EAD-2845-9F8E-2C1D32EB4539}" type="slidenum">
-              <a:rPr lang="en-US"/>
-              <a:pPr/>
+          <a:lstStyle/>
+          <a:p>
+            <a:fld id="{7B252BF6-6A9C-D04A-BBE8-37A07D64A1C3}" type="slidenum">
+              <a:rPr lang="en-US" smtClean="0"/>
               <a:t>‹#›</a:t>
             </a:fld>
             <a:endParaRPr lang="en-US"/>
@@ -3180,6 +4699,11 @@
         </p:txBody>
       </p:sp>
     </p:spTree>
+    <p:extLst>
+      <p:ext uri="{BB962C8B-B14F-4D97-AF65-F5344CB8AC3E}">
+        <p14:creationId xmlns:p14="http://schemas.microsoft.com/office/powerpoint/2010/main" val="3045960392"/>
+      </p:ext>
+    </p:extLst>
   </p:cSld>
   <p:clrMapOvr>
     <a:masterClrMapping/>
@@ -3188,15 +4712,12 @@
 </file>
 
 <file path=ppt/slideMasters/slideMaster1.xml><?xml version="1.0" encoding="utf-8"?>
-<p:sldMaster xmlns:a="http://schemas.openxmlformats.org/drawingml/2006/main" xmlns:r="http://schemas.openxmlformats.org/officeDocument/2006/relationships" xmlns:p="http://schemas.openxmlformats.org/presentationml/2006/main">
+<p:sldMaster xmlns:a="http://schemas.openxmlformats.org/drawingml/2006/main" xmlns:r="http://schemas.openxmlformats.org/officeDocument/2006/relationships" xmlns:p="http://schemas.openxmlformats.org/presentationml/2006/main" preserve="1">
   <p:cSld>
     <p:bg>
-      <p:bgPr>
-        <a:solidFill>
-          <a:schemeClr val="bg1"/>
-        </a:solidFill>
-        <a:effectLst/>
-      </p:bgPr>
+      <p:bgRef idx="1001">
+        <a:schemeClr val="bg1"/>
+      </p:bgRef>
     </p:bg>
     <p:spTree>
       <p:nvGrpSpPr>
@@ -3214,40 +4735,35 @@
       </p:grpSpPr>
       <p:sp>
         <p:nvSpPr>
-          <p:cNvPr id="1026" name="Rectangle 2"/>
-          <p:cNvSpPr>
-            <a:spLocks noGrp="1" noChangeArrowheads="1"/>
+          <p:cNvPr id="2" name="Title Placeholder 1">
+            <a:extLst>
+              <a:ext uri="{FF2B5EF4-FFF2-40B4-BE49-F238E27FC236}">
+                <a16:creationId xmlns:a16="http://schemas.microsoft.com/office/drawing/2014/main" id="{405FBF36-3AE9-6F4F-9D44-FDF1EDE69171}"/>
+              </a:ext>
+            </a:extLst>
+          </p:cNvPr>
+          <p:cNvSpPr>
+            <a:spLocks noGrp="1"/>
           </p:cNvSpPr>
           <p:nvPr>
             <p:ph type="title"/>
           </p:nvPr>
         </p:nvSpPr>
-        <p:spPr bwMode="auto">
+        <p:spPr>
           <a:xfrm>
-            <a:off x="685800" y="609600"/>
-            <a:ext cx="7772400" cy="1143000"/>
+            <a:off x="628650" y="273844"/>
+            <a:ext cx="7886700" cy="994172"/>
           </a:xfrm>
           <a:prstGeom prst="rect">
             <a:avLst/>
           </a:prstGeom>
-          <a:noFill/>
-          <a:ln w="9525">
-            <a:noFill/>
-            <a:miter lim="800000"/>
-            <a:headEnd/>
-            <a:tailEnd/>
-          </a:ln>
-          <a:effectLst/>
         </p:spPr>
         <p:txBody>
-          <a:bodyPr vert="horz" wrap="square" lIns="91440" tIns="45720" rIns="91440" bIns="45720" numCol="1" anchor="ctr" anchorCtr="0" compatLnSpc="1">
-            <a:prstTxWarp prst="textNoShape">
-              <a:avLst/>
-            </a:prstTxWarp>
+          <a:bodyPr vert="horz" lIns="91440" tIns="45720" rIns="91440" bIns="45720" rtlCol="0" anchor="ctr">
+            <a:normAutofit/>
           </a:bodyPr>
           <a:lstStyle/>
           <a:p>
-            <a:pPr lvl="0"/>
             <a:r>
               <a:rPr lang="en-US" dirty="0"/>
               <a:t>Click to edit Master title style</a:t>
@@ -3257,70 +4773,66 @@
       </p:sp>
       <p:sp>
         <p:nvSpPr>
-          <p:cNvPr id="1027" name="Rectangle 3"/>
-          <p:cNvSpPr>
-            <a:spLocks noGrp="1" noChangeArrowheads="1"/>
+          <p:cNvPr id="3" name="Text Placeholder 2">
+            <a:extLst>
+              <a:ext uri="{FF2B5EF4-FFF2-40B4-BE49-F238E27FC236}">
+                <a16:creationId xmlns:a16="http://schemas.microsoft.com/office/drawing/2014/main" id="{B7433E42-24FB-9E4C-A197-FBE95A39782A}"/>
+              </a:ext>
+            </a:extLst>
+          </p:cNvPr>
+          <p:cNvSpPr>
+            <a:spLocks noGrp="1"/>
           </p:cNvSpPr>
           <p:nvPr>
             <p:ph type="body" idx="1"/>
           </p:nvPr>
         </p:nvSpPr>
-        <p:spPr bwMode="auto">
+        <p:spPr>
           <a:xfrm>
-            <a:off x="685800" y="1981200"/>
-            <a:ext cx="7772400" cy="4114800"/>
+            <a:off x="628650" y="1369219"/>
+            <a:ext cx="7886700" cy="3263504"/>
           </a:xfrm>
           <a:prstGeom prst="rect">
             <a:avLst/>
           </a:prstGeom>
-          <a:noFill/>
-          <a:ln w="9525">
-            <a:noFill/>
-            <a:miter lim="800000"/>
-            <a:headEnd/>
-            <a:tailEnd/>
-          </a:ln>
-          <a:effectLst/>
         </p:spPr>
         <p:txBody>
-          <a:bodyPr vert="horz" wrap="square" lIns="91440" tIns="45720" rIns="91440" bIns="45720" numCol="1" anchor="t" anchorCtr="0" compatLnSpc="1">
-            <a:prstTxWarp prst="textNoShape">
-              <a:avLst/>
-            </a:prstTxWarp>
+          <a:bodyPr vert="horz" lIns="91440" tIns="45720" rIns="91440" bIns="45720" rtlCol="0">
+            <a:normAutofit/>
           </a:bodyPr>
           <a:lstStyle/>
           <a:p>
             <a:pPr lvl="0"/>
             <a:r>
-              <a:rPr lang="en-US" dirty="0"/>
+              <a:rPr lang="en-US"/>
               <a:t>Click to edit Master text styles</a:t>
             </a:r>
           </a:p>
           <a:p>
             <a:pPr lvl="1"/>
             <a:r>
-              <a:rPr lang="en-US" dirty="0"/>
+              <a:rPr lang="en-US"/>
               <a:t>Second level</a:t>
             </a:r>
           </a:p>
           <a:p>
             <a:pPr lvl="2"/>
             <a:r>
-              <a:rPr lang="en-US" dirty="0"/>
+              <a:rPr lang="en-US"/>
               <a:t>Third level</a:t>
             </a:r>
           </a:p>
           <a:p>
             <a:pPr lvl="3"/>
             <a:r>
-              <a:rPr lang="en-US" dirty="0"/>
+              <a:rPr lang="en-US"/>
               <a:t>Fourth level</a:t>
             </a:r>
           </a:p>
           <a:p>
             <a:pPr lvl="4"/>
             <a:r>
-              <a:rPr lang="en-US" dirty="0"/>
+              <a:rPr lang="en-US"/>
               <a:t>Fifth level</a:t>
             </a:r>
           </a:p>
@@ -3328,86 +4840,88 @@
       </p:sp>
       <p:sp>
         <p:nvSpPr>
-          <p:cNvPr id="1028" name="Rectangle 4"/>
-          <p:cNvSpPr>
-            <a:spLocks noGrp="1" noChangeArrowheads="1"/>
+          <p:cNvPr id="4" name="Date Placeholder 3">
+            <a:extLst>
+              <a:ext uri="{FF2B5EF4-FFF2-40B4-BE49-F238E27FC236}">
+                <a16:creationId xmlns:a16="http://schemas.microsoft.com/office/drawing/2014/main" id="{C1A9F3E4-CCFD-A546-BD98-34B6A6B34CAC}"/>
+              </a:ext>
+            </a:extLst>
+          </p:cNvPr>
+          <p:cNvSpPr>
+            <a:spLocks noGrp="1"/>
           </p:cNvSpPr>
           <p:nvPr>
             <p:ph type="dt" sz="half" idx="2"/>
           </p:nvPr>
         </p:nvSpPr>
-        <p:spPr bwMode="auto">
+        <p:spPr>
           <a:xfrm>
-            <a:off x="685800" y="6248400"/>
-            <a:ext cx="1905000" cy="457200"/>
+            <a:off x="628650" y="4767263"/>
+            <a:ext cx="2057400" cy="273844"/>
           </a:xfrm>
           <a:prstGeom prst="rect">
             <a:avLst/>
           </a:prstGeom>
-          <a:noFill/>
-          <a:ln w="9525">
-            <a:noFill/>
-            <a:miter lim="800000"/>
-            <a:headEnd/>
-            <a:tailEnd/>
-          </a:ln>
-          <a:effectLst/>
         </p:spPr>
         <p:txBody>
-          <a:bodyPr vert="horz" wrap="square" lIns="91440" tIns="45720" rIns="91440" bIns="45720" numCol="1" anchor="t" anchorCtr="0" compatLnSpc="1">
-            <a:prstTxWarp prst="textNoShape">
-              <a:avLst/>
-            </a:prstTxWarp>
-          </a:bodyPr>
+          <a:bodyPr vert="horz" lIns="91440" tIns="45720" rIns="91440" bIns="45720" rtlCol="0" anchor="ctr"/>
           <a:lstStyle>
-            <a:lvl1pPr>
-              <a:defRPr sz="1400">
-                <a:latin typeface="Calibri"/>
+            <a:lvl1pPr algn="l">
+              <a:defRPr sz="900" b="0" i="0">
+                <a:solidFill>
+                  <a:schemeClr val="tx1">
+                    <a:tint val="75000"/>
+                  </a:schemeClr>
+                </a:solidFill>
+                <a:latin typeface="Calibri" panose="020F0502020204030204" pitchFamily="34" charset="0"/>
               </a:defRPr>
             </a:lvl1pPr>
           </a:lstStyle>
           <a:p>
+            <a:fld id="{CFB5B512-1C0B-5F4A-B1D8-07EED328189A}" type="datetime1">
+              <a:rPr lang="en-CA" smtClean="0"/>
+              <a:t>2020-12-07</a:t>
+            </a:fld>
             <a:endParaRPr lang="en-US" dirty="0"/>
           </a:p>
         </p:txBody>
       </p:sp>
       <p:sp>
         <p:nvSpPr>
-          <p:cNvPr id="1029" name="Rectangle 5"/>
-          <p:cNvSpPr>
-            <a:spLocks noGrp="1" noChangeArrowheads="1"/>
+          <p:cNvPr id="5" name="Footer Placeholder 4">
+            <a:extLst>
+              <a:ext uri="{FF2B5EF4-FFF2-40B4-BE49-F238E27FC236}">
+                <a16:creationId xmlns:a16="http://schemas.microsoft.com/office/drawing/2014/main" id="{E88AAA39-D2DE-7B4A-BB24-AAC6C28B6F7B}"/>
+              </a:ext>
+            </a:extLst>
+          </p:cNvPr>
+          <p:cNvSpPr>
+            <a:spLocks noGrp="1"/>
           </p:cNvSpPr>
           <p:nvPr>
             <p:ph type="ftr" sz="quarter" idx="3"/>
           </p:nvPr>
         </p:nvSpPr>
-        <p:spPr bwMode="auto">
+        <p:spPr>
           <a:xfrm>
-            <a:off x="3124200" y="6248400"/>
-            <a:ext cx="2895600" cy="457200"/>
+            <a:off x="3028950" y="4767263"/>
+            <a:ext cx="3086100" cy="273844"/>
           </a:xfrm>
           <a:prstGeom prst="rect">
             <a:avLst/>
           </a:prstGeom>
-          <a:noFill/>
-          <a:ln w="9525">
-            <a:noFill/>
-            <a:miter lim="800000"/>
-            <a:headEnd/>
-            <a:tailEnd/>
-          </a:ln>
-          <a:effectLst/>
         </p:spPr>
         <p:txBody>
-          <a:bodyPr vert="horz" wrap="square" lIns="91440" tIns="45720" rIns="91440" bIns="45720" numCol="1" anchor="t" anchorCtr="0" compatLnSpc="1">
-            <a:prstTxWarp prst="textNoShape">
-              <a:avLst/>
-            </a:prstTxWarp>
-          </a:bodyPr>
+          <a:bodyPr vert="horz" lIns="91440" tIns="45720" rIns="91440" bIns="45720" rtlCol="0" anchor="ctr"/>
           <a:lstStyle>
             <a:lvl1pPr algn="ctr">
-              <a:defRPr sz="1400">
-                <a:latin typeface="Calibri"/>
+              <a:defRPr sz="900" b="0" i="0">
+                <a:solidFill>
+                  <a:schemeClr val="tx1">
+                    <a:tint val="75000"/>
+                  </a:schemeClr>
+                </a:solidFill>
+                <a:latin typeface="Calibri" panose="020F0502020204030204" pitchFamily="34" charset="0"/>
               </a:defRPr>
             </a:lvl1pPr>
           </a:lstStyle>
@@ -3418,47 +4932,45 @@
       </p:sp>
       <p:sp>
         <p:nvSpPr>
-          <p:cNvPr id="1030" name="Rectangle 6"/>
-          <p:cNvSpPr>
-            <a:spLocks noGrp="1" noChangeArrowheads="1"/>
+          <p:cNvPr id="6" name="Slide Number Placeholder 5">
+            <a:extLst>
+              <a:ext uri="{FF2B5EF4-FFF2-40B4-BE49-F238E27FC236}">
+                <a16:creationId xmlns:a16="http://schemas.microsoft.com/office/drawing/2014/main" id="{5E61F2AD-686E-E445-9758-B74AC410CE64}"/>
+              </a:ext>
+            </a:extLst>
+          </p:cNvPr>
+          <p:cNvSpPr>
+            <a:spLocks noGrp="1"/>
           </p:cNvSpPr>
           <p:nvPr>
             <p:ph type="sldNum" sz="quarter" idx="4"/>
           </p:nvPr>
         </p:nvSpPr>
-        <p:spPr bwMode="auto">
+        <p:spPr>
           <a:xfrm>
-            <a:off x="6553200" y="6248400"/>
-            <a:ext cx="1905000" cy="457200"/>
+            <a:off x="6457950" y="4767263"/>
+            <a:ext cx="2057400" cy="273844"/>
           </a:xfrm>
           <a:prstGeom prst="rect">
             <a:avLst/>
           </a:prstGeom>
-          <a:noFill/>
-          <a:ln w="9525">
-            <a:noFill/>
-            <a:miter lim="800000"/>
-            <a:headEnd/>
-            <a:tailEnd/>
-          </a:ln>
-          <a:effectLst/>
         </p:spPr>
         <p:txBody>
-          <a:bodyPr vert="horz" wrap="square" lIns="91440" tIns="45720" rIns="91440" bIns="45720" numCol="1" anchor="t" anchorCtr="0" compatLnSpc="1">
-            <a:prstTxWarp prst="textNoShape">
-              <a:avLst/>
-            </a:prstTxWarp>
-          </a:bodyPr>
+          <a:bodyPr vert="horz" lIns="91440" tIns="45720" rIns="91440" bIns="45720" rtlCol="0" anchor="ctr"/>
           <a:lstStyle>
             <a:lvl1pPr algn="r">
-              <a:defRPr sz="1400">
-                <a:latin typeface="Calibri"/>
-                <a:cs typeface="Calibri"/>
+              <a:defRPr sz="900" b="0" i="0">
+                <a:solidFill>
+                  <a:schemeClr val="tx1">
+                    <a:tint val="75000"/>
+                  </a:schemeClr>
+                </a:solidFill>
+                <a:latin typeface="Calibri" panose="020F0502020204030204" pitchFamily="34" charset="0"/>
               </a:defRPr>
             </a:lvl1pPr>
           </a:lstStyle>
           <a:p>
-            <a:fld id="{CFC4B473-3A67-3148-B40D-8C9390FDF73D}" type="slidenum">
+            <a:fld id="{7B252BF6-6A9C-D04A-BBE8-37A07D64A1C3}" type="slidenum">
               <a:rPr lang="en-US" smtClean="0"/>
               <a:pPr/>
               <a:t>‹#›</a:t>
@@ -3468,310 +4980,60 @@
         </p:txBody>
       </p:sp>
     </p:spTree>
+    <p:extLst>
+      <p:ext uri="{BB962C8B-B14F-4D97-AF65-F5344CB8AC3E}">
+        <p14:creationId xmlns:p14="http://schemas.microsoft.com/office/powerpoint/2010/main" val="3529339723"/>
+      </p:ext>
+    </p:extLst>
   </p:cSld>
   <p:clrMap bg1="lt1" tx1="dk1" bg2="lt2" tx2="dk2" accent1="accent1" accent2="accent2" accent3="accent3" accent4="accent4" accent5="accent5" accent6="accent6" hlink="hlink" folHlink="folHlink"/>
   <p:sldLayoutIdLst>
-    <p:sldLayoutId id="2147483649" r:id="rId1"/>
-    <p:sldLayoutId id="2147483650" r:id="rId2"/>
-    <p:sldLayoutId id="2147483651" r:id="rId3"/>
-    <p:sldLayoutId id="2147483652" r:id="rId4"/>
-    <p:sldLayoutId id="2147483653" r:id="rId5"/>
-    <p:sldLayoutId id="2147483654" r:id="rId6"/>
-    <p:sldLayoutId id="2147483655" r:id="rId7"/>
-    <p:sldLayoutId id="2147483656" r:id="rId8"/>
-    <p:sldLayoutId id="2147483657" r:id="rId9"/>
-    <p:sldLayoutId id="2147483658" r:id="rId10"/>
-    <p:sldLayoutId id="2147483659" r:id="rId11"/>
+    <p:sldLayoutId id="2147483661" r:id="rId1"/>
+    <p:sldLayoutId id="2147483662" r:id="rId2"/>
+    <p:sldLayoutId id="2147483663" r:id="rId3"/>
+    <p:sldLayoutId id="2147483664" r:id="rId4"/>
+    <p:sldLayoutId id="2147483665" r:id="rId5"/>
+    <p:sldLayoutId id="2147483666" r:id="rId6"/>
+    <p:sldLayoutId id="2147483667" r:id="rId7"/>
+    <p:sldLayoutId id="2147483668" r:id="rId8"/>
+    <p:sldLayoutId id="2147483669" r:id="rId9"/>
+    <p:sldLayoutId id="2147483670" r:id="rId10"/>
+    <p:sldLayoutId id="2147483671" r:id="rId11"/>
+    <p:sldLayoutId id="2147483672" r:id="rId12"/>
+    <p:sldLayoutId id="2147483673" r:id="rId13"/>
   </p:sldLayoutIdLst>
   <p:hf hdr="0" ftr="0" dt="0"/>
   <p:txStyles>
     <p:titleStyle>
-      <a:lvl1pPr algn="ctr" rtl="0" fontAlgn="base">
+      <a:lvl1pPr algn="l" defTabSz="685800" rtl="0" eaLnBrk="1" latinLnBrk="0" hangingPunct="1">
+        <a:lnSpc>
+          <a:spcPct val="90000"/>
+        </a:lnSpc>
         <a:spcBef>
           <a:spcPct val="0"/>
         </a:spcBef>
-        <a:spcAft>
-          <a:spcPct val="0"/>
-        </a:spcAft>
-        <a:defRPr sz="4400">
-          <a:solidFill>
-            <a:schemeClr val="tx2"/>
-          </a:solidFill>
-          <a:latin typeface="Calibri"/>
-          <a:ea typeface="+mj-ea"/>
-          <a:cs typeface="Calibri"/>
-        </a:defRPr>
-      </a:lvl1pPr>
-      <a:lvl2pPr algn="ctr" rtl="0" fontAlgn="base">
-        <a:spcBef>
-          <a:spcPct val="0"/>
-        </a:spcBef>
-        <a:spcAft>
-          <a:spcPct val="0"/>
-        </a:spcAft>
-        <a:defRPr sz="4400">
-          <a:solidFill>
-            <a:schemeClr val="tx2"/>
-          </a:solidFill>
-          <a:latin typeface="Times" charset="0"/>
-        </a:defRPr>
-      </a:lvl2pPr>
-      <a:lvl3pPr algn="ctr" rtl="0" fontAlgn="base">
-        <a:spcBef>
-          <a:spcPct val="0"/>
-        </a:spcBef>
-        <a:spcAft>
-          <a:spcPct val="0"/>
-        </a:spcAft>
-        <a:defRPr sz="4400">
-          <a:solidFill>
-            <a:schemeClr val="tx2"/>
-          </a:solidFill>
-          <a:latin typeface="Times" charset="0"/>
-        </a:defRPr>
-      </a:lvl3pPr>
-      <a:lvl4pPr algn="ctr" rtl="0" fontAlgn="base">
-        <a:spcBef>
-          <a:spcPct val="0"/>
-        </a:spcBef>
-        <a:spcAft>
-          <a:spcPct val="0"/>
-        </a:spcAft>
-        <a:defRPr sz="4400">
-          <a:solidFill>
-            <a:schemeClr val="tx2"/>
-          </a:solidFill>
-          <a:latin typeface="Times" charset="0"/>
-        </a:defRPr>
-      </a:lvl4pPr>
-      <a:lvl5pPr algn="ctr" rtl="0" fontAlgn="base">
-        <a:spcBef>
-          <a:spcPct val="0"/>
-        </a:spcBef>
-        <a:spcAft>
-          <a:spcPct val="0"/>
-        </a:spcAft>
-        <a:defRPr sz="4400">
-          <a:solidFill>
-            <a:schemeClr val="tx2"/>
-          </a:solidFill>
-          <a:latin typeface="Times" charset="0"/>
-        </a:defRPr>
-      </a:lvl5pPr>
-      <a:lvl6pPr marL="457200" algn="ctr" rtl="0" fontAlgn="base">
-        <a:spcBef>
-          <a:spcPct val="0"/>
-        </a:spcBef>
-        <a:spcAft>
-          <a:spcPct val="0"/>
-        </a:spcAft>
-        <a:defRPr sz="4400">
-          <a:solidFill>
-            <a:schemeClr val="tx2"/>
-          </a:solidFill>
-          <a:latin typeface="Times" charset="0"/>
-        </a:defRPr>
-      </a:lvl6pPr>
-      <a:lvl7pPr marL="914400" algn="ctr" rtl="0" fontAlgn="base">
-        <a:spcBef>
-          <a:spcPct val="0"/>
-        </a:spcBef>
-        <a:spcAft>
-          <a:spcPct val="0"/>
-        </a:spcAft>
-        <a:defRPr sz="4400">
-          <a:solidFill>
-            <a:schemeClr val="tx2"/>
-          </a:solidFill>
-          <a:latin typeface="Times" charset="0"/>
-        </a:defRPr>
-      </a:lvl7pPr>
-      <a:lvl8pPr marL="1371600" algn="ctr" rtl="0" fontAlgn="base">
-        <a:spcBef>
-          <a:spcPct val="0"/>
-        </a:spcBef>
-        <a:spcAft>
-          <a:spcPct val="0"/>
-        </a:spcAft>
-        <a:defRPr sz="4400">
-          <a:solidFill>
-            <a:schemeClr val="tx2"/>
-          </a:solidFill>
-          <a:latin typeface="Times" charset="0"/>
-        </a:defRPr>
-      </a:lvl8pPr>
-      <a:lvl9pPr marL="1828800" algn="ctr" rtl="0" fontAlgn="base">
-        <a:spcBef>
-          <a:spcPct val="0"/>
-        </a:spcBef>
-        <a:spcAft>
-          <a:spcPct val="0"/>
-        </a:spcAft>
-        <a:defRPr sz="4400">
-          <a:solidFill>
-            <a:schemeClr val="tx2"/>
-          </a:solidFill>
-          <a:latin typeface="Times" charset="0"/>
-        </a:defRPr>
-      </a:lvl9pPr>
-    </p:titleStyle>
-    <p:bodyStyle>
-      <a:lvl1pPr marL="342900" indent="-342900" algn="l" rtl="0" fontAlgn="base">
-        <a:spcBef>
-          <a:spcPct val="20000"/>
-        </a:spcBef>
-        <a:spcAft>
-          <a:spcPct val="0"/>
-        </a:spcAft>
-        <a:buChar char="•"/>
-        <a:defRPr sz="3200">
+        <a:buNone/>
+        <a:defRPr sz="3300" kern="1200">
           <a:solidFill>
             <a:schemeClr val="tx1"/>
           </a:solidFill>
-          <a:latin typeface="Calibri"/>
-          <a:ea typeface="+mn-ea"/>
-          <a:cs typeface="Calibri"/>
+          <a:latin typeface="+mj-lt"/>
+          <a:ea typeface="+mj-ea"/>
+          <a:cs typeface="+mj-cs"/>
         </a:defRPr>
       </a:lvl1pPr>
-      <a:lvl2pPr marL="742950" indent="-285750" algn="l" rtl="0" fontAlgn="base">
+    </p:titleStyle>
+    <p:bodyStyle>
+      <a:lvl1pPr marL="171450" indent="-171450" algn="l" defTabSz="685800" rtl="0" eaLnBrk="1" latinLnBrk="0" hangingPunct="1">
+        <a:lnSpc>
+          <a:spcPct val="90000"/>
+        </a:lnSpc>
         <a:spcBef>
-          <a:spcPct val="20000"/>
+          <a:spcPts val="750"/>
         </a:spcBef>
-        <a:spcAft>
-          <a:spcPct val="0"/>
-        </a:spcAft>
-        <a:buChar char="–"/>
-        <a:defRPr sz="2800">
-          <a:solidFill>
-            <a:schemeClr val="tx1"/>
-          </a:solidFill>
-          <a:latin typeface="Calibri"/>
-          <a:ea typeface="ＭＳ Ｐゴシック" charset="-128"/>
-          <a:cs typeface="Calibri"/>
-        </a:defRPr>
-      </a:lvl2pPr>
-      <a:lvl3pPr marL="1143000" indent="-228600" algn="l" rtl="0" fontAlgn="base">
-        <a:spcBef>
-          <a:spcPct val="20000"/>
-        </a:spcBef>
-        <a:spcAft>
-          <a:spcPct val="0"/>
-        </a:spcAft>
+        <a:buFont typeface="Arial" panose="020B0604020202020204" pitchFamily="34" charset="0"/>
         <a:buChar char="•"/>
-        <a:defRPr sz="2400">
-          <a:solidFill>
-            <a:schemeClr val="tx1"/>
-          </a:solidFill>
-          <a:latin typeface="Calibri"/>
-          <a:ea typeface="ＭＳ Ｐゴシック" charset="-128"/>
-          <a:cs typeface="Calibri"/>
-        </a:defRPr>
-      </a:lvl3pPr>
-      <a:lvl4pPr marL="1600200" indent="-228600" algn="l" rtl="0" fontAlgn="base">
-        <a:spcBef>
-          <a:spcPct val="20000"/>
-        </a:spcBef>
-        <a:spcAft>
-          <a:spcPct val="0"/>
-        </a:spcAft>
-        <a:buChar char="–"/>
-        <a:defRPr sz="2000">
-          <a:solidFill>
-            <a:schemeClr val="tx1"/>
-          </a:solidFill>
-          <a:latin typeface="Calibri"/>
-          <a:ea typeface="ＭＳ Ｐゴシック" charset="-128"/>
-          <a:cs typeface="Calibri"/>
-        </a:defRPr>
-      </a:lvl4pPr>
-      <a:lvl5pPr marL="2057400" indent="-228600" algn="l" rtl="0" fontAlgn="base">
-        <a:spcBef>
-          <a:spcPct val="20000"/>
-        </a:spcBef>
-        <a:spcAft>
-          <a:spcPct val="0"/>
-        </a:spcAft>
-        <a:buChar char="»"/>
-        <a:defRPr sz="2000">
-          <a:solidFill>
-            <a:schemeClr val="tx1"/>
-          </a:solidFill>
-          <a:latin typeface="Calibri"/>
-          <a:ea typeface="ＭＳ Ｐゴシック" charset="-128"/>
-          <a:cs typeface="Calibri"/>
-        </a:defRPr>
-      </a:lvl5pPr>
-      <a:lvl6pPr marL="2514600" indent="-228600" algn="l" rtl="0" fontAlgn="base">
-        <a:spcBef>
-          <a:spcPct val="20000"/>
-        </a:spcBef>
-        <a:spcAft>
-          <a:spcPct val="0"/>
-        </a:spcAft>
-        <a:buChar char="»"/>
-        <a:defRPr sz="2000">
-          <a:solidFill>
-            <a:schemeClr val="tx1"/>
-          </a:solidFill>
-          <a:latin typeface="+mn-lt"/>
-          <a:ea typeface="ＭＳ Ｐゴシック" charset="-128"/>
-        </a:defRPr>
-      </a:lvl6pPr>
-      <a:lvl7pPr marL="2971800" indent="-228600" algn="l" rtl="0" fontAlgn="base">
-        <a:spcBef>
-          <a:spcPct val="20000"/>
-        </a:spcBef>
-        <a:spcAft>
-          <a:spcPct val="0"/>
-        </a:spcAft>
-        <a:buChar char="»"/>
-        <a:defRPr sz="2000">
-          <a:solidFill>
-            <a:schemeClr val="tx1"/>
-          </a:solidFill>
-          <a:latin typeface="+mn-lt"/>
-          <a:ea typeface="ＭＳ Ｐゴシック" charset="-128"/>
-        </a:defRPr>
-      </a:lvl7pPr>
-      <a:lvl8pPr marL="3429000" indent="-228600" algn="l" rtl="0" fontAlgn="base">
-        <a:spcBef>
-          <a:spcPct val="20000"/>
-        </a:spcBef>
-        <a:spcAft>
-          <a:spcPct val="0"/>
-        </a:spcAft>
-        <a:buChar char="»"/>
-        <a:defRPr sz="2000">
-          <a:solidFill>
-            <a:schemeClr val="tx1"/>
-          </a:solidFill>
-          <a:latin typeface="+mn-lt"/>
-          <a:ea typeface="ＭＳ Ｐゴシック" charset="-128"/>
-        </a:defRPr>
-      </a:lvl8pPr>
-      <a:lvl9pPr marL="3886200" indent="-228600" algn="l" rtl="0" fontAlgn="base">
-        <a:spcBef>
-          <a:spcPct val="20000"/>
-        </a:spcBef>
-        <a:spcAft>
-          <a:spcPct val="0"/>
-        </a:spcAft>
-        <a:buChar char="»"/>
-        <a:defRPr sz="2000">
-          <a:solidFill>
-            <a:schemeClr val="tx1"/>
-          </a:solidFill>
-          <a:latin typeface="+mn-lt"/>
-          <a:ea typeface="ＭＳ Ｐゴシック" charset="-128"/>
-        </a:defRPr>
-      </a:lvl9pPr>
-    </p:bodyStyle>
-    <p:otherStyle>
-      <a:defPPr>
-        <a:defRPr lang="en-US"/>
-      </a:defPPr>
-      <a:lvl1pPr marL="0" algn="l" defTabSz="457200" rtl="0" eaLnBrk="1" latinLnBrk="0" hangingPunct="1">
-        <a:defRPr sz="1800" kern="1200">
+        <a:defRPr sz="2100" kern="1200">
           <a:solidFill>
             <a:schemeClr val="tx1"/>
           </a:solidFill>
@@ -3780,7 +5042,15 @@
           <a:cs typeface="+mn-cs"/>
         </a:defRPr>
       </a:lvl1pPr>
-      <a:lvl2pPr marL="457200" algn="l" defTabSz="457200" rtl="0" eaLnBrk="1" latinLnBrk="0" hangingPunct="1">
+      <a:lvl2pPr marL="514350" indent="-171450" algn="l" defTabSz="685800" rtl="0" eaLnBrk="1" latinLnBrk="0" hangingPunct="1">
+        <a:lnSpc>
+          <a:spcPct val="90000"/>
+        </a:lnSpc>
+        <a:spcBef>
+          <a:spcPts val="375"/>
+        </a:spcBef>
+        <a:buFont typeface="Arial" panose="020B0604020202020204" pitchFamily="34" charset="0"/>
+        <a:buChar char="•"/>
         <a:defRPr sz="1800" kern="1200">
           <a:solidFill>
             <a:schemeClr val="tx1"/>
@@ -3790,8 +5060,16 @@
           <a:cs typeface="+mn-cs"/>
         </a:defRPr>
       </a:lvl2pPr>
-      <a:lvl3pPr marL="914400" algn="l" defTabSz="457200" rtl="0" eaLnBrk="1" latinLnBrk="0" hangingPunct="1">
-        <a:defRPr sz="1800" kern="1200">
+      <a:lvl3pPr marL="857250" indent="-171450" algn="l" defTabSz="685800" rtl="0" eaLnBrk="1" latinLnBrk="0" hangingPunct="1">
+        <a:lnSpc>
+          <a:spcPct val="90000"/>
+        </a:lnSpc>
+        <a:spcBef>
+          <a:spcPts val="375"/>
+        </a:spcBef>
+        <a:buFont typeface="Arial" panose="020B0604020202020204" pitchFamily="34" charset="0"/>
+        <a:buChar char="•"/>
+        <a:defRPr sz="1500" kern="1200">
           <a:solidFill>
             <a:schemeClr val="tx1"/>
           </a:solidFill>
@@ -3800,8 +5078,16 @@
           <a:cs typeface="+mn-cs"/>
         </a:defRPr>
       </a:lvl3pPr>
-      <a:lvl4pPr marL="1371600" algn="l" defTabSz="457200" rtl="0" eaLnBrk="1" latinLnBrk="0" hangingPunct="1">
-        <a:defRPr sz="1800" kern="1200">
+      <a:lvl4pPr marL="1200150" indent="-171450" algn="l" defTabSz="685800" rtl="0" eaLnBrk="1" latinLnBrk="0" hangingPunct="1">
+        <a:lnSpc>
+          <a:spcPct val="90000"/>
+        </a:lnSpc>
+        <a:spcBef>
+          <a:spcPts val="375"/>
+        </a:spcBef>
+        <a:buFont typeface="Arial" panose="020B0604020202020204" pitchFamily="34" charset="0"/>
+        <a:buChar char="•"/>
+        <a:defRPr sz="1350" kern="1200">
           <a:solidFill>
             <a:schemeClr val="tx1"/>
           </a:solidFill>
@@ -3810,8 +5096,16 @@
           <a:cs typeface="+mn-cs"/>
         </a:defRPr>
       </a:lvl4pPr>
-      <a:lvl5pPr marL="1828800" algn="l" defTabSz="457200" rtl="0" eaLnBrk="1" latinLnBrk="0" hangingPunct="1">
-        <a:defRPr sz="1800" kern="1200">
+      <a:lvl5pPr marL="1543050" indent="-171450" algn="l" defTabSz="685800" rtl="0" eaLnBrk="1" latinLnBrk="0" hangingPunct="1">
+        <a:lnSpc>
+          <a:spcPct val="90000"/>
+        </a:lnSpc>
+        <a:spcBef>
+          <a:spcPts val="375"/>
+        </a:spcBef>
+        <a:buFont typeface="Arial" panose="020B0604020202020204" pitchFamily="34" charset="0"/>
+        <a:buChar char="•"/>
+        <a:defRPr sz="1350" kern="1200">
           <a:solidFill>
             <a:schemeClr val="tx1"/>
           </a:solidFill>
@@ -3820,8 +5114,16 @@
           <a:cs typeface="+mn-cs"/>
         </a:defRPr>
       </a:lvl5pPr>
-      <a:lvl6pPr marL="2286000" algn="l" defTabSz="457200" rtl="0" eaLnBrk="1" latinLnBrk="0" hangingPunct="1">
-        <a:defRPr sz="1800" kern="1200">
+      <a:lvl6pPr marL="1885950" indent="-171450" algn="l" defTabSz="685800" rtl="0" eaLnBrk="1" latinLnBrk="0" hangingPunct="1">
+        <a:lnSpc>
+          <a:spcPct val="90000"/>
+        </a:lnSpc>
+        <a:spcBef>
+          <a:spcPts val="375"/>
+        </a:spcBef>
+        <a:buFont typeface="Arial" panose="020B0604020202020204" pitchFamily="34" charset="0"/>
+        <a:buChar char="•"/>
+        <a:defRPr sz="1350" kern="1200">
           <a:solidFill>
             <a:schemeClr val="tx1"/>
           </a:solidFill>
@@ -3830,8 +5132,16 @@
           <a:cs typeface="+mn-cs"/>
         </a:defRPr>
       </a:lvl6pPr>
-      <a:lvl7pPr marL="2743200" algn="l" defTabSz="457200" rtl="0" eaLnBrk="1" latinLnBrk="0" hangingPunct="1">
-        <a:defRPr sz="1800" kern="1200">
+      <a:lvl7pPr marL="2228850" indent="-171450" algn="l" defTabSz="685800" rtl="0" eaLnBrk="1" latinLnBrk="0" hangingPunct="1">
+        <a:lnSpc>
+          <a:spcPct val="90000"/>
+        </a:lnSpc>
+        <a:spcBef>
+          <a:spcPts val="375"/>
+        </a:spcBef>
+        <a:buFont typeface="Arial" panose="020B0604020202020204" pitchFamily="34" charset="0"/>
+        <a:buChar char="•"/>
+        <a:defRPr sz="1350" kern="1200">
           <a:solidFill>
             <a:schemeClr val="tx1"/>
           </a:solidFill>
@@ -3840,8 +5150,16 @@
           <a:cs typeface="+mn-cs"/>
         </a:defRPr>
       </a:lvl7pPr>
-      <a:lvl8pPr marL="3200400" algn="l" defTabSz="457200" rtl="0" eaLnBrk="1" latinLnBrk="0" hangingPunct="1">
-        <a:defRPr sz="1800" kern="1200">
+      <a:lvl8pPr marL="2571750" indent="-171450" algn="l" defTabSz="685800" rtl="0" eaLnBrk="1" latinLnBrk="0" hangingPunct="1">
+        <a:lnSpc>
+          <a:spcPct val="90000"/>
+        </a:lnSpc>
+        <a:spcBef>
+          <a:spcPts val="375"/>
+        </a:spcBef>
+        <a:buFont typeface="Arial" panose="020B0604020202020204" pitchFamily="34" charset="0"/>
+        <a:buChar char="•"/>
+        <a:defRPr sz="1350" kern="1200">
           <a:solidFill>
             <a:schemeClr val="tx1"/>
           </a:solidFill>
@@ -3850,8 +5168,111 @@
           <a:cs typeface="+mn-cs"/>
         </a:defRPr>
       </a:lvl8pPr>
-      <a:lvl9pPr marL="3657600" algn="l" defTabSz="457200" rtl="0" eaLnBrk="1" latinLnBrk="0" hangingPunct="1">
-        <a:defRPr sz="1800" kern="1200">
+      <a:lvl9pPr marL="2914650" indent="-171450" algn="l" defTabSz="685800" rtl="0" eaLnBrk="1" latinLnBrk="0" hangingPunct="1">
+        <a:lnSpc>
+          <a:spcPct val="90000"/>
+        </a:lnSpc>
+        <a:spcBef>
+          <a:spcPts val="375"/>
+        </a:spcBef>
+        <a:buFont typeface="Arial" panose="020B0604020202020204" pitchFamily="34" charset="0"/>
+        <a:buChar char="•"/>
+        <a:defRPr sz="1350" kern="1200">
+          <a:solidFill>
+            <a:schemeClr val="tx1"/>
+          </a:solidFill>
+          <a:latin typeface="+mn-lt"/>
+          <a:ea typeface="+mn-ea"/>
+          <a:cs typeface="+mn-cs"/>
+        </a:defRPr>
+      </a:lvl9pPr>
+    </p:bodyStyle>
+    <p:otherStyle>
+      <a:defPPr>
+        <a:defRPr lang="en-US"/>
+      </a:defPPr>
+      <a:lvl1pPr marL="0" algn="l" defTabSz="685800" rtl="0" eaLnBrk="1" latinLnBrk="0" hangingPunct="1">
+        <a:defRPr sz="1350" kern="1200">
+          <a:solidFill>
+            <a:schemeClr val="tx1"/>
+          </a:solidFill>
+          <a:latin typeface="+mn-lt"/>
+          <a:ea typeface="+mn-ea"/>
+          <a:cs typeface="+mn-cs"/>
+        </a:defRPr>
+      </a:lvl1pPr>
+      <a:lvl2pPr marL="342900" algn="l" defTabSz="685800" rtl="0" eaLnBrk="1" latinLnBrk="0" hangingPunct="1">
+        <a:defRPr sz="1350" kern="1200">
+          <a:solidFill>
+            <a:schemeClr val="tx1"/>
+          </a:solidFill>
+          <a:latin typeface="+mn-lt"/>
+          <a:ea typeface="+mn-ea"/>
+          <a:cs typeface="+mn-cs"/>
+        </a:defRPr>
+      </a:lvl2pPr>
+      <a:lvl3pPr marL="685800" algn="l" defTabSz="685800" rtl="0" eaLnBrk="1" latinLnBrk="0" hangingPunct="1">
+        <a:defRPr sz="1350" kern="1200">
+          <a:solidFill>
+            <a:schemeClr val="tx1"/>
+          </a:solidFill>
+          <a:latin typeface="+mn-lt"/>
+          <a:ea typeface="+mn-ea"/>
+          <a:cs typeface="+mn-cs"/>
+        </a:defRPr>
+      </a:lvl3pPr>
+      <a:lvl4pPr marL="1028700" algn="l" defTabSz="685800" rtl="0" eaLnBrk="1" latinLnBrk="0" hangingPunct="1">
+        <a:defRPr sz="1350" kern="1200">
+          <a:solidFill>
+            <a:schemeClr val="tx1"/>
+          </a:solidFill>
+          <a:latin typeface="+mn-lt"/>
+          <a:ea typeface="+mn-ea"/>
+          <a:cs typeface="+mn-cs"/>
+        </a:defRPr>
+      </a:lvl4pPr>
+      <a:lvl5pPr marL="1371600" algn="l" defTabSz="685800" rtl="0" eaLnBrk="1" latinLnBrk="0" hangingPunct="1">
+        <a:defRPr sz="1350" kern="1200">
+          <a:solidFill>
+            <a:schemeClr val="tx1"/>
+          </a:solidFill>
+          <a:latin typeface="+mn-lt"/>
+          <a:ea typeface="+mn-ea"/>
+          <a:cs typeface="+mn-cs"/>
+        </a:defRPr>
+      </a:lvl5pPr>
+      <a:lvl6pPr marL="1714500" algn="l" defTabSz="685800" rtl="0" eaLnBrk="1" latinLnBrk="0" hangingPunct="1">
+        <a:defRPr sz="1350" kern="1200">
+          <a:solidFill>
+            <a:schemeClr val="tx1"/>
+          </a:solidFill>
+          <a:latin typeface="+mn-lt"/>
+          <a:ea typeface="+mn-ea"/>
+          <a:cs typeface="+mn-cs"/>
+        </a:defRPr>
+      </a:lvl6pPr>
+      <a:lvl7pPr marL="2057400" algn="l" defTabSz="685800" rtl="0" eaLnBrk="1" latinLnBrk="0" hangingPunct="1">
+        <a:defRPr sz="1350" kern="1200">
+          <a:solidFill>
+            <a:schemeClr val="tx1"/>
+          </a:solidFill>
+          <a:latin typeface="+mn-lt"/>
+          <a:ea typeface="+mn-ea"/>
+          <a:cs typeface="+mn-cs"/>
+        </a:defRPr>
+      </a:lvl7pPr>
+      <a:lvl8pPr marL="2400300" algn="l" defTabSz="685800" rtl="0" eaLnBrk="1" latinLnBrk="0" hangingPunct="1">
+        <a:defRPr sz="1350" kern="1200">
+          <a:solidFill>
+            <a:schemeClr val="tx1"/>
+          </a:solidFill>
+          <a:latin typeface="+mn-lt"/>
+          <a:ea typeface="+mn-ea"/>
+          <a:cs typeface="+mn-cs"/>
+        </a:defRPr>
+      </a:lvl8pPr>
+      <a:lvl9pPr marL="2743200" algn="l" defTabSz="685800" rtl="0" eaLnBrk="1" latinLnBrk="0" hangingPunct="1">
+        <a:defRPr sz="1350" kern="1200">
           <a:solidFill>
             <a:schemeClr val="tx1"/>
           </a:solidFill>
@@ -3893,10 +5314,6 @@
           </p:nvPr>
         </p:nvSpPr>
         <p:spPr>
-          <a:xfrm>
-            <a:off x="311708" y="1041916"/>
-            <a:ext cx="8520600" cy="2736900"/>
-          </a:xfrm>
           <a:prstGeom prst="rect">
             <a:avLst/>
           </a:prstGeom>
@@ -3906,18 +5323,21 @@
           </a:ln>
         </p:spPr>
         <p:txBody>
-          <a:bodyPr lIns="91425" tIns="45700" rIns="91425" bIns="45700" anchor="ctr" anchorCtr="0">
+          <a:bodyPr vert="horz" wrap="square" lIns="68569" tIns="34275" rIns="68569" bIns="34275" numCol="1" anchor="ctr" anchorCtr="0" compatLnSpc="1">
+            <a:prstTxWarp prst="textNoShape">
+              <a:avLst/>
+            </a:prstTxWarp>
             <a:noAutofit/>
           </a:bodyPr>
           <a:lstStyle/>
           <a:p>
-            <a:pPr lvl="0">
+            <a:pPr>
               <a:spcBef>
                 <a:spcPts val="0"/>
               </a:spcBef>
             </a:pPr>
             <a:r>
-              <a:rPr lang="en-US" dirty="0" smtClean="0">
+              <a:rPr lang="en-US" dirty="0">
                 <a:solidFill>
                   <a:schemeClr val="dk1"/>
                 </a:solidFill>
@@ -3929,7 +5349,7 @@
               <a:t>Compilers</a:t>
             </a:r>
             <a:br>
-              <a:rPr lang="en-US" dirty="0" smtClean="0">
+              <a:rPr lang="en-US" dirty="0">
                 <a:solidFill>
                   <a:schemeClr val="dk1"/>
                 </a:solidFill>
@@ -3940,7 +5360,7 @@
               </a:rPr>
             </a:br>
             <a:r>
-              <a:rPr lang="en-US" dirty="0" smtClean="0">
+              <a:rPr lang="en-US" sz="3600" dirty="0">
                 <a:solidFill>
                   <a:schemeClr val="dk1"/>
                 </a:solidFill>
@@ -3974,10 +5394,6 @@
           </p:nvPr>
         </p:nvSpPr>
         <p:spPr>
-          <a:xfrm>
-            <a:off x="311700" y="3778819"/>
-            <a:ext cx="8520600" cy="1734000"/>
-          </a:xfrm>
           <a:prstGeom prst="rect">
             <a:avLst/>
           </a:prstGeom>
@@ -3987,12 +5403,15 @@
           </a:ln>
         </p:spPr>
         <p:txBody>
-          <a:bodyPr lIns="91425" tIns="45700" rIns="91425" bIns="45700" anchor="t" anchorCtr="0">
+          <a:bodyPr vert="horz" wrap="square" lIns="68569" tIns="34275" rIns="68569" bIns="34275" numCol="1" anchor="t" anchorCtr="0" compatLnSpc="1">
+            <a:prstTxWarp prst="textNoShape">
+              <a:avLst/>
+            </a:prstTxWarp>
             <a:noAutofit/>
           </a:bodyPr>
           <a:lstStyle/>
           <a:p>
-            <a:pPr marL="0" marR="0" lvl="0" indent="0" algn="ctr" rtl="0">
+            <a:pPr>
               <a:spcBef>
                 <a:spcPts val="0"/>
               </a:spcBef>
@@ -4003,79 +5422,65 @@
                 <a:srgbClr val="888888"/>
               </a:buClr>
               <a:buSzPct val="25000"/>
-              <a:buFont typeface="Arial"/>
-              <a:buNone/>
             </a:pPr>
             <a:r>
-              <a:rPr lang="en-US" sz="3200" b="0" i="0" u="none" strike="noStrike" cap="none" dirty="0">
+              <a:rPr lang="en-US" dirty="0">
                 <a:solidFill>
                   <a:srgbClr val="888888"/>
                 </a:solidFill>
-                <a:latin typeface="Calibri"/>
                 <a:ea typeface="Calibri"/>
-                <a:cs typeface="Calibri"/>
                 <a:sym typeface="Calibri"/>
               </a:rPr>
               <a:t>CMPT 379: Compilers</a:t>
             </a:r>
           </a:p>
           <a:p>
-            <a:pPr marL="0" marR="0" lvl="0" indent="0" algn="ctr" rtl="0">
+            <a:pPr>
               <a:spcBef>
-                <a:spcPts val="640"/>
+                <a:spcPts val="480"/>
               </a:spcBef>
               <a:buClr>
                 <a:srgbClr val="888888"/>
               </a:buClr>
               <a:buSzPct val="25000"/>
-              <a:buFont typeface="Arial"/>
-              <a:buNone/>
             </a:pPr>
             <a:r>
-              <a:rPr lang="en-US" sz="3200" b="0" i="0" u="none" strike="noStrike" cap="none" dirty="0">
+              <a:rPr lang="en-US" dirty="0">
                 <a:solidFill>
                   <a:srgbClr val="888888"/>
                 </a:solidFill>
-                <a:latin typeface="Calibri"/>
                 <a:ea typeface="Calibri"/>
-                <a:cs typeface="Calibri"/>
                 <a:sym typeface="Calibri"/>
               </a:rPr>
               <a:t>Instructor: Anoop Sarkar</a:t>
             </a:r>
           </a:p>
           <a:p>
-            <a:pPr marL="0" marR="0" lvl="0" indent="0" algn="ctr" rtl="0">
+            <a:pPr>
               <a:spcBef>
-                <a:spcPts val="640"/>
+                <a:spcPts val="480"/>
               </a:spcBef>
               <a:buClr>
                 <a:srgbClr val="888888"/>
               </a:buClr>
               <a:buSzPct val="25000"/>
-              <a:buFont typeface="Arial"/>
-              <a:buNone/>
             </a:pPr>
             <a:r>
-              <a:rPr lang="en-US" sz="2400" dirty="0" err="1">
+              <a:rPr lang="en-US" sz="1800" dirty="0" err="1">
                 <a:solidFill>
                   <a:srgbClr val="888888"/>
                 </a:solidFill>
-                <a:latin typeface="Calibri"/>
                 <a:ea typeface="Calibri"/>
-                <a:cs typeface="Calibri"/>
                 <a:sym typeface="Calibri"/>
               </a:rPr>
               <a:t>anoopsarkar.github.io</a:t>
             </a:r>
             <a:r>
-              <a:rPr lang="en-US" sz="2400" dirty="0">
+              <a:rPr lang="en-US" sz="1800" dirty="0">
                 <a:solidFill>
                   <a:srgbClr val="888888"/>
                 </a:solidFill>
-                <a:latin typeface="Calibri"/>
                 <a:ea typeface="Calibri"/>
-                <a:cs typeface="Calibri"/>
                 <a:sym typeface="Calibri"/>
               </a:rPr>
               <a:t>/compilers-class</a:t>
@@ -4085,14 +5490,38 @@
       </p:sp>
       <p:sp>
         <p:nvSpPr>
+          <p:cNvPr id="2" name="Slide Number Placeholder 1"/>
+          <p:cNvSpPr>
+            <a:spLocks noGrp="1"/>
+          </p:cNvSpPr>
+          <p:nvPr>
+            <p:ph type="sldNum" sz="quarter" idx="12"/>
+          </p:nvPr>
+        </p:nvSpPr>
+        <p:spPr/>
+        <p:txBody>
+          <a:bodyPr/>
+          <a:lstStyle/>
+          <a:p>
+            <a:fld id="{27841DEF-BF3B-4144-AFA6-B8539C7D3E74}" type="slidenum">
+              <a:rPr lang="en-US" smtClean="0"/>
+              <a:pPr/>
+              <a:t>1</a:t>
+            </a:fld>
+            <a:endParaRPr lang="en-US" dirty="0"/>
+          </a:p>
+        </p:txBody>
+      </p:sp>
+      <p:sp>
+        <p:nvSpPr>
           <p:cNvPr id="205" name="Shape 205"/>
           <p:cNvSpPr/>
           <p:nvPr/>
         </p:nvSpPr>
         <p:spPr>
           <a:xfrm>
-            <a:off x="6444208" y="548675"/>
-            <a:ext cx="2286542" cy="510900"/>
+            <a:off x="7092280" y="238228"/>
+            <a:ext cx="1714907" cy="383175"/>
           </a:xfrm>
           <a:prstGeom prst="roundRect">
             <a:avLst>
@@ -4100,7 +5529,10 @@
             </a:avLst>
           </a:prstGeom>
           <a:solidFill>
-            <a:srgbClr val="FFAB40"/>
+            <a:schemeClr val="accent4">
+              <a:lumMod val="60000"/>
+              <a:lumOff val="40000"/>
+            </a:schemeClr>
           </a:solidFill>
           <a:ln w="9525" cap="flat" cmpd="sng">
             <a:solidFill>
@@ -4113,12 +5545,12 @@
           </a:ln>
         </p:spPr>
         <p:txBody>
-          <a:bodyPr lIns="91425" tIns="45700" rIns="91425" bIns="45700" anchor="t" anchorCtr="0">
+          <a:bodyPr lIns="68569" tIns="34275" rIns="68569" bIns="34275" anchor="t" anchorCtr="0">
             <a:noAutofit/>
           </a:bodyPr>
           <a:lstStyle/>
           <a:p>
-            <a:pPr lvl="0" algn="ctr" rtl="0">
+            <a:pPr algn="ctr">
               <a:spcBef>
                 <a:spcPts val="0"/>
               </a:spcBef>
@@ -4126,11 +5558,9 @@
                 <a:schemeClr val="dk1"/>
               </a:buClr>
               <a:buSzPct val="25000"/>
-              <a:buFont typeface="Times New Roman"/>
-              <a:buNone/>
             </a:pPr>
             <a:r>
-              <a:rPr lang="en-US" sz="2400" dirty="0" smtClean="0">
+              <a:rPr lang="en-US" sz="1800" dirty="0">
                 <a:solidFill>
                   <a:schemeClr val="dk1"/>
                 </a:solidFill>
@@ -4141,39 +5571,6 @@
               </a:rPr>
               <a:t>Conclusion</a:t>
             </a:r>
-            <a:endParaRPr lang="en-US" sz="2400" dirty="0">
-              <a:solidFill>
-                <a:schemeClr val="dk1"/>
-              </a:solidFill>
-              <a:latin typeface="Calibri"/>
-              <a:ea typeface="Calibri"/>
-              <a:cs typeface="Calibri"/>
-              <a:sym typeface="Calibri"/>
-            </a:endParaRPr>
-          </a:p>
-        </p:txBody>
-      </p:sp>
-      <p:sp>
-        <p:nvSpPr>
-          <p:cNvPr id="2" name="Slide Number Placeholder 1"/>
-          <p:cNvSpPr>
-            <a:spLocks noGrp="1"/>
-          </p:cNvSpPr>
-          <p:nvPr>
-            <p:ph type="sldNum" sz="quarter" idx="12"/>
-          </p:nvPr>
-        </p:nvSpPr>
-        <p:spPr/>
-        <p:txBody>
-          <a:bodyPr/>
-          <a:lstStyle/>
-          <a:p>
-            <a:fld id="{27841DEF-BF3B-4144-AFA6-B8539C7D3E74}" type="slidenum">
-              <a:rPr lang="en-US" smtClean="0"/>
-              <a:pPr/>
-              <a:t>1</a:t>
-            </a:fld>
-            <a:endParaRPr lang="en-US" dirty="0"/>
           </a:p>
         </p:txBody>
       </p:sp>
@@ -4187,13 +5584,6 @@
   <p:clrMapOvr>
     <a:masterClrMapping/>
   </p:clrMapOvr>
-  <p:timing>
-    <p:tnLst>
-      <p:par>
-        <p:cTn xmlns:p14="http://schemas.microsoft.com/office/powerpoint/2010/main" id="1" dur="indefinite" restart="never" nodeType="tmRoot"/>
-      </p:par>
-    </p:tnLst>
-  </p:timing>
 </p:sld>
 </file>
 
@@ -4243,63 +5633,65 @@
             <a:spLocks noGrp="1" noChangeArrowheads="1"/>
           </p:cNvSpPr>
           <p:nvPr>
-            <p:ph type="body" idx="1"/>
+            <p:ph idx="1"/>
           </p:nvPr>
         </p:nvSpPr>
         <p:spPr/>
         <p:txBody>
-          <a:bodyPr/>
+          <a:bodyPr>
+            <a:normAutofit/>
+          </a:bodyPr>
           <a:lstStyle/>
           <a:p>
             <a:r>
-              <a:rPr lang="en-US"/>
+              <a:rPr lang="en-US" sz="2800" dirty="0"/>
               <a:t>Analysis/Synthesis</a:t>
             </a:r>
           </a:p>
           <a:p>
             <a:pPr lvl="1"/>
             <a:r>
-              <a:rPr lang="en-US"/>
+              <a:rPr lang="en-US" sz="2400" dirty="0"/>
               <a:t>Translation from string to executable</a:t>
             </a:r>
           </a:p>
           <a:p>
             <a:r>
-              <a:rPr lang="en-US"/>
+              <a:rPr lang="en-US" sz="2800" dirty="0"/>
               <a:t>Divide and conquer</a:t>
             </a:r>
           </a:p>
           <a:p>
             <a:pPr lvl="1"/>
             <a:r>
-              <a:rPr lang="en-US"/>
+              <a:rPr lang="en-US" sz="2400" dirty="0"/>
               <a:t>Build one component at a time</a:t>
             </a:r>
           </a:p>
           <a:p>
             <a:pPr lvl="1"/>
             <a:r>
-              <a:rPr lang="en-US"/>
+              <a:rPr lang="en-US" sz="2400" dirty="0"/>
               <a:t>Theoretical analysis will ensure we keep things </a:t>
             </a:r>
             <a:r>
-              <a:rPr lang="en-US" b="1"/>
+              <a:rPr lang="en-US" sz="2400" b="1" dirty="0"/>
               <a:t>simple</a:t>
             </a:r>
             <a:r>
-              <a:rPr lang="en-US"/>
+              <a:rPr lang="en-US" sz="2400" dirty="0"/>
               <a:t> and </a:t>
             </a:r>
             <a:r>
-              <a:rPr lang="en-US" b="1"/>
+              <a:rPr lang="en-US" sz="2400" b="1" dirty="0"/>
               <a:t>correct</a:t>
             </a:r>
-            <a:endParaRPr lang="en-US"/>
+            <a:endParaRPr lang="en-US" sz="2400" dirty="0"/>
           </a:p>
           <a:p>
             <a:pPr lvl="1"/>
             <a:r>
-              <a:rPr lang="en-US"/>
+              <a:rPr lang="en-US" sz="2400" dirty="0"/>
               <a:t>Create a complex piece of software</a:t>
             </a:r>
           </a:p>
@@ -4383,12 +5775,14 @@
             <a:spLocks noGrp="1" noChangeArrowheads="1"/>
           </p:cNvSpPr>
           <p:nvPr>
-            <p:ph type="body" idx="1"/>
+            <p:ph idx="1"/>
           </p:nvPr>
         </p:nvSpPr>
         <p:spPr/>
         <p:txBody>
-          <a:bodyPr/>
+          <a:bodyPr>
+            <a:normAutofit fontScale="92500" lnSpcReduction="10000"/>
+          </a:bodyPr>
           <a:lstStyle/>
           <a:p>
             <a:pPr>
@@ -4397,7 +5791,7 @@
               </a:lnSpc>
             </a:pPr>
             <a:r>
-              <a:rPr lang="en-US"/>
+              <a:rPr lang="en-US" sz="2400" dirty="0"/>
               <a:t>To learn parsing techniques that can be applied elsewhere</a:t>
             </a:r>
           </a:p>
@@ -4408,7 +5802,7 @@
               </a:lnSpc>
             </a:pPr>
             <a:r>
-              <a:rPr lang="en-US"/>
+              <a:rPr lang="en-US" sz="2400" dirty="0"/>
               <a:t>To see how theoretical analysis is applied in practice and how it helps design of complex systems</a:t>
             </a:r>
           </a:p>
@@ -4419,7 +5813,7 @@
               </a:lnSpc>
             </a:pPr>
             <a:r>
-              <a:rPr lang="en-US"/>
+              <a:rPr lang="en-US" sz="2400" dirty="0"/>
               <a:t>To gain an appreciation for language design</a:t>
             </a:r>
           </a:p>
@@ -4430,8 +5824,30 @@
               </a:lnSpc>
             </a:pPr>
             <a:r>
-              <a:rPr lang="en-US"/>
+              <a:rPr lang="en-US" sz="2400" dirty="0"/>
               <a:t>To observe important aspects of software engineering</a:t>
+            </a:r>
+          </a:p>
+          <a:p>
+            <a:pPr>
+              <a:lnSpc>
+                <a:spcPct val="90000"/>
+              </a:lnSpc>
+            </a:pPr>
+            <a:r>
+              <a:rPr lang="en-US" sz="2400" dirty="0"/>
+              <a:t>To learn how code generation and code optimization can make you a better compiler</a:t>
+            </a:r>
+          </a:p>
+          <a:p>
+            <a:pPr>
+              <a:lnSpc>
+                <a:spcPct val="90000"/>
+              </a:lnSpc>
+            </a:pPr>
+            <a:r>
+              <a:rPr lang="en-US" sz="2400" dirty="0"/>
+              <a:t>Write a compiler!</a:t>
             </a:r>
           </a:p>
         </p:txBody>
@@ -4469,56 +5885,150 @@
 </file>
 
 <file path=ppt/theme/theme1.xml><?xml version="1.0" encoding="utf-8"?>
-<a:theme xmlns:a="http://schemas.openxmlformats.org/drawingml/2006/main" name="Blank Presentation">
+<a:theme xmlns:a="http://schemas.openxmlformats.org/drawingml/2006/main" name="1_Office Theme">
   <a:themeElements>
-    <a:clrScheme name="Blank Presentation 1">
+    <a:clrScheme name="Office">
       <a:dk1>
-        <a:srgbClr val="000000"/>
+        <a:sysClr val="windowText" lastClr="000000"/>
       </a:dk1>
       <a:lt1>
-        <a:srgbClr val="FFFFFF"/>
+        <a:sysClr val="window" lastClr="FFFFFF"/>
       </a:lt1>
       <a:dk2>
-        <a:srgbClr val="000000"/>
+        <a:srgbClr val="44546A"/>
       </a:dk2>
       <a:lt2>
-        <a:srgbClr val="808080"/>
+        <a:srgbClr val="E7E6E6"/>
       </a:lt2>
       <a:accent1>
-        <a:srgbClr val="BBE0E3"/>
+        <a:srgbClr val="4472C4"/>
       </a:accent1>
       <a:accent2>
-        <a:srgbClr val="333399"/>
+        <a:srgbClr val="ED7D31"/>
       </a:accent2>
       <a:accent3>
-        <a:srgbClr val="FFFFFF"/>
+        <a:srgbClr val="A5A5A5"/>
       </a:accent3>
       <a:accent4>
-        <a:srgbClr val="000000"/>
+        <a:srgbClr val="FFC000"/>
       </a:accent4>
       <a:accent5>
-        <a:srgbClr val="DAEDEF"/>
+        <a:srgbClr val="5B9BD5"/>
       </a:accent5>
       <a:accent6>
-        <a:srgbClr val="2D2D8A"/>
+        <a:srgbClr val="70AD47"/>
       </a:accent6>
       <a:hlink>
-        <a:srgbClr val="009999"/>
+        <a:srgbClr val="0563C1"/>
       </a:hlink>
       <a:folHlink>
-        <a:srgbClr val="99CC00"/>
+        <a:srgbClr val="954F72"/>
       </a:folHlink>
     </a:clrScheme>
-    <a:fontScheme name="Blank Presentation">
+    <a:fontScheme name="Office">
       <a:majorFont>
-        <a:latin typeface="Times"/>
+        <a:latin typeface="Calibri Light" panose="020F0302020204030204"/>
         <a:ea typeface=""/>
         <a:cs typeface=""/>
+        <a:font script="Jpan" typeface="游ゴシック Light"/>
+        <a:font script="Hang" typeface="맑은 고딕"/>
+        <a:font script="Hans" typeface="等线 Light"/>
+        <a:font script="Hant" typeface="新細明體"/>
+        <a:font script="Arab" typeface="Times New Roman"/>
+        <a:font script="Hebr" typeface="Times New Roman"/>
+        <a:font script="Thai" typeface="Angsana New"/>
+        <a:font script="Ethi" typeface="Nyala"/>
+        <a:font script="Beng" typeface="Vrinda"/>
+        <a:font script="Gujr" typeface="Shruti"/>
+        <a:font script="Khmr" typeface="MoolBoran"/>
+        <a:font script="Knda" typeface="Tunga"/>
+        <a:font script="Guru" typeface="Raavi"/>
+        <a:font script="Cans" typeface="Euphemia"/>
+        <a:font script="Cher" typeface="Plantagenet Cherokee"/>
+        <a:font script="Yiii" typeface="Microsoft Yi Baiti"/>
+        <a:font script="Tibt" typeface="Microsoft Himalaya"/>
+        <a:font script="Thaa" typeface="MV Boli"/>
+        <a:font script="Deva" typeface="Mangal"/>
+        <a:font script="Telu" typeface="Gautami"/>
+        <a:font script="Taml" typeface="Latha"/>
+        <a:font script="Syrc" typeface="Estrangelo Edessa"/>
+        <a:font script="Orya" typeface="Kalinga"/>
+        <a:font script="Mlym" typeface="Kartika"/>
+        <a:font script="Laoo" typeface="DokChampa"/>
+        <a:font script="Sinh" typeface="Iskoola Pota"/>
+        <a:font script="Mong" typeface="Mongolian Baiti"/>
+        <a:font script="Viet" typeface="Times New Roman"/>
+        <a:font script="Uigh" typeface="Microsoft Uighur"/>
+        <a:font script="Geor" typeface="Sylfaen"/>
+        <a:font script="Armn" typeface="Arial"/>
+        <a:font script="Bugi" typeface="Leelawadee UI"/>
+        <a:font script="Bopo" typeface="Microsoft JhengHei"/>
+        <a:font script="Java" typeface="Javanese Text"/>
+        <a:font script="Lisu" typeface="Segoe UI"/>
+        <a:font script="Mymr" typeface="Myanmar Text"/>
+        <a:font script="Nkoo" typeface="Ebrima"/>
+        <a:font script="Olck" typeface="Nirmala UI"/>
+        <a:font script="Osma" typeface="Ebrima"/>
+        <a:font script="Phag" typeface="Phagspa"/>
+        <a:font script="Syrn" typeface="Estrangelo Edessa"/>
+        <a:font script="Syrj" typeface="Estrangelo Edessa"/>
+        <a:font script="Syre" typeface="Estrangelo Edessa"/>
+        <a:font script="Sora" typeface="Nirmala UI"/>
+        <a:font script="Tale" typeface="Microsoft Tai Le"/>
+        <a:font script="Talu" typeface="Microsoft New Tai Lue"/>
+        <a:font script="Tfng" typeface="Ebrima"/>
       </a:majorFont>
       <a:minorFont>
-        <a:latin typeface="Times"/>
+        <a:latin typeface="Calibri" panose="020F0502020204030204"/>
         <a:ea typeface=""/>
         <a:cs typeface=""/>
+        <a:font script="Jpan" typeface="游ゴシック"/>
+        <a:font script="Hang" typeface="맑은 고딕"/>
+        <a:font script="Hans" typeface="等线"/>
+        <a:font script="Hant" typeface="新細明體"/>
+        <a:font script="Arab" typeface="Arial"/>
+        <a:font script="Hebr" typeface="Arial"/>
+        <a:font script="Thai" typeface="Cordia New"/>
+        <a:font script="Ethi" typeface="Nyala"/>
+        <a:font script="Beng" typeface="Vrinda"/>
+        <a:font script="Gujr" typeface="Shruti"/>
+        <a:font script="Khmr" typeface="DaunPenh"/>
+        <a:font script="Knda" typeface="Tunga"/>
+        <a:font script="Guru" typeface="Raavi"/>
+        <a:font script="Cans" typeface="Euphemia"/>
+        <a:font script="Cher" typeface="Plantagenet Cherokee"/>
+        <a:font script="Yiii" typeface="Microsoft Yi Baiti"/>
+        <a:font script="Tibt" typeface="Microsoft Himalaya"/>
+        <a:font script="Thaa" typeface="MV Boli"/>
+        <a:font script="Deva" typeface="Mangal"/>
+        <a:font script="Telu" typeface="Gautami"/>
+        <a:font script="Taml" typeface="Latha"/>
+        <a:font script="Syrc" typeface="Estrangelo Edessa"/>
+        <a:font script="Orya" typeface="Kalinga"/>
+        <a:font script="Mlym" typeface="Kartika"/>
+        <a:font script="Laoo" typeface="DokChampa"/>
+        <a:font script="Sinh" typeface="Iskoola Pota"/>
+        <a:font script="Mong" typeface="Mongolian Baiti"/>
+        <a:font script="Viet" typeface="Arial"/>
+        <a:font script="Uigh" typeface="Microsoft Uighur"/>
+        <a:font script="Geor" typeface="Sylfaen"/>
+        <a:font script="Armn" typeface="Arial"/>
+        <a:font script="Bugi" typeface="Leelawadee UI"/>
+        <a:font script="Bopo" typeface="Microsoft JhengHei"/>
+        <a:font script="Java" typeface="Javanese Text"/>
+        <a:font script="Lisu" typeface="Segoe UI"/>
+        <a:font script="Mymr" typeface="Myanmar Text"/>
+        <a:font script="Nkoo" typeface="Ebrima"/>
+        <a:font script="Olck" typeface="Nirmala UI"/>
+        <a:font script="Osma" typeface="Ebrima"/>
+        <a:font script="Phag" typeface="Phagspa"/>
+        <a:font script="Syrn" typeface="Estrangelo Edessa"/>
+        <a:font script="Syrj" typeface="Estrangelo Edessa"/>
+        <a:font script="Syre" typeface="Estrangelo Edessa"/>
+        <a:font script="Sora" typeface="Nirmala UI"/>
+        <a:font script="Tale" typeface="Microsoft Tai Le"/>
+        <a:font script="Talu" typeface="Microsoft New Tai Lue"/>
+        <a:font script="Tfng" typeface="Ebrima"/>
       </a:minorFont>
     </a:fontScheme>
     <a:fmtScheme name="Office">
@@ -4530,780 +6040,142 @@
           <a:gsLst>
             <a:gs pos="0">
               <a:schemeClr val="phClr">
-                <a:tint val="50000"/>
-                <a:satMod val="300000"/>
+                <a:lumMod val="110000"/>
+                <a:satMod val="105000"/>
+                <a:tint val="67000"/>
               </a:schemeClr>
             </a:gs>
-            <a:gs pos="35000">
+            <a:gs pos="50000">
               <a:schemeClr val="phClr">
-                <a:tint val="37000"/>
-                <a:satMod val="300000"/>
+                <a:lumMod val="105000"/>
+                <a:satMod val="103000"/>
+                <a:tint val="73000"/>
               </a:schemeClr>
             </a:gs>
             <a:gs pos="100000">
               <a:schemeClr val="phClr">
-                <a:tint val="15000"/>
-                <a:satMod val="350000"/>
+                <a:lumMod val="105000"/>
+                <a:satMod val="109000"/>
+                <a:tint val="81000"/>
               </a:schemeClr>
             </a:gs>
           </a:gsLst>
-          <a:lin ang="16200000" scaled="1"/>
+          <a:lin ang="5400000" scaled="0"/>
         </a:gradFill>
         <a:gradFill rotWithShape="1">
           <a:gsLst>
             <a:gs pos="0">
               <a:schemeClr val="phClr">
-                <a:tint val="100000"/>
+                <a:satMod val="103000"/>
+                <a:lumMod val="102000"/>
+                <a:tint val="94000"/>
+              </a:schemeClr>
+            </a:gs>
+            <a:gs pos="50000">
+              <a:schemeClr val="phClr">
+                <a:satMod val="110000"/>
+                <a:lumMod val="100000"/>
                 <a:shade val="100000"/>
-                <a:satMod val="130000"/>
               </a:schemeClr>
             </a:gs>
             <a:gs pos="100000">
               <a:schemeClr val="phClr">
-                <a:tint val="50000"/>
-                <a:shade val="100000"/>
-                <a:satMod val="350000"/>
+                <a:lumMod val="99000"/>
+                <a:satMod val="120000"/>
+                <a:shade val="78000"/>
               </a:schemeClr>
             </a:gs>
           </a:gsLst>
-          <a:lin ang="16200000" scaled="0"/>
+          <a:lin ang="5400000" scaled="0"/>
         </a:gradFill>
       </a:fillStyleLst>
       <a:lnStyleLst>
-        <a:ln w="9525" cap="flat" cmpd="sng" algn="ctr">
-          <a:solidFill>
-            <a:schemeClr val="phClr">
-              <a:shade val="95000"/>
-              <a:satMod val="105000"/>
-            </a:schemeClr>
-          </a:solidFill>
-          <a:prstDash val="solid"/>
-        </a:ln>
-        <a:ln w="25400" cap="flat" cmpd="sng" algn="ctr">
+        <a:ln w="6350" cap="flat" cmpd="sng" algn="ctr">
           <a:solidFill>
             <a:schemeClr val="phClr"/>
           </a:solidFill>
           <a:prstDash val="solid"/>
+          <a:miter lim="800000"/>
         </a:ln>
-        <a:ln w="38100" cap="flat" cmpd="sng" algn="ctr">
+        <a:ln w="12700" cap="flat" cmpd="sng" algn="ctr">
           <a:solidFill>
             <a:schemeClr val="phClr"/>
           </a:solidFill>
           <a:prstDash val="solid"/>
+          <a:miter lim="800000"/>
+        </a:ln>
+        <a:ln w="19050" cap="flat" cmpd="sng" algn="ctr">
+          <a:solidFill>
+            <a:schemeClr val="phClr"/>
+          </a:solidFill>
+          <a:prstDash val="solid"/>
+          <a:miter lim="800000"/>
         </a:ln>
       </a:lnStyleLst>
       <a:effectStyleLst>
         <a:effectStyle>
+          <a:effectLst/>
+        </a:effectStyle>
+        <a:effectStyle>
+          <a:effectLst/>
+        </a:effectStyle>
+        <a:effectStyle>
           <a:effectLst>
-            <a:outerShdw blurRad="40000" dist="20000" dir="5400000" rotWithShape="0">
+            <a:outerShdw blurRad="57150" dist="19050" dir="5400000" algn="ctr" rotWithShape="0">
               <a:srgbClr val="000000">
-                <a:alpha val="38000"/>
+                <a:alpha val="63000"/>
               </a:srgbClr>
             </a:outerShdw>
           </a:effectLst>
-        </a:effectStyle>
-        <a:effectStyle>
-          <a:effectLst>
-            <a:outerShdw blurRad="40000" dist="23000" dir="5400000" rotWithShape="0">
-              <a:srgbClr val="000000">
-                <a:alpha val="35000"/>
-              </a:srgbClr>
-            </a:outerShdw>
-          </a:effectLst>
-        </a:effectStyle>
-        <a:effectStyle>
-          <a:effectLst>
-            <a:outerShdw blurRad="40000" dist="23000" dir="5400000" rotWithShape="0">
-              <a:srgbClr val="000000">
-                <a:alpha val="35000"/>
-              </a:srgbClr>
-            </a:outerShdw>
-          </a:effectLst>
-          <a:scene3d>
-            <a:camera prst="orthographicFront">
-              <a:rot lat="0" lon="0" rev="0"/>
-            </a:camera>
-            <a:lightRig rig="threePt" dir="t">
-              <a:rot lat="0" lon="0" rev="1200000"/>
-            </a:lightRig>
-          </a:scene3d>
-          <a:sp3d>
-            <a:bevelT w="63500" h="25400"/>
-          </a:sp3d>
         </a:effectStyle>
       </a:effectStyleLst>
       <a:bgFillStyleLst>
         <a:solidFill>
           <a:schemeClr val="phClr"/>
         </a:solidFill>
+        <a:solidFill>
+          <a:schemeClr val="phClr">
+            <a:tint val="95000"/>
+            <a:satMod val="170000"/>
+          </a:schemeClr>
+        </a:solidFill>
         <a:gradFill rotWithShape="1">
           <a:gsLst>
             <a:gs pos="0">
               <a:schemeClr val="phClr">
-                <a:tint val="40000"/>
-                <a:satMod val="350000"/>
+                <a:tint val="93000"/>
+                <a:satMod val="150000"/>
+                <a:shade val="98000"/>
+                <a:lumMod val="102000"/>
               </a:schemeClr>
             </a:gs>
-            <a:gs pos="40000">
+            <a:gs pos="50000">
               <a:schemeClr val="phClr">
-                <a:tint val="45000"/>
-                <a:shade val="99000"/>
-                <a:satMod val="350000"/>
+                <a:tint val="98000"/>
+                <a:satMod val="130000"/>
+                <a:shade val="90000"/>
+                <a:lumMod val="103000"/>
               </a:schemeClr>
             </a:gs>
             <a:gs pos="100000">
               <a:schemeClr val="phClr">
-                <a:shade val="20000"/>
-                <a:satMod val="255000"/>
+                <a:shade val="63000"/>
+                <a:satMod val="120000"/>
               </a:schemeClr>
             </a:gs>
           </a:gsLst>
-          <a:path path="circle">
-            <a:fillToRect l="50000" t="-80000" r="50000" b="180000"/>
-          </a:path>
-        </a:gradFill>
-        <a:gradFill rotWithShape="1">
-          <a:gsLst>
-            <a:gs pos="0">
-              <a:schemeClr val="phClr">
-                <a:tint val="80000"/>
-                <a:satMod val="300000"/>
-              </a:schemeClr>
-            </a:gs>
-            <a:gs pos="100000">
-              <a:schemeClr val="phClr">
-                <a:shade val="30000"/>
-                <a:satMod val="200000"/>
-              </a:schemeClr>
-            </a:gs>
-          </a:gsLst>
-          <a:path path="circle">
-            <a:fillToRect l="50000" t="50000" r="50000" b="50000"/>
-          </a:path>
+          <a:lin ang="5400000" scaled="0"/>
         </a:gradFill>
       </a:bgFillStyleLst>
     </a:fmtScheme>
   </a:themeElements>
-  <a:objectDefaults>
-    <a:spDef>
-      <a:spPr bwMode="auto">
-        <a:xfrm>
-          <a:off x="0" y="0"/>
-          <a:ext cx="1" cy="1"/>
-        </a:xfrm>
-        <a:custGeom>
-          <a:avLst/>
-          <a:gdLst/>
-          <a:ahLst/>
-          <a:cxnLst/>
-          <a:rect l="0" t="0" r="0" b="0"/>
-          <a:pathLst/>
-        </a:custGeom>
-        <a:solidFill>
-          <a:schemeClr val="accent1"/>
-        </a:solidFill>
-        <a:ln w="9525" cap="flat" cmpd="sng" algn="ctr">
-          <a:solidFill>
-            <a:schemeClr val="tx1"/>
-          </a:solidFill>
-          <a:prstDash val="solid"/>
-          <a:round/>
-          <a:headEnd type="none" w="med" len="med"/>
-          <a:tailEnd type="none" w="med" len="med"/>
-        </a:ln>
-        <a:effectLst/>
-      </a:spPr>
-      <a:bodyPr vert="horz" wrap="square" lIns="91440" tIns="45720" rIns="91440" bIns="45720" numCol="1" anchor="t" anchorCtr="0" compatLnSpc="1">
-        <a:prstTxWarp prst="textNoShape">
-          <a:avLst/>
-        </a:prstTxWarp>
-      </a:bodyPr>
-      <a:lstStyle>
-        <a:defPPr marL="0" marR="0" indent="0" algn="l" defTabSz="914400" rtl="0" eaLnBrk="0" fontAlgn="base" latinLnBrk="0" hangingPunct="0">
-          <a:lnSpc>
-            <a:spcPct val="100000"/>
-          </a:lnSpc>
-          <a:spcBef>
-            <a:spcPct val="0"/>
-          </a:spcBef>
-          <a:spcAft>
-            <a:spcPct val="0"/>
-          </a:spcAft>
-          <a:buClrTx/>
-          <a:buSzTx/>
-          <a:buFontTx/>
-          <a:buNone/>
-          <a:tabLst/>
-          <a:defRPr kumimoji="0" lang="en-US" sz="2400" b="0" i="0" u="none" strike="noStrike" cap="none" normalizeH="0" baseline="0">
-            <a:ln>
-              <a:noFill/>
-            </a:ln>
-            <a:solidFill>
-              <a:schemeClr val="tx1"/>
-            </a:solidFill>
-            <a:effectLst/>
-            <a:latin typeface="Times" charset="0"/>
-          </a:defRPr>
-        </a:defPPr>
-      </a:lstStyle>
-    </a:spDef>
-    <a:lnDef>
-      <a:spPr bwMode="auto">
-        <a:xfrm>
-          <a:off x="0" y="0"/>
-          <a:ext cx="1" cy="1"/>
-        </a:xfrm>
-        <a:custGeom>
-          <a:avLst/>
-          <a:gdLst/>
-          <a:ahLst/>
-          <a:cxnLst/>
-          <a:rect l="0" t="0" r="0" b="0"/>
-          <a:pathLst/>
-        </a:custGeom>
-        <a:solidFill>
-          <a:schemeClr val="accent1"/>
-        </a:solidFill>
-        <a:ln w="9525" cap="flat" cmpd="sng" algn="ctr">
-          <a:solidFill>
-            <a:schemeClr val="tx1"/>
-          </a:solidFill>
-          <a:prstDash val="solid"/>
-          <a:round/>
-          <a:headEnd type="none" w="med" len="med"/>
-          <a:tailEnd type="none" w="med" len="med"/>
-        </a:ln>
-        <a:effectLst/>
-      </a:spPr>
-      <a:bodyPr vert="horz" wrap="square" lIns="91440" tIns="45720" rIns="91440" bIns="45720" numCol="1" anchor="t" anchorCtr="0" compatLnSpc="1">
-        <a:prstTxWarp prst="textNoShape">
-          <a:avLst/>
-        </a:prstTxWarp>
-      </a:bodyPr>
-      <a:lstStyle>
-        <a:defPPr marL="0" marR="0" indent="0" algn="l" defTabSz="914400" rtl="0" eaLnBrk="0" fontAlgn="base" latinLnBrk="0" hangingPunct="0">
-          <a:lnSpc>
-            <a:spcPct val="100000"/>
-          </a:lnSpc>
-          <a:spcBef>
-            <a:spcPct val="0"/>
-          </a:spcBef>
-          <a:spcAft>
-            <a:spcPct val="0"/>
-          </a:spcAft>
-          <a:buClrTx/>
-          <a:buSzTx/>
-          <a:buFontTx/>
-          <a:buNone/>
-          <a:tabLst/>
-          <a:defRPr kumimoji="0" lang="en-US" sz="2400" b="0" i="0" u="none" strike="noStrike" cap="none" normalizeH="0" baseline="0">
-            <a:ln>
-              <a:noFill/>
-            </a:ln>
-            <a:solidFill>
-              <a:schemeClr val="tx1"/>
-            </a:solidFill>
-            <a:effectLst/>
-            <a:latin typeface="Times" charset="0"/>
-          </a:defRPr>
-        </a:defPPr>
-      </a:lstStyle>
-    </a:lnDef>
-  </a:objectDefaults>
-  <a:extraClrSchemeLst>
-    <a:extraClrScheme>
-      <a:clrScheme name="Blank Presentation 1">
-        <a:dk1>
-          <a:srgbClr val="000000"/>
-        </a:dk1>
-        <a:lt1>
-          <a:srgbClr val="FFFFFF"/>
-        </a:lt1>
-        <a:dk2>
-          <a:srgbClr val="000000"/>
-        </a:dk2>
-        <a:lt2>
-          <a:srgbClr val="808080"/>
-        </a:lt2>
-        <a:accent1>
-          <a:srgbClr val="BBE0E3"/>
-        </a:accent1>
-        <a:accent2>
-          <a:srgbClr val="333399"/>
-        </a:accent2>
-        <a:accent3>
-          <a:srgbClr val="FFFFFF"/>
-        </a:accent3>
-        <a:accent4>
-          <a:srgbClr val="000000"/>
-        </a:accent4>
-        <a:accent5>
-          <a:srgbClr val="DAEDEF"/>
-        </a:accent5>
-        <a:accent6>
-          <a:srgbClr val="2D2D8A"/>
-        </a:accent6>
-        <a:hlink>
-          <a:srgbClr val="009999"/>
-        </a:hlink>
-        <a:folHlink>
-          <a:srgbClr val="99CC00"/>
-        </a:folHlink>
-      </a:clrScheme>
-      <a:clrMap bg1="lt1" tx1="dk1" bg2="lt2" tx2="dk2" accent1="accent1" accent2="accent2" accent3="accent3" accent4="accent4" accent5="accent5" accent6="accent6" hlink="hlink" folHlink="folHlink"/>
-    </a:extraClrScheme>
-    <a:extraClrScheme>
-      <a:clrScheme name="Blank Presentation 2">
-        <a:dk1>
-          <a:srgbClr val="000000"/>
-        </a:dk1>
-        <a:lt1>
-          <a:srgbClr val="FFFFFF"/>
-        </a:lt1>
-        <a:dk2>
-          <a:srgbClr val="000000"/>
-        </a:dk2>
-        <a:lt2>
-          <a:srgbClr val="969696"/>
-        </a:lt2>
-        <a:accent1>
-          <a:srgbClr val="FBDF53"/>
-        </a:accent1>
-        <a:accent2>
-          <a:srgbClr val="FF9966"/>
-        </a:accent2>
-        <a:accent3>
-          <a:srgbClr val="FFFFFF"/>
-        </a:accent3>
-        <a:accent4>
-          <a:srgbClr val="000000"/>
-        </a:accent4>
-        <a:accent5>
-          <a:srgbClr val="FDECB3"/>
-        </a:accent5>
-        <a:accent6>
-          <a:srgbClr val="E78A5C"/>
-        </a:accent6>
-        <a:hlink>
-          <a:srgbClr val="CC3300"/>
-        </a:hlink>
-        <a:folHlink>
-          <a:srgbClr val="996600"/>
-        </a:folHlink>
-      </a:clrScheme>
-      <a:clrMap bg1="lt1" tx1="dk1" bg2="lt2" tx2="dk2" accent1="accent1" accent2="accent2" accent3="accent3" accent4="accent4" accent5="accent5" accent6="accent6" hlink="hlink" folHlink="folHlink"/>
-    </a:extraClrScheme>
-    <a:extraClrScheme>
-      <a:clrScheme name="Blank Presentation 3">
-        <a:dk1>
-          <a:srgbClr val="000000"/>
-        </a:dk1>
-        <a:lt1>
-          <a:srgbClr val="FFFFFF"/>
-        </a:lt1>
-        <a:dk2>
-          <a:srgbClr val="000000"/>
-        </a:dk2>
-        <a:lt2>
-          <a:srgbClr val="808080"/>
-        </a:lt2>
-        <a:accent1>
-          <a:srgbClr val="99CCFF"/>
-        </a:accent1>
-        <a:accent2>
-          <a:srgbClr val="CCCCFF"/>
-        </a:accent2>
-        <a:accent3>
-          <a:srgbClr val="FFFFFF"/>
-        </a:accent3>
-        <a:accent4>
-          <a:srgbClr val="000000"/>
-        </a:accent4>
-        <a:accent5>
-          <a:srgbClr val="CAE2FF"/>
-        </a:accent5>
-        <a:accent6>
-          <a:srgbClr val="B9B9E7"/>
-        </a:accent6>
-        <a:hlink>
-          <a:srgbClr val="3333CC"/>
-        </a:hlink>
-        <a:folHlink>
-          <a:srgbClr val="AF67FF"/>
-        </a:folHlink>
-      </a:clrScheme>
-      <a:clrMap bg1="lt1" tx1="dk1" bg2="lt2" tx2="dk2" accent1="accent1" accent2="accent2" accent3="accent3" accent4="accent4" accent5="accent5" accent6="accent6" hlink="hlink" folHlink="folHlink"/>
-    </a:extraClrScheme>
-    <a:extraClrScheme>
-      <a:clrScheme name="Blank Presentation 4">
-        <a:dk1>
-          <a:srgbClr val="000000"/>
-        </a:dk1>
-        <a:lt1>
-          <a:srgbClr val="DEF6F1"/>
-        </a:lt1>
-        <a:dk2>
-          <a:srgbClr val="000000"/>
-        </a:dk2>
-        <a:lt2>
-          <a:srgbClr val="969696"/>
-        </a:lt2>
-        <a:accent1>
-          <a:srgbClr val="FFFFFF"/>
-        </a:accent1>
-        <a:accent2>
-          <a:srgbClr val="8DC6FF"/>
-        </a:accent2>
-        <a:accent3>
-          <a:srgbClr val="ECFAF7"/>
-        </a:accent3>
-        <a:accent4>
-          <a:srgbClr val="000000"/>
-        </a:accent4>
-        <a:accent5>
-          <a:srgbClr val="FFFFFF"/>
-        </a:accent5>
-        <a:accent6>
-          <a:srgbClr val="7FB3E7"/>
-        </a:accent6>
-        <a:hlink>
-          <a:srgbClr val="0066CC"/>
-        </a:hlink>
-        <a:folHlink>
-          <a:srgbClr val="00A800"/>
-        </a:folHlink>
-      </a:clrScheme>
-      <a:clrMap bg1="lt1" tx1="dk1" bg2="lt2" tx2="dk2" accent1="accent1" accent2="accent2" accent3="accent3" accent4="accent4" accent5="accent5" accent6="accent6" hlink="hlink" folHlink="folHlink"/>
-    </a:extraClrScheme>
-    <a:extraClrScheme>
-      <a:clrScheme name="Blank Presentation 5">
-        <a:dk1>
-          <a:srgbClr val="000000"/>
-        </a:dk1>
-        <a:lt1>
-          <a:srgbClr val="FFFFD9"/>
-        </a:lt1>
-        <a:dk2>
-          <a:srgbClr val="000000"/>
-        </a:dk2>
-        <a:lt2>
-          <a:srgbClr val="777777"/>
-        </a:lt2>
-        <a:accent1>
-          <a:srgbClr val="FFFFF7"/>
-        </a:accent1>
-        <a:accent2>
-          <a:srgbClr val="33CCCC"/>
-        </a:accent2>
-        <a:accent3>
-          <a:srgbClr val="FFFFE9"/>
-        </a:accent3>
-        <a:accent4>
-          <a:srgbClr val="000000"/>
-        </a:accent4>
-        <a:accent5>
-          <a:srgbClr val="FFFFFA"/>
-        </a:accent5>
-        <a:accent6>
-          <a:srgbClr val="2DB9B9"/>
-        </a:accent6>
-        <a:hlink>
-          <a:srgbClr val="FF5050"/>
-        </a:hlink>
-        <a:folHlink>
-          <a:srgbClr val="FF9900"/>
-        </a:folHlink>
-      </a:clrScheme>
-      <a:clrMap bg1="lt1" tx1="dk1" bg2="lt2" tx2="dk2" accent1="accent1" accent2="accent2" accent3="accent3" accent4="accent4" accent5="accent5" accent6="accent6" hlink="hlink" folHlink="folHlink"/>
-    </a:extraClrScheme>
-    <a:extraClrScheme>
-      <a:clrScheme name="Blank Presentation 6">
-        <a:dk1>
-          <a:srgbClr val="005A58"/>
-        </a:dk1>
-        <a:lt1>
-          <a:srgbClr val="FFFFFF"/>
-        </a:lt1>
-        <a:dk2>
-          <a:srgbClr val="008080"/>
-        </a:dk2>
-        <a:lt2>
-          <a:srgbClr val="FFFF99"/>
-        </a:lt2>
-        <a:accent1>
-          <a:srgbClr val="006462"/>
-        </a:accent1>
-        <a:accent2>
-          <a:srgbClr val="6D6FC7"/>
-        </a:accent2>
-        <a:accent3>
-          <a:srgbClr val="AAC0C0"/>
-        </a:accent3>
-        <a:accent4>
-          <a:srgbClr val="DADADA"/>
-        </a:accent4>
-        <a:accent5>
-          <a:srgbClr val="AAB8B7"/>
-        </a:accent5>
-        <a:accent6>
-          <a:srgbClr val="6264B4"/>
-        </a:accent6>
-        <a:hlink>
-          <a:srgbClr val="00FFFF"/>
-        </a:hlink>
-        <a:folHlink>
-          <a:srgbClr val="00FF00"/>
-        </a:folHlink>
-      </a:clrScheme>
-      <a:clrMap bg1="dk2" tx1="lt1" bg2="dk1" tx2="lt2" accent1="accent1" accent2="accent2" accent3="accent3" accent4="accent4" accent5="accent5" accent6="accent6" hlink="hlink" folHlink="folHlink"/>
-    </a:extraClrScheme>
-    <a:extraClrScheme>
-      <a:clrScheme name="Blank Presentation 7">
-        <a:dk1>
-          <a:srgbClr val="5C1F00"/>
-        </a:dk1>
-        <a:lt1>
-          <a:srgbClr val="FFFFFF"/>
-        </a:lt1>
-        <a:dk2>
-          <a:srgbClr val="800000"/>
-        </a:dk2>
-        <a:lt2>
-          <a:srgbClr val="DFD293"/>
-        </a:lt2>
-        <a:accent1>
-          <a:srgbClr val="713E39"/>
-        </a:accent1>
-        <a:accent2>
-          <a:srgbClr val="BE7960"/>
-        </a:accent2>
-        <a:accent3>
-          <a:srgbClr val="C0AAAA"/>
-        </a:accent3>
-        <a:accent4>
-          <a:srgbClr val="DADADA"/>
-        </a:accent4>
-        <a:accent5>
-          <a:srgbClr val="BBAFAE"/>
-        </a:accent5>
-        <a:accent6>
-          <a:srgbClr val="AC6D56"/>
-        </a:accent6>
-        <a:hlink>
-          <a:srgbClr val="FFFF99"/>
-        </a:hlink>
-        <a:folHlink>
-          <a:srgbClr val="D3A219"/>
-        </a:folHlink>
-      </a:clrScheme>
-      <a:clrMap bg1="dk2" tx1="lt1" bg2="dk1" tx2="lt2" accent1="accent1" accent2="accent2" accent3="accent3" accent4="accent4" accent5="accent5" accent6="accent6" hlink="hlink" folHlink="folHlink"/>
-    </a:extraClrScheme>
-    <a:extraClrScheme>
-      <a:clrScheme name="Blank Presentation 8">
-        <a:dk1>
-          <a:srgbClr val="003366"/>
-        </a:dk1>
-        <a:lt1>
-          <a:srgbClr val="FFFFFF"/>
-        </a:lt1>
-        <a:dk2>
-          <a:srgbClr val="000099"/>
-        </a:dk2>
-        <a:lt2>
-          <a:srgbClr val="CCFFFF"/>
-        </a:lt2>
-        <a:accent1>
-          <a:srgbClr val="3366CC"/>
-        </a:accent1>
-        <a:accent2>
-          <a:srgbClr val="00B000"/>
-        </a:accent2>
-        <a:accent3>
-          <a:srgbClr val="AAAACA"/>
-        </a:accent3>
-        <a:accent4>
-          <a:srgbClr val="DADADA"/>
-        </a:accent4>
-        <a:accent5>
-          <a:srgbClr val="ADB8E2"/>
-        </a:accent5>
-        <a:accent6>
-          <a:srgbClr val="009F00"/>
-        </a:accent6>
-        <a:hlink>
-          <a:srgbClr val="66CCFF"/>
-        </a:hlink>
-        <a:folHlink>
-          <a:srgbClr val="FFE701"/>
-        </a:folHlink>
-      </a:clrScheme>
-      <a:clrMap bg1="dk2" tx1="lt1" bg2="dk1" tx2="lt2" accent1="accent1" accent2="accent2" accent3="accent3" accent4="accent4" accent5="accent5" accent6="accent6" hlink="hlink" folHlink="folHlink"/>
-    </a:extraClrScheme>
-    <a:extraClrScheme>
-      <a:clrScheme name="Blank Presentation 9">
-        <a:dk1>
-          <a:srgbClr val="336699"/>
-        </a:dk1>
-        <a:lt1>
-          <a:srgbClr val="FFFFFF"/>
-        </a:lt1>
-        <a:dk2>
-          <a:srgbClr val="000000"/>
-        </a:dk2>
-        <a:lt2>
-          <a:srgbClr val="E3EBF1"/>
-        </a:lt2>
-        <a:accent1>
-          <a:srgbClr val="003399"/>
-        </a:accent1>
-        <a:accent2>
-          <a:srgbClr val="468A4B"/>
-        </a:accent2>
-        <a:accent3>
-          <a:srgbClr val="AAAAAA"/>
-        </a:accent3>
-        <a:accent4>
-          <a:srgbClr val="DADADA"/>
-        </a:accent4>
-        <a:accent5>
-          <a:srgbClr val="AAADCA"/>
-        </a:accent5>
-        <a:accent6>
-          <a:srgbClr val="3F7D43"/>
-        </a:accent6>
-        <a:hlink>
-          <a:srgbClr val="66CCFF"/>
-        </a:hlink>
-        <a:folHlink>
-          <a:srgbClr val="F0E500"/>
-        </a:folHlink>
-      </a:clrScheme>
-      <a:clrMap bg1="dk2" tx1="lt1" bg2="dk1" tx2="lt2" accent1="accent1" accent2="accent2" accent3="accent3" accent4="accent4" accent5="accent5" accent6="accent6" hlink="hlink" folHlink="folHlink"/>
-    </a:extraClrScheme>
-    <a:extraClrScheme>
-      <a:clrScheme name="Blank Presentation 10">
-        <a:dk1>
-          <a:srgbClr val="777777"/>
-        </a:dk1>
-        <a:lt1>
-          <a:srgbClr val="FFFFFF"/>
-        </a:lt1>
-        <a:dk2>
-          <a:srgbClr val="686B5D"/>
-        </a:dk2>
-        <a:lt2>
-          <a:srgbClr val="D1D1CB"/>
-        </a:lt2>
-        <a:accent1>
-          <a:srgbClr val="909082"/>
-        </a:accent1>
-        <a:accent2>
-          <a:srgbClr val="809EA8"/>
-        </a:accent2>
-        <a:accent3>
-          <a:srgbClr val="B9BAB6"/>
-        </a:accent3>
-        <a:accent4>
-          <a:srgbClr val="DADADA"/>
-        </a:accent4>
-        <a:accent5>
-          <a:srgbClr val="C6C6C1"/>
-        </a:accent5>
-        <a:accent6>
-          <a:srgbClr val="738F98"/>
-        </a:accent6>
-        <a:hlink>
-          <a:srgbClr val="FFCC66"/>
-        </a:hlink>
-        <a:folHlink>
-          <a:srgbClr val="E9DCB9"/>
-        </a:folHlink>
-      </a:clrScheme>
-      <a:clrMap bg1="dk2" tx1="lt1" bg2="dk1" tx2="lt2" accent1="accent1" accent2="accent2" accent3="accent3" accent4="accent4" accent5="accent5" accent6="accent6" hlink="hlink" folHlink="folHlink"/>
-    </a:extraClrScheme>
-    <a:extraClrScheme>
-      <a:clrScheme name="Blank Presentation 11">
-        <a:dk1>
-          <a:srgbClr val="3E3E5C"/>
-        </a:dk1>
-        <a:lt1>
-          <a:srgbClr val="FFFFFF"/>
-        </a:lt1>
-        <a:dk2>
-          <a:srgbClr val="666699"/>
-        </a:dk2>
-        <a:lt2>
-          <a:srgbClr val="FFFFFF"/>
-        </a:lt2>
-        <a:accent1>
-          <a:srgbClr val="60597B"/>
-        </a:accent1>
-        <a:accent2>
-          <a:srgbClr val="6666FF"/>
-        </a:accent2>
-        <a:accent3>
-          <a:srgbClr val="B8B8CA"/>
-        </a:accent3>
-        <a:accent4>
-          <a:srgbClr val="DADADA"/>
-        </a:accent4>
-        <a:accent5>
-          <a:srgbClr val="B6B5BF"/>
-        </a:accent5>
-        <a:accent6>
-          <a:srgbClr val="5C5CE7"/>
-        </a:accent6>
-        <a:hlink>
-          <a:srgbClr val="99CCFF"/>
-        </a:hlink>
-        <a:folHlink>
-          <a:srgbClr val="FFFF99"/>
-        </a:folHlink>
-      </a:clrScheme>
-      <a:clrMap bg1="dk2" tx1="lt1" bg2="dk1" tx2="lt2" accent1="accent1" accent2="accent2" accent3="accent3" accent4="accent4" accent5="accent5" accent6="accent6" hlink="hlink" folHlink="folHlink"/>
-    </a:extraClrScheme>
-    <a:extraClrScheme>
-      <a:clrScheme name="Blank Presentation 12">
-        <a:dk1>
-          <a:srgbClr val="2D2015"/>
-        </a:dk1>
-        <a:lt1>
-          <a:srgbClr val="FFFFFF"/>
-        </a:lt1>
-        <a:dk2>
-          <a:srgbClr val="523E26"/>
-        </a:dk2>
-        <a:lt2>
-          <a:srgbClr val="DFC08D"/>
-        </a:lt2>
-        <a:accent1>
-          <a:srgbClr val="8C7B70"/>
-        </a:accent1>
-        <a:accent2>
-          <a:srgbClr val="8F5F2F"/>
-        </a:accent2>
-        <a:accent3>
-          <a:srgbClr val="B3AFAC"/>
-        </a:accent3>
-        <a:accent4>
-          <a:srgbClr val="DADADA"/>
-        </a:accent4>
-        <a:accent5>
-          <a:srgbClr val="C5BFBB"/>
-        </a:accent5>
-        <a:accent6>
-          <a:srgbClr val="81552A"/>
-        </a:accent6>
-        <a:hlink>
-          <a:srgbClr val="CCB400"/>
-        </a:hlink>
-        <a:folHlink>
-          <a:srgbClr val="8C9EA0"/>
-        </a:folHlink>
-      </a:clrScheme>
-      <a:clrMap bg1="dk2" tx1="lt1" bg2="dk1" tx2="lt2" accent1="accent1" accent2="accent2" accent3="accent3" accent4="accent4" accent5="accent5" accent6="accent6" hlink="hlink" folHlink="folHlink"/>
-    </a:extraClrScheme>
-  </a:extraClrSchemeLst>
+  <a:objectDefaults/>
+  <a:extraClrSchemeLst/>
+  <a:extLst>
+    <a:ext uri="{05A4C25C-085E-4340-85A3-A5531E510DB2}">
+      <thm15:themeFamily xmlns:thm15="http://schemas.microsoft.com/office/thememl/2012/main" name="Office Theme" id="{62F939B6-93AF-4DB8-9C6B-D6C7DFDC589F}" vid="{4A3C46E8-61CC-4603-A589-7422A47A8E4A}"/>
+    </a:ext>
+  </a:extLst>
 </a:theme>
 </file>
 

--- a/assets/ppt/conclusion.pptx
+++ b/assets/ppt/conclusion.pptx
@@ -5836,8 +5836,13 @@
             </a:pPr>
             <a:r>
               <a:rPr lang="en-US" sz="2400" dirty="0"/>
-              <a:t>To learn how code generation and code optimization can make you a better compiler</a:t>
-            </a:r>
+              <a:t>To learn how code generation and code optimization can make you a </a:t>
+            </a:r>
+            <a:r>
+              <a:rPr lang="en-US" sz="2400"/>
+              <a:t>better programmer</a:t>
+            </a:r>
+            <a:endParaRPr lang="en-US" sz="2400" dirty="0"/>
           </a:p>
           <a:p>
             <a:pPr>
